--- a/Лекции/Состязательные модели в ИБ.pptx
+++ b/Лекции/Состязательные модели в ИБ.pptx
@@ -10,23 +10,17 @@
     <p:sldId id="330" r:id="rId4"/>
     <p:sldId id="331" r:id="rId5"/>
     <p:sldId id="294" r:id="rId6"/>
-    <p:sldId id="332" r:id="rId7"/>
-    <p:sldId id="328" r:id="rId8"/>
-    <p:sldId id="333" r:id="rId9"/>
-    <p:sldId id="327" r:id="rId10"/>
-    <p:sldId id="334" r:id="rId11"/>
-    <p:sldId id="335" r:id="rId12"/>
-    <p:sldId id="336" r:id="rId13"/>
-    <p:sldId id="337" r:id="rId14"/>
-    <p:sldId id="338" r:id="rId15"/>
-    <p:sldId id="339" r:id="rId16"/>
-    <p:sldId id="340" r:id="rId17"/>
-    <p:sldId id="341" r:id="rId18"/>
-    <p:sldId id="342" r:id="rId19"/>
-    <p:sldId id="343" r:id="rId20"/>
-    <p:sldId id="344" r:id="rId21"/>
-    <p:sldId id="345" r:id="rId22"/>
-    <p:sldId id="318" r:id="rId23"/>
+    <p:sldId id="349" r:id="rId7"/>
+    <p:sldId id="348" r:id="rId8"/>
+    <p:sldId id="332" r:id="rId9"/>
+    <p:sldId id="328" r:id="rId10"/>
+    <p:sldId id="346" r:id="rId11"/>
+    <p:sldId id="347" r:id="rId12"/>
+    <p:sldId id="334" r:id="rId13"/>
+    <p:sldId id="333" r:id="rId14"/>
+    <p:sldId id="350" r:id="rId15"/>
+    <p:sldId id="327" r:id="rId16"/>
+    <p:sldId id="318" r:id="rId17"/>
   </p:sldIdLst>
   <p:sldSz cx="12192000" cy="6858000"/>
   <p:notesSz cx="6858000" cy="9144000"/>
@@ -262,7 +256,7 @@
           <a:p>
             <a:fld id="{44AC4E9E-3BE5-4665-BAE6-72CA507E8656}" type="datetimeFigureOut">
               <a:rPr lang="ru-RU" smtClean="0"/>
-              <a:t>20.12.2021</a:t>
+              <a:t>23.12.2021</a:t>
             </a:fld>
             <a:endParaRPr lang="ru-RU"/>
           </a:p>
@@ -430,7 +424,7 @@
           <a:p>
             <a:fld id="{44AC4E9E-3BE5-4665-BAE6-72CA507E8656}" type="datetimeFigureOut">
               <a:rPr lang="ru-RU" smtClean="0"/>
-              <a:t>20.12.2021</a:t>
+              <a:t>23.12.2021</a:t>
             </a:fld>
             <a:endParaRPr lang="ru-RU"/>
           </a:p>
@@ -608,7 +602,7 @@
           <a:p>
             <a:fld id="{44AC4E9E-3BE5-4665-BAE6-72CA507E8656}" type="datetimeFigureOut">
               <a:rPr lang="ru-RU" smtClean="0"/>
-              <a:t>20.12.2021</a:t>
+              <a:t>23.12.2021</a:t>
             </a:fld>
             <a:endParaRPr lang="ru-RU"/>
           </a:p>
@@ -776,7 +770,7 @@
           <a:p>
             <a:fld id="{44AC4E9E-3BE5-4665-BAE6-72CA507E8656}" type="datetimeFigureOut">
               <a:rPr lang="ru-RU" smtClean="0"/>
-              <a:t>20.12.2021</a:t>
+              <a:t>23.12.2021</a:t>
             </a:fld>
             <a:endParaRPr lang="ru-RU"/>
           </a:p>
@@ -1021,7 +1015,7 @@
           <a:p>
             <a:fld id="{44AC4E9E-3BE5-4665-BAE6-72CA507E8656}" type="datetimeFigureOut">
               <a:rPr lang="ru-RU" smtClean="0"/>
-              <a:t>20.12.2021</a:t>
+              <a:t>23.12.2021</a:t>
             </a:fld>
             <a:endParaRPr lang="ru-RU"/>
           </a:p>
@@ -1250,7 +1244,7 @@
           <a:p>
             <a:fld id="{44AC4E9E-3BE5-4665-BAE6-72CA507E8656}" type="datetimeFigureOut">
               <a:rPr lang="ru-RU" smtClean="0"/>
-              <a:t>20.12.2021</a:t>
+              <a:t>23.12.2021</a:t>
             </a:fld>
             <a:endParaRPr lang="ru-RU"/>
           </a:p>
@@ -1614,7 +1608,7 @@
           <a:p>
             <a:fld id="{44AC4E9E-3BE5-4665-BAE6-72CA507E8656}" type="datetimeFigureOut">
               <a:rPr lang="ru-RU" smtClean="0"/>
-              <a:t>20.12.2021</a:t>
+              <a:t>23.12.2021</a:t>
             </a:fld>
             <a:endParaRPr lang="ru-RU"/>
           </a:p>
@@ -1731,7 +1725,7 @@
           <a:p>
             <a:fld id="{44AC4E9E-3BE5-4665-BAE6-72CA507E8656}" type="datetimeFigureOut">
               <a:rPr lang="ru-RU" smtClean="0"/>
-              <a:t>20.12.2021</a:t>
+              <a:t>23.12.2021</a:t>
             </a:fld>
             <a:endParaRPr lang="ru-RU"/>
           </a:p>
@@ -1826,7 +1820,7 @@
           <a:p>
             <a:fld id="{44AC4E9E-3BE5-4665-BAE6-72CA507E8656}" type="datetimeFigureOut">
               <a:rPr lang="ru-RU" smtClean="0"/>
-              <a:t>20.12.2021</a:t>
+              <a:t>23.12.2021</a:t>
             </a:fld>
             <a:endParaRPr lang="ru-RU"/>
           </a:p>
@@ -2101,7 +2095,7 @@
           <a:p>
             <a:fld id="{44AC4E9E-3BE5-4665-BAE6-72CA507E8656}" type="datetimeFigureOut">
               <a:rPr lang="ru-RU" smtClean="0"/>
-              <a:t>20.12.2021</a:t>
+              <a:t>23.12.2021</a:t>
             </a:fld>
             <a:endParaRPr lang="ru-RU"/>
           </a:p>
@@ -2353,7 +2347,7 @@
           <a:p>
             <a:fld id="{44AC4E9E-3BE5-4665-BAE6-72CA507E8656}" type="datetimeFigureOut">
               <a:rPr lang="ru-RU" smtClean="0"/>
-              <a:t>20.12.2021</a:t>
+              <a:t>23.12.2021</a:t>
             </a:fld>
             <a:endParaRPr lang="ru-RU"/>
           </a:p>
@@ -2564,7 +2558,7 @@
           <a:p>
             <a:fld id="{44AC4E9E-3BE5-4665-BAE6-72CA507E8656}" type="datetimeFigureOut">
               <a:rPr lang="ru-RU" smtClean="0"/>
-              <a:t>20.12.2021</a:t>
+              <a:t>23.12.2021</a:t>
             </a:fld>
             <a:endParaRPr lang="ru-RU"/>
           </a:p>
@@ -3219,8 +3213,8 @@
         </p:nvSpPr>
         <p:spPr>
           <a:xfrm>
-            <a:off x="671465" y="1586497"/>
-            <a:ext cx="10515600" cy="4351338"/>
+            <a:off x="763743" y="1402101"/>
+            <a:ext cx="6819905" cy="4351338"/>
           </a:xfrm>
         </p:spPr>
         <p:txBody>
@@ -3231,11 +3225,14 @@
           <a:p>
             <a:r>
               <a:rPr lang="ru-RU" altLang="ru-RU" dirty="0"/>
-              <a:t>Ф</a:t>
-            </a:r>
-          </a:p>
-          <a:p>
-            <a:endParaRPr lang="ru-RU" altLang="ru-RU" dirty="0"/>
+              <a:t>Генерируются модифицированные изображения, похожие на исходные (например, заменить окрас лошади)</a:t>
+            </a:r>
+          </a:p>
+          <a:p>
+            <a:r>
+              <a:rPr lang="ru-RU" altLang="ru-RU" dirty="0"/>
+              <a:t>Применение: создание наборов данных</a:t>
+            </a:r>
           </a:p>
         </p:txBody>
       </p:sp>
@@ -3482,20 +3479,85 @@
           </a:lstStyle>
           <a:p>
             <a:r>
-              <a:rPr lang="ru-RU" sz="2400" b="1" dirty="0">
+              <a:rPr lang="en-US" sz="2400" b="1" dirty="0" err="1">
                 <a:solidFill>
                   <a:srgbClr val="FF0000"/>
                 </a:solidFill>
               </a:rPr>
-              <a:t>Атаки</a:t>
-            </a:r>
-          </a:p>
-        </p:txBody>
-      </p:sp>
+              <a:t>CycleGAN</a:t>
+            </a:r>
+            <a:endParaRPr lang="ru-RU" sz="2400" b="1" dirty="0">
+              <a:solidFill>
+                <a:srgbClr val="FF0000"/>
+              </a:solidFill>
+            </a:endParaRPr>
+          </a:p>
+        </p:txBody>
+      </p:sp>
+      <p:pic>
+        <p:nvPicPr>
+          <p:cNvPr id="2" name="Рисунок 1">
+            <a:extLst>
+              <a:ext uri="{FF2B5EF4-FFF2-40B4-BE49-F238E27FC236}">
+                <a16:creationId xmlns:a16="http://schemas.microsoft.com/office/drawing/2014/main" id="{15F29347-D143-4021-B09F-CD329A26608C}"/>
+              </a:ext>
+            </a:extLst>
+          </p:cNvPr>
+          <p:cNvPicPr>
+            <a:picLocks noChangeAspect="1"/>
+          </p:cNvPicPr>
+          <p:nvPr/>
+        </p:nvPicPr>
+        <p:blipFill>
+          <a:blip r:embed="rId3"/>
+          <a:stretch>
+            <a:fillRect/>
+          </a:stretch>
+        </p:blipFill>
+        <p:spPr>
+          <a:xfrm>
+            <a:off x="8869915" y="1425171"/>
+            <a:ext cx="2790825" cy="1857375"/>
+          </a:xfrm>
+          <a:prstGeom prst="rect">
+            <a:avLst/>
+          </a:prstGeom>
+        </p:spPr>
+      </p:pic>
+      <p:pic>
+        <p:nvPicPr>
+          <p:cNvPr id="6" name="Рисунок 5">
+            <a:extLst>
+              <a:ext uri="{FF2B5EF4-FFF2-40B4-BE49-F238E27FC236}">
+                <a16:creationId xmlns:a16="http://schemas.microsoft.com/office/drawing/2014/main" id="{DAC3D3EE-C943-42D4-8B77-58ED7B9EAC98}"/>
+              </a:ext>
+            </a:extLst>
+          </p:cNvPr>
+          <p:cNvPicPr>
+            <a:picLocks noChangeAspect="1"/>
+          </p:cNvPicPr>
+          <p:nvPr/>
+        </p:nvPicPr>
+        <p:blipFill>
+          <a:blip r:embed="rId4"/>
+          <a:stretch>
+            <a:fillRect/>
+          </a:stretch>
+        </p:blipFill>
+        <p:spPr>
+          <a:xfrm>
+            <a:off x="6259006" y="3351944"/>
+            <a:ext cx="5531941" cy="2714233"/>
+          </a:xfrm>
+          <a:prstGeom prst="rect">
+            <a:avLst/>
+          </a:prstGeom>
+        </p:spPr>
+      </p:pic>
     </p:spTree>
     <p:extLst>
       <p:ext uri="{BB962C8B-B14F-4D97-AF65-F5344CB8AC3E}">
-        <p14:creationId xmlns:p14="http://schemas.microsoft.com/office/powerpoint/2010/main" val="3770978802"/>
+        <p14:creationId xmlns:p14="http://schemas.microsoft.com/office/powerpoint/2010/main" val="2909437792"/>
       </p:ext>
     </p:extLst>
   </p:cSld>
@@ -3540,7 +3602,7 @@
         </p:nvSpPr>
         <p:spPr>
           <a:xfrm>
-            <a:off x="671465" y="1586497"/>
+            <a:off x="763743" y="1402101"/>
             <a:ext cx="10515600" cy="4351338"/>
           </a:xfrm>
         </p:spPr>
@@ -3552,10 +3614,15 @@
           <a:p>
             <a:r>
               <a:rPr lang="ru-RU" altLang="ru-RU" dirty="0"/>
-              <a:t>Ф</a:t>
-            </a:r>
-          </a:p>
-          <a:p>
+              <a:t>Создание наборов данных</a:t>
+            </a:r>
+            <a:endParaRPr lang="en-US" altLang="ru-RU" dirty="0"/>
+          </a:p>
+          <a:p>
+            <a:r>
+              <a:rPr lang="en-US" altLang="ru-RU" dirty="0"/>
+              <a:t>https://www.thispersondoesnotexist.com/</a:t>
+            </a:r>
             <a:endParaRPr lang="ru-RU" altLang="ru-RU" dirty="0"/>
           </a:p>
         </p:txBody>
@@ -3803,20 +3870,55 @@
           </a:lstStyle>
           <a:p>
             <a:r>
-              <a:rPr lang="ru-RU" sz="2400" b="1" dirty="0">
+              <a:rPr lang="en-US" sz="2400" b="1" dirty="0" err="1">
                 <a:solidFill>
                   <a:srgbClr val="FF0000"/>
                 </a:solidFill>
               </a:rPr>
-              <a:t>Атаки</a:t>
-            </a:r>
-          </a:p>
-        </p:txBody>
-      </p:sp>
+              <a:t>StyleGAN</a:t>
+            </a:r>
+            <a:endParaRPr lang="ru-RU" sz="2400" b="1" dirty="0">
+              <a:solidFill>
+                <a:srgbClr val="FF0000"/>
+              </a:solidFill>
+            </a:endParaRPr>
+          </a:p>
+        </p:txBody>
+      </p:sp>
+      <p:pic>
+        <p:nvPicPr>
+          <p:cNvPr id="2" name="Рисунок 1">
+            <a:extLst>
+              <a:ext uri="{FF2B5EF4-FFF2-40B4-BE49-F238E27FC236}">
+                <a16:creationId xmlns:a16="http://schemas.microsoft.com/office/drawing/2014/main" id="{C1F32F99-2385-41F3-8382-A91FD2FCF6EF}"/>
+              </a:ext>
+            </a:extLst>
+          </p:cNvPr>
+          <p:cNvPicPr>
+            <a:picLocks noChangeAspect="1"/>
+          </p:cNvPicPr>
+          <p:nvPr/>
+        </p:nvPicPr>
+        <p:blipFill>
+          <a:blip r:embed="rId3"/>
+          <a:stretch>
+            <a:fillRect/>
+          </a:stretch>
+        </p:blipFill>
+        <p:spPr>
+          <a:xfrm>
+            <a:off x="7534054" y="2476480"/>
+            <a:ext cx="3745289" cy="3737295"/>
+          </a:xfrm>
+          <a:prstGeom prst="rect">
+            <a:avLst/>
+          </a:prstGeom>
+        </p:spPr>
+      </p:pic>
     </p:spTree>
     <p:extLst>
       <p:ext uri="{BB962C8B-B14F-4D97-AF65-F5344CB8AC3E}">
-        <p14:creationId xmlns:p14="http://schemas.microsoft.com/office/powerpoint/2010/main" val="2292593306"/>
+        <p14:creationId xmlns:p14="http://schemas.microsoft.com/office/powerpoint/2010/main" val="3361436171"/>
       </p:ext>
     </p:extLst>
   </p:cSld>
@@ -3861,20 +3963,130 @@
         </p:nvSpPr>
         <p:spPr>
           <a:xfrm>
-            <a:off x="671465" y="1586497"/>
-            <a:ext cx="10515600" cy="4351338"/>
+            <a:off x="671465" y="1402101"/>
+            <a:ext cx="6199118" cy="4351338"/>
           </a:xfrm>
         </p:spPr>
         <p:txBody>
           <a:bodyPr>
-            <a:normAutofit/>
+            <a:normAutofit fontScale="92500" lnSpcReduction="20000"/>
           </a:bodyPr>
           <a:lstStyle/>
           <a:p>
             <a:r>
-              <a:rPr lang="ru-RU" altLang="ru-RU" dirty="0"/>
-              <a:t>Ф</a:t>
-            </a:r>
+              <a:rPr lang="en-US" dirty="0"/>
+              <a:t>Transformers + Attention </a:t>
+            </a:r>
+            <a:r>
+              <a:rPr lang="ru-RU" dirty="0"/>
+              <a:t>это </a:t>
+            </a:r>
+            <a:r>
+              <a:rPr lang="en-US" dirty="0"/>
+              <a:t>SOTA</a:t>
+            </a:r>
+            <a:r>
+              <a:rPr lang="ru-RU" dirty="0"/>
+              <a:t> в обработке последовательностей</a:t>
+            </a:r>
+          </a:p>
+          <a:p>
+            <a:r>
+              <a:rPr lang="ru-RU" dirty="0"/>
+              <a:t>Отдельные части этой архитектуры (стратегия обучения на большом корпусе неразмеченных текстов):</a:t>
+            </a:r>
+          </a:p>
+          <a:p>
+            <a:pPr lvl="1"/>
+            <a:r>
+              <a:rPr lang="en-US" dirty="0"/>
+              <a:t>GPT (</a:t>
+            </a:r>
+            <a:r>
+              <a:rPr lang="ru-RU" dirty="0" err="1"/>
+              <a:t>Generative</a:t>
+            </a:r>
+            <a:r>
+              <a:rPr lang="ru-RU" dirty="0"/>
+              <a:t> </a:t>
+            </a:r>
+            <a:r>
+              <a:rPr lang="ru-RU" dirty="0" err="1"/>
+              <a:t>Pre-trained</a:t>
+            </a:r>
+            <a:r>
+              <a:rPr lang="ru-RU" dirty="0"/>
+              <a:t> </a:t>
+            </a:r>
+            <a:r>
+              <a:rPr lang="ru-RU" dirty="0" err="1"/>
+              <a:t>Transformer</a:t>
+            </a:r>
+            <a:r>
+              <a:rPr lang="ru-RU" dirty="0"/>
+              <a:t>) </a:t>
+            </a:r>
+            <a:r>
+              <a:rPr lang="en-US" dirty="0"/>
+              <a:t>- </a:t>
+            </a:r>
+            <a:r>
+              <a:rPr lang="ru-RU" dirty="0"/>
+              <a:t>декодер трансформера, для генерации текста</a:t>
+            </a:r>
+          </a:p>
+          <a:p>
+            <a:pPr lvl="1"/>
+            <a:r>
+              <a:rPr lang="en-US" dirty="0"/>
+              <a:t>BERT</a:t>
+            </a:r>
+            <a:r>
+              <a:rPr lang="ru-RU" dirty="0"/>
+              <a:t> (</a:t>
+            </a:r>
+            <a:r>
+              <a:rPr lang="en-US" dirty="0"/>
+              <a:t>Bidirectional Encoder Representations from Transformers), </a:t>
+            </a:r>
+            <a:r>
+              <a:rPr lang="ru-RU" dirty="0" err="1"/>
+              <a:t>энкодер</a:t>
+            </a:r>
+            <a:r>
+              <a:rPr lang="ru-RU" dirty="0"/>
+              <a:t> трансформера, </a:t>
+            </a:r>
+            <a:r>
+              <a:rPr lang="en-US" dirty="0"/>
+              <a:t>, </a:t>
+            </a:r>
+            <a:r>
+              <a:rPr lang="ru-RU" dirty="0"/>
+              <a:t>для «оцифровки»  элементов естественного языка</a:t>
+            </a:r>
+            <a:r>
+              <a:rPr lang="en-US" dirty="0"/>
+              <a:t> </a:t>
+            </a:r>
+            <a:br>
+              <a:rPr lang="ru-RU" dirty="0"/>
+            </a:br>
+            <a:endParaRPr lang="ru-RU" b="1" dirty="0"/>
+          </a:p>
+          <a:p>
+            <a:r>
+              <a:rPr lang="en-US" dirty="0"/>
+              <a:t>RuGPT-3</a:t>
+            </a:r>
+            <a:r>
+              <a:rPr lang="ru-RU" dirty="0"/>
+              <a:t> для русского текста</a:t>
+            </a:r>
+            <a:endParaRPr lang="en-US" dirty="0"/>
+          </a:p>
+          <a:p>
+            <a:endParaRPr lang="ru-RU" altLang="ru-RU" dirty="0"/>
           </a:p>
           <a:p>
             <a:endParaRPr lang="ru-RU" altLang="ru-RU" dirty="0"/>
@@ -4016,7 +4228,7 @@
         <p:spPr>
           <a:xfrm>
             <a:off x="1946032" y="257088"/>
-            <a:ext cx="8441168" cy="461665"/>
+            <a:ext cx="7357359" cy="461665"/>
           </a:xfrm>
           <a:prstGeom prst="rect">
             <a:avLst/>
@@ -4129,15 +4341,45 @@
                   <a:srgbClr val="FF0000"/>
                 </a:solidFill>
               </a:rPr>
-              <a:t>Атаки</a:t>
-            </a:r>
-          </a:p>
-        </p:txBody>
-      </p:sp>
+              <a:t>Лучшие практики в обработке последовательностей</a:t>
+            </a:r>
+          </a:p>
+        </p:txBody>
+      </p:sp>
+      <p:pic>
+        <p:nvPicPr>
+          <p:cNvPr id="2" name="Рисунок 1">
+            <a:extLst>
+              <a:ext uri="{FF2B5EF4-FFF2-40B4-BE49-F238E27FC236}">
+                <a16:creationId xmlns:a16="http://schemas.microsoft.com/office/drawing/2014/main" id="{B551FA0F-A02D-41C0-8158-CC4CFD5A0FAE}"/>
+              </a:ext>
+            </a:extLst>
+          </p:cNvPr>
+          <p:cNvPicPr>
+            <a:picLocks noChangeAspect="1"/>
+          </p:cNvPicPr>
+          <p:nvPr/>
+        </p:nvPicPr>
+        <p:blipFill>
+          <a:blip r:embed="rId3"/>
+          <a:stretch>
+            <a:fillRect/>
+          </a:stretch>
+        </p:blipFill>
+        <p:spPr>
+          <a:xfrm>
+            <a:off x="8072437" y="1269270"/>
+            <a:ext cx="3819525" cy="1838325"/>
+          </a:xfrm>
+          <a:prstGeom prst="rect">
+            <a:avLst/>
+          </a:prstGeom>
+        </p:spPr>
+      </p:pic>
     </p:spTree>
     <p:extLst>
       <p:ext uri="{BB962C8B-B14F-4D97-AF65-F5344CB8AC3E}">
-        <p14:creationId xmlns:p14="http://schemas.microsoft.com/office/powerpoint/2010/main" val="3561683962"/>
+        <p14:creationId xmlns:p14="http://schemas.microsoft.com/office/powerpoint/2010/main" val="3770978802"/>
       </p:ext>
     </p:extLst>
   </p:cSld>
@@ -4182,7 +4424,7 @@
         </p:nvSpPr>
         <p:spPr>
           <a:xfrm>
-            <a:off x="671465" y="1586497"/>
+            <a:off x="763743" y="1402101"/>
             <a:ext cx="10515600" cy="4351338"/>
           </a:xfrm>
         </p:spPr>
@@ -4194,11 +4436,59 @@
           <a:p>
             <a:r>
               <a:rPr lang="ru-RU" altLang="ru-RU" dirty="0"/>
-              <a:t>Ф</a:t>
-            </a:r>
-          </a:p>
-          <a:p>
+              <a:t>Создание наборов данных</a:t>
+            </a:r>
+          </a:p>
+          <a:p>
+            <a:r>
+              <a:rPr lang="ru-RU" altLang="ru-RU" dirty="0" err="1"/>
+              <a:t>Аватары</a:t>
+            </a:r>
             <a:endParaRPr lang="ru-RU" altLang="ru-RU" dirty="0"/>
+          </a:p>
+          <a:p>
+            <a:r>
+              <a:rPr lang="ru-RU" altLang="ru-RU" dirty="0"/>
+              <a:t>Видеоклипы</a:t>
+            </a:r>
+          </a:p>
+          <a:p>
+            <a:r>
+              <a:rPr lang="ru-RU" altLang="ru-RU" dirty="0"/>
+              <a:t>Создание произведений искусства</a:t>
+            </a:r>
+          </a:p>
+          <a:p>
+            <a:r>
+              <a:rPr lang="ru-RU" altLang="ru-RU" dirty="0"/>
+              <a:t>Стилизация (нарисовать фотографию в стиле Ван Гога)</a:t>
+            </a:r>
+          </a:p>
+          <a:p>
+            <a:r>
+              <a:rPr lang="en-US" altLang="ru-RU" dirty="0" err="1"/>
+              <a:t>DeepFake</a:t>
+            </a:r>
+            <a:endParaRPr lang="ru-RU" altLang="ru-RU" dirty="0"/>
+          </a:p>
+          <a:p>
+            <a:r>
+              <a:rPr lang="ru-RU" altLang="ru-RU" dirty="0"/>
+              <a:t>…</a:t>
+            </a:r>
+          </a:p>
+          <a:p>
+            <a:r>
+              <a:rPr lang="ru-RU" altLang="ru-RU" dirty="0"/>
+              <a:t>До конца возможности не изучены (новая технология) </a:t>
+            </a:r>
+            <a:r>
+              <a:rPr lang="ru-RU" altLang="ru-RU" dirty="0">
+                <a:sym typeface="Wingdings" panose="05000000000000000000" pitchFamily="2" charset="2"/>
+              </a:rPr>
+              <a:t></a:t>
+            </a:r>
+            <a:endParaRPr lang="en-US" altLang="ru-RU" dirty="0"/>
           </a:p>
         </p:txBody>
       </p:sp>
@@ -4450,15 +4740,28 @@
                   <a:srgbClr val="FF0000"/>
                 </a:solidFill>
               </a:rPr>
-              <a:t>Атаки</a:t>
-            </a:r>
+              <a:t>Применение </a:t>
+            </a:r>
+            <a:r>
+              <a:rPr lang="en-US" sz="2400" b="1" dirty="0">
+                <a:solidFill>
+                  <a:srgbClr val="FF0000"/>
+                </a:solidFill>
+              </a:rPr>
+              <a:t>GAN</a:t>
+            </a:r>
+            <a:endParaRPr lang="ru-RU" sz="2400" b="1" dirty="0">
+              <a:solidFill>
+                <a:srgbClr val="FF0000"/>
+              </a:solidFill>
+            </a:endParaRPr>
           </a:p>
         </p:txBody>
       </p:sp>
     </p:spTree>
     <p:extLst>
       <p:ext uri="{BB962C8B-B14F-4D97-AF65-F5344CB8AC3E}">
-        <p14:creationId xmlns:p14="http://schemas.microsoft.com/office/powerpoint/2010/main" val="2455537713"/>
+        <p14:creationId xmlns:p14="http://schemas.microsoft.com/office/powerpoint/2010/main" val="1182018689"/>
       </p:ext>
     </p:extLst>
   </p:cSld>
@@ -4504,7 +4807,7 @@
         <p:spPr>
           <a:xfrm>
             <a:off x="671465" y="1586497"/>
-            <a:ext cx="10515600" cy="4351338"/>
+            <a:ext cx="10209056" cy="4834648"/>
           </a:xfrm>
         </p:spPr>
         <p:txBody>
@@ -4514,9 +4817,112 @@
           <a:lstStyle/>
           <a:p>
             <a:r>
-              <a:rPr lang="ru-RU" altLang="ru-RU" dirty="0"/>
-              <a:t>Ф</a:t>
-            </a:r>
+              <a:rPr lang="ru-RU" dirty="0" err="1"/>
+              <a:t>Deepfake</a:t>
+            </a:r>
+            <a:r>
+              <a:rPr lang="ru-RU" dirty="0"/>
+              <a:t> (</a:t>
+            </a:r>
+            <a:r>
+              <a:rPr lang="ru-RU" dirty="0" err="1"/>
+              <a:t>дипфейк</a:t>
+            </a:r>
+            <a:r>
+              <a:rPr lang="ru-RU" dirty="0"/>
+              <a:t>): «</a:t>
+            </a:r>
+            <a:r>
+              <a:rPr lang="ru-RU" dirty="0" err="1"/>
+              <a:t>deep</a:t>
+            </a:r>
+            <a:r>
+              <a:rPr lang="ru-RU" dirty="0"/>
+              <a:t> </a:t>
+            </a:r>
+            <a:r>
+              <a:rPr lang="ru-RU" dirty="0" err="1"/>
+              <a:t>learning</a:t>
+            </a:r>
+            <a:r>
+              <a:rPr lang="ru-RU" dirty="0"/>
+              <a:t>» + </a:t>
+            </a:r>
+            <a:r>
+              <a:rPr lang="ru-RU" dirty="0" err="1"/>
+              <a:t>fake</a:t>
+            </a:r>
+            <a:r>
+              <a:rPr lang="ru-RU" dirty="0"/>
+              <a:t> </a:t>
+            </a:r>
+          </a:p>
+          <a:p>
+            <a:r>
+              <a:rPr lang="ru-RU" dirty="0"/>
+              <a:t>Синтез изображения, используется ИИ</a:t>
+            </a:r>
+          </a:p>
+          <a:p>
+            <a:r>
+              <a:rPr lang="ru-RU" dirty="0"/>
+              <a:t>Часто используют </a:t>
+            </a:r>
+            <a:r>
+              <a:rPr lang="ru-RU" dirty="0" err="1"/>
+              <a:t>генеративно</a:t>
+            </a:r>
+            <a:r>
+              <a:rPr lang="ru-RU" dirty="0"/>
+              <a:t>-состязательные нейросети (GAN).</a:t>
+            </a:r>
+          </a:p>
+          <a:p>
+            <a:r>
+              <a:rPr lang="ru-RU" dirty="0"/>
+              <a:t>Поддельные видео, новости и вредоносные обманы.</a:t>
+            </a:r>
+          </a:p>
+          <a:p>
+            <a:r>
+              <a:rPr lang="ru-RU" dirty="0"/>
+              <a:t>Ролики на </a:t>
+            </a:r>
+            <a:r>
+              <a:rPr lang="ru-RU" dirty="0" err="1"/>
+              <a:t>YouTube</a:t>
+            </a:r>
+            <a:r>
+              <a:rPr lang="ru-RU" dirty="0"/>
+              <a:t> или Vimeo.</a:t>
+            </a:r>
+          </a:p>
+          <a:p>
+            <a:r>
+              <a:rPr lang="ru-RU" dirty="0"/>
+              <a:t>Есть ПО для распознавания факта вмешательства в видео, например, </a:t>
+            </a:r>
+            <a:r>
+              <a:rPr lang="ru-RU" dirty="0" err="1"/>
+              <a:t>Microsoft</a:t>
+            </a:r>
+            <a:r>
+              <a:rPr lang="ru-RU" dirty="0"/>
+              <a:t> </a:t>
+            </a:r>
+            <a:r>
+              <a:rPr lang="ru-RU" dirty="0" err="1"/>
+              <a:t>Video</a:t>
+            </a:r>
+            <a:r>
+              <a:rPr lang="ru-RU" dirty="0"/>
+              <a:t> </a:t>
+            </a:r>
+            <a:r>
+              <a:rPr lang="ru-RU" dirty="0" err="1"/>
+              <a:t>Authenticator</a:t>
+            </a:r>
+            <a:endParaRPr lang="ru-RU" dirty="0"/>
           </a:p>
           <a:p>
             <a:endParaRPr lang="ru-RU" altLang="ru-RU" dirty="0"/>
@@ -4657,7 +5063,7 @@
         </p:nvSpPr>
         <p:spPr>
           <a:xfrm>
-            <a:off x="1946032" y="257088"/>
+            <a:off x="1946032" y="228996"/>
             <a:ext cx="8441168" cy="461665"/>
           </a:xfrm>
           <a:prstGeom prst="rect">
@@ -4766,20 +5172,25 @@
           </a:lstStyle>
           <a:p>
             <a:r>
-              <a:rPr lang="ru-RU" sz="2400" b="1" dirty="0">
+              <a:rPr lang="en-US" sz="2400" b="1" dirty="0" err="1">
                 <a:solidFill>
                   <a:srgbClr val="FF0000"/>
                 </a:solidFill>
               </a:rPr>
-              <a:t>Атаки</a:t>
-            </a:r>
+              <a:t>DeepFake</a:t>
+            </a:r>
+            <a:endParaRPr lang="ru-RU" sz="2400" b="1" dirty="0">
+              <a:solidFill>
+                <a:srgbClr val="FF0000"/>
+              </a:solidFill>
+            </a:endParaRPr>
           </a:p>
         </p:txBody>
       </p:sp>
     </p:spTree>
     <p:extLst>
       <p:ext uri="{BB962C8B-B14F-4D97-AF65-F5344CB8AC3E}">
-        <p14:creationId xmlns:p14="http://schemas.microsoft.com/office/powerpoint/2010/main" val="4278338095"/>
+        <p14:creationId xmlns:p14="http://schemas.microsoft.com/office/powerpoint/2010/main" val="1943923991"/>
       </p:ext>
     </p:extLst>
   </p:cSld>
@@ -4808,115 +5219,7 @@
       </p:grpSpPr>
       <p:sp>
         <p:nvSpPr>
-          <p:cNvPr id="3" name="Объект 2">
-            <a:extLst>
-              <a:ext uri="{FF2B5EF4-FFF2-40B4-BE49-F238E27FC236}">
-                <a16:creationId xmlns:a16="http://schemas.microsoft.com/office/drawing/2014/main" id="{5C517EF3-F0AB-4CA9-9685-F39A8C9E76B0}"/>
-              </a:ext>
-            </a:extLst>
-          </p:cNvPr>
-          <p:cNvSpPr>
-            <a:spLocks noGrp="1"/>
-          </p:cNvSpPr>
-          <p:nvPr>
-            <p:ph idx="1"/>
-          </p:nvPr>
-        </p:nvSpPr>
-        <p:spPr>
-          <a:xfrm>
-            <a:off x="671465" y="1586497"/>
-            <a:ext cx="10515600" cy="4351338"/>
-          </a:xfrm>
-        </p:spPr>
-        <p:txBody>
-          <a:bodyPr>
-            <a:normAutofit/>
-          </a:bodyPr>
-          <a:lstStyle/>
-          <a:p>
-            <a:r>
-              <a:rPr lang="ru-RU" altLang="ru-RU" dirty="0"/>
-              <a:t>Ф</a:t>
-            </a:r>
-          </a:p>
-          <a:p>
-            <a:endParaRPr lang="ru-RU" altLang="ru-RU" dirty="0"/>
-          </a:p>
-        </p:txBody>
-      </p:sp>
-      <p:pic>
-        <p:nvPicPr>
-          <p:cNvPr id="4" name="Объект 1">
-            <a:extLst>
-              <a:ext uri="{FF2B5EF4-FFF2-40B4-BE49-F238E27FC236}">
-                <a16:creationId xmlns:a16="http://schemas.microsoft.com/office/drawing/2014/main" id="{DD1703EE-3E4E-45F0-AEF9-8EB156A5A428}"/>
-              </a:ext>
-            </a:extLst>
-          </p:cNvPr>
-          <p:cNvPicPr>
-            <a:picLocks noChangeAspect="1"/>
-          </p:cNvPicPr>
-          <p:nvPr/>
-        </p:nvPicPr>
-        <p:blipFill rotWithShape="1">
-          <a:blip r:embed="rId2" cstate="print">
-            <a:extLst>
-              <a:ext uri="{28A0092B-C50C-407E-A947-70E740481C1C}">
-                <a14:useLocalDpi xmlns:a14="http://schemas.microsoft.com/office/drawing/2010/main" val="0"/>
-              </a:ext>
-            </a:extLst>
-          </a:blip>
-          <a:srcRect r="40340"/>
-          <a:stretch/>
-        </p:blipFill>
-        <p:spPr>
-          <a:xfrm>
-            <a:off x="0" y="25409"/>
-            <a:ext cx="1342931" cy="434420"/>
-          </a:xfrm>
-          <a:prstGeom prst="rect">
-            <a:avLst/>
-          </a:prstGeom>
-        </p:spPr>
-      </p:pic>
-      <p:sp>
-        <p:nvSpPr>
-          <p:cNvPr id="5" name="Номер слайда 4">
-            <a:extLst>
-              <a:ext uri="{FF2B5EF4-FFF2-40B4-BE49-F238E27FC236}">
-                <a16:creationId xmlns:a16="http://schemas.microsoft.com/office/drawing/2014/main" id="{91FB19A0-3217-472C-9218-0E4AB390B9DF}"/>
-              </a:ext>
-            </a:extLst>
-          </p:cNvPr>
-          <p:cNvSpPr>
-            <a:spLocks noGrp="1"/>
-          </p:cNvSpPr>
-          <p:nvPr>
-            <p:ph type="sldNum" sz="quarter" idx="12"/>
-          </p:nvPr>
-        </p:nvSpPr>
-        <p:spPr/>
-        <p:txBody>
-          <a:bodyPr/>
-          <a:lstStyle/>
-          <a:p>
-            <a:fld id="{4B226E06-9C1F-4149-B02B-AA912A5E2CDA}" type="slidenum">
-              <a:rPr lang="ru-RU" smtClean="0"/>
-              <a:t>15</a:t>
-            </a:fld>
-            <a:endParaRPr lang="ru-RU" dirty="0"/>
-          </a:p>
-        </p:txBody>
-      </p:sp>
-      <p:sp>
-        <p:nvSpPr>
-          <p:cNvPr id="9" name="Прямоугольник 8">
-            <a:extLst>
-              <a:ext uri="{FF2B5EF4-FFF2-40B4-BE49-F238E27FC236}">
-                <a16:creationId xmlns:a16="http://schemas.microsoft.com/office/drawing/2014/main" id="{2863F7D7-DA63-4390-9DE9-35206FDC66B3}"/>
-              </a:ext>
-            </a:extLst>
-          </p:cNvPr>
+          <p:cNvPr id="3" name="Прямоугольник 2"/>
           <p:cNvSpPr/>
           <p:nvPr/>
         </p:nvSpPr>
@@ -4966,10 +5269,10 @@
       </p:sp>
       <p:sp>
         <p:nvSpPr>
-          <p:cNvPr id="10" name="TextBox 9">
+          <p:cNvPr id="4" name="TextBox 9">
             <a:extLst>
               <a:ext uri="{FF2B5EF4-FFF2-40B4-BE49-F238E27FC236}">
-                <a16:creationId xmlns:a16="http://schemas.microsoft.com/office/drawing/2014/main" id="{66B82180-ABF4-4200-93DC-6ADB89E3D832}"/>
+                <a16:creationId xmlns:a16="http://schemas.microsoft.com/office/drawing/2014/main" id="{6D1610F7-A0C9-4E50-9206-D9E394A55B73}"/>
               </a:ext>
             </a:extLst>
           </p:cNvPr>
@@ -5092,15 +5395,204 @@
                   <a:srgbClr val="FF0000"/>
                 </a:solidFill>
               </a:rPr>
-              <a:t>Атаки</a:t>
-            </a:r>
-          </a:p>
-        </p:txBody>
-      </p:sp>
+              <a:t>Атаки на модели машинного обучения</a:t>
+            </a:r>
+          </a:p>
+        </p:txBody>
+      </p:sp>
+      <p:sp>
+        <p:nvSpPr>
+          <p:cNvPr id="6" name="Номер слайда 5">
+            <a:extLst>
+              <a:ext uri="{FF2B5EF4-FFF2-40B4-BE49-F238E27FC236}">
+                <a16:creationId xmlns:a16="http://schemas.microsoft.com/office/drawing/2014/main" id="{2A73E36B-93CF-4B6D-9D12-D242EBAEB367}"/>
+              </a:ext>
+            </a:extLst>
+          </p:cNvPr>
+          <p:cNvSpPr>
+            <a:spLocks noGrp="1"/>
+          </p:cNvSpPr>
+          <p:nvPr>
+            <p:ph type="sldNum" sz="quarter" idx="12"/>
+          </p:nvPr>
+        </p:nvSpPr>
+        <p:spPr/>
+        <p:txBody>
+          <a:bodyPr/>
+          <a:lstStyle/>
+          <a:p>
+            <a:fld id="{FF9AC15E-FCD1-4167-800F-1DB8497ABFCE}" type="slidenum">
+              <a:rPr lang="ru-RU" smtClean="0"/>
+              <a:t>15</a:t>
+            </a:fld>
+            <a:endParaRPr lang="ru-RU"/>
+          </a:p>
+        </p:txBody>
+      </p:sp>
+      <p:sp>
+        <p:nvSpPr>
+          <p:cNvPr id="9" name="Прямоугольник 8">
+            <a:extLst>
+              <a:ext uri="{FF2B5EF4-FFF2-40B4-BE49-F238E27FC236}">
+                <a16:creationId xmlns:a16="http://schemas.microsoft.com/office/drawing/2014/main" id="{DEE9E6AD-E932-4E4C-BBED-A1105C7347FF}"/>
+              </a:ext>
+            </a:extLst>
+          </p:cNvPr>
+          <p:cNvSpPr/>
+          <p:nvPr/>
+        </p:nvSpPr>
+        <p:spPr>
+          <a:xfrm>
+            <a:off x="603100" y="1505520"/>
+            <a:ext cx="5726915" cy="3416320"/>
+          </a:xfrm>
+          <a:prstGeom prst="rect">
+            <a:avLst/>
+          </a:prstGeom>
+        </p:spPr>
+        <p:txBody>
+          <a:bodyPr wrap="square">
+            <a:spAutoFit/>
+          </a:bodyPr>
+          <a:lstStyle/>
+          <a:p>
+            <a:pPr marL="285750" indent="-285750">
+              <a:buFont typeface="Arial" panose="020B0604020202020204" pitchFamily="34" charset="0"/>
+              <a:buChar char="•"/>
+            </a:pPr>
+            <a:r>
+              <a:rPr lang="ru-RU" altLang="ru-RU" sz="2400" dirty="0"/>
+              <a:t>Извлечение: кража и обратный инжиниринг модели</a:t>
+            </a:r>
+          </a:p>
+          <a:p>
+            <a:pPr marL="285750" indent="-285750">
+              <a:buFont typeface="Arial" panose="020B0604020202020204" pitchFamily="34" charset="0"/>
+              <a:buChar char="•"/>
+            </a:pPr>
+            <a:r>
+              <a:rPr lang="ru-RU" altLang="ru-RU" sz="2400" dirty="0"/>
+              <a:t>Уклонение: незначительное изменение значений признаков для обмана модели</a:t>
+            </a:r>
+          </a:p>
+          <a:p>
+            <a:pPr marL="285750" indent="-285750">
+              <a:buFont typeface="Arial" panose="020B0604020202020204" pitchFamily="34" charset="0"/>
+              <a:buChar char="•"/>
+            </a:pPr>
+            <a:r>
+              <a:rPr lang="ru-RU" altLang="ru-RU" sz="2400" dirty="0"/>
+              <a:t>Отравление данных: манипуляция входными данными для изменения логики работы модели</a:t>
+            </a:r>
+          </a:p>
+          <a:p>
+            <a:pPr marL="285750" indent="-285750">
+              <a:buFont typeface="Arial" panose="020B0604020202020204" pitchFamily="34" charset="0"/>
+              <a:buChar char="•"/>
+            </a:pPr>
+            <a:endParaRPr lang="ru-RU" sz="2400" dirty="0"/>
+          </a:p>
+        </p:txBody>
+      </p:sp>
+      <p:pic>
+        <p:nvPicPr>
+          <p:cNvPr id="10" name="Объект 1">
+            <a:extLst>
+              <a:ext uri="{FF2B5EF4-FFF2-40B4-BE49-F238E27FC236}">
+                <a16:creationId xmlns:a16="http://schemas.microsoft.com/office/drawing/2014/main" id="{3FC5041F-0F49-8B4E-93D9-7A88740D06BE}"/>
+              </a:ext>
+            </a:extLst>
+          </p:cNvPr>
+          <p:cNvPicPr>
+            <a:picLocks noChangeAspect="1"/>
+          </p:cNvPicPr>
+          <p:nvPr/>
+        </p:nvPicPr>
+        <p:blipFill rotWithShape="1">
+          <a:blip r:embed="rId2" cstate="print">
+            <a:extLst>
+              <a:ext uri="{28A0092B-C50C-407E-A947-70E740481C1C}">
+                <a14:useLocalDpi xmlns:a14="http://schemas.microsoft.com/office/drawing/2010/main" val="0"/>
+              </a:ext>
+            </a:extLst>
+          </a:blip>
+          <a:srcRect r="40340"/>
+          <a:stretch/>
+        </p:blipFill>
+        <p:spPr>
+          <a:xfrm>
+            <a:off x="603100" y="319559"/>
+            <a:ext cx="1342931" cy="434420"/>
+          </a:xfrm>
+          <a:prstGeom prst="rect">
+            <a:avLst/>
+          </a:prstGeom>
+        </p:spPr>
+      </p:pic>
+      <p:pic>
+        <p:nvPicPr>
+          <p:cNvPr id="7" name="Рисунок 1">
+            <a:extLst>
+              <a:ext uri="{FF2B5EF4-FFF2-40B4-BE49-F238E27FC236}">
+                <a16:creationId xmlns:a16="http://schemas.microsoft.com/office/drawing/2014/main" id="{044793F8-30B9-4981-9156-6E94CDBB4E66}"/>
+              </a:ext>
+            </a:extLst>
+          </p:cNvPr>
+          <p:cNvPicPr>
+            <a:picLocks noChangeAspect="1" noChangeArrowheads="1"/>
+          </p:cNvPicPr>
+          <p:nvPr/>
+        </p:nvPicPr>
+        <p:blipFill>
+          <a:blip r:embed="rId3">
+            <a:extLst>
+              <a:ext uri="{28A0092B-C50C-407E-A947-70E740481C1C}">
+                <a14:useLocalDpi xmlns:a14="http://schemas.microsoft.com/office/drawing/2010/main" val="0"/>
+              </a:ext>
+            </a:extLst>
+          </a:blip>
+          <a:srcRect/>
+          <a:stretch>
+            <a:fillRect/>
+          </a:stretch>
+        </p:blipFill>
+        <p:spPr bwMode="auto">
+          <a:xfrm>
+            <a:off x="6894056" y="2753402"/>
+            <a:ext cx="4607281" cy="1791311"/>
+          </a:xfrm>
+          <a:prstGeom prst="rect">
+            <a:avLst/>
+          </a:prstGeom>
+          <a:noFill/>
+          <a:ln>
+            <a:noFill/>
+          </a:ln>
+          <a:extLst>
+            <a:ext uri="{909E8E84-426E-40DD-AFC4-6F175D3DCCD1}">
+              <a14:hiddenFill xmlns:a14="http://schemas.microsoft.com/office/drawing/2010/main">
+                <a:solidFill>
+                  <a:srgbClr val="FFFFFF"/>
+                </a:solidFill>
+              </a14:hiddenFill>
+            </a:ext>
+            <a:ext uri="{91240B29-F687-4F45-9708-019B960494DF}">
+              <a14:hiddenLine xmlns:a14="http://schemas.microsoft.com/office/drawing/2010/main" w="9525">
+                <a:solidFill>
+                  <a:srgbClr val="000000"/>
+                </a:solidFill>
+                <a:miter lim="800000"/>
+                <a:headEnd/>
+                <a:tailEnd/>
+              </a14:hiddenLine>
+            </a:ext>
+          </a:extLst>
+        </p:spPr>
+      </p:pic>
     </p:spTree>
     <p:extLst>
       <p:ext uri="{BB962C8B-B14F-4D97-AF65-F5344CB8AC3E}">
-        <p14:creationId xmlns:p14="http://schemas.microsoft.com/office/powerpoint/2010/main" val="2351996702"/>
+        <p14:creationId xmlns:p14="http://schemas.microsoft.com/office/powerpoint/2010/main" val="2486610181"/>
       </p:ext>
     </p:extLst>
   </p:cSld>
@@ -5129,115 +5621,7 @@
       </p:grpSpPr>
       <p:sp>
         <p:nvSpPr>
-          <p:cNvPr id="3" name="Объект 2">
-            <a:extLst>
-              <a:ext uri="{FF2B5EF4-FFF2-40B4-BE49-F238E27FC236}">
-                <a16:creationId xmlns:a16="http://schemas.microsoft.com/office/drawing/2014/main" id="{5C517EF3-F0AB-4CA9-9685-F39A8C9E76B0}"/>
-              </a:ext>
-            </a:extLst>
-          </p:cNvPr>
-          <p:cNvSpPr>
-            <a:spLocks noGrp="1"/>
-          </p:cNvSpPr>
-          <p:nvPr>
-            <p:ph idx="1"/>
-          </p:nvPr>
-        </p:nvSpPr>
-        <p:spPr>
-          <a:xfrm>
-            <a:off x="671465" y="1586497"/>
-            <a:ext cx="10515600" cy="4351338"/>
-          </a:xfrm>
-        </p:spPr>
-        <p:txBody>
-          <a:bodyPr>
-            <a:normAutofit/>
-          </a:bodyPr>
-          <a:lstStyle/>
-          <a:p>
-            <a:r>
-              <a:rPr lang="ru-RU" altLang="ru-RU" dirty="0"/>
-              <a:t>Ф</a:t>
-            </a:r>
-          </a:p>
-          <a:p>
-            <a:endParaRPr lang="ru-RU" altLang="ru-RU" dirty="0"/>
-          </a:p>
-        </p:txBody>
-      </p:sp>
-      <p:pic>
-        <p:nvPicPr>
-          <p:cNvPr id="4" name="Объект 1">
-            <a:extLst>
-              <a:ext uri="{FF2B5EF4-FFF2-40B4-BE49-F238E27FC236}">
-                <a16:creationId xmlns:a16="http://schemas.microsoft.com/office/drawing/2014/main" id="{DD1703EE-3E4E-45F0-AEF9-8EB156A5A428}"/>
-              </a:ext>
-            </a:extLst>
-          </p:cNvPr>
-          <p:cNvPicPr>
-            <a:picLocks noChangeAspect="1"/>
-          </p:cNvPicPr>
-          <p:nvPr/>
-        </p:nvPicPr>
-        <p:blipFill rotWithShape="1">
-          <a:blip r:embed="rId2" cstate="print">
-            <a:extLst>
-              <a:ext uri="{28A0092B-C50C-407E-A947-70E740481C1C}">
-                <a14:useLocalDpi xmlns:a14="http://schemas.microsoft.com/office/drawing/2010/main" val="0"/>
-              </a:ext>
-            </a:extLst>
-          </a:blip>
-          <a:srcRect r="40340"/>
-          <a:stretch/>
-        </p:blipFill>
-        <p:spPr>
-          <a:xfrm>
-            <a:off x="0" y="25409"/>
-            <a:ext cx="1342931" cy="434420"/>
-          </a:xfrm>
-          <a:prstGeom prst="rect">
-            <a:avLst/>
-          </a:prstGeom>
-        </p:spPr>
-      </p:pic>
-      <p:sp>
-        <p:nvSpPr>
-          <p:cNvPr id="5" name="Номер слайда 4">
-            <a:extLst>
-              <a:ext uri="{FF2B5EF4-FFF2-40B4-BE49-F238E27FC236}">
-                <a16:creationId xmlns:a16="http://schemas.microsoft.com/office/drawing/2014/main" id="{91FB19A0-3217-472C-9218-0E4AB390B9DF}"/>
-              </a:ext>
-            </a:extLst>
-          </p:cNvPr>
-          <p:cNvSpPr>
-            <a:spLocks noGrp="1"/>
-          </p:cNvSpPr>
-          <p:nvPr>
-            <p:ph type="sldNum" sz="quarter" idx="12"/>
-          </p:nvPr>
-        </p:nvSpPr>
-        <p:spPr/>
-        <p:txBody>
-          <a:bodyPr/>
-          <a:lstStyle/>
-          <a:p>
-            <a:fld id="{4B226E06-9C1F-4149-B02B-AA912A5E2CDA}" type="slidenum">
-              <a:rPr lang="ru-RU" smtClean="0"/>
-              <a:t>16</a:t>
-            </a:fld>
-            <a:endParaRPr lang="ru-RU" dirty="0"/>
-          </a:p>
-        </p:txBody>
-      </p:sp>
-      <p:sp>
-        <p:nvSpPr>
-          <p:cNvPr id="9" name="Прямоугольник 8">
-            <a:extLst>
-              <a:ext uri="{FF2B5EF4-FFF2-40B4-BE49-F238E27FC236}">
-                <a16:creationId xmlns:a16="http://schemas.microsoft.com/office/drawing/2014/main" id="{2863F7D7-DA63-4390-9DE9-35206FDC66B3}"/>
-              </a:ext>
-            </a:extLst>
-          </p:cNvPr>
+          <p:cNvPr id="3" name="Прямоугольник 2"/>
           <p:cNvSpPr/>
           <p:nvPr/>
         </p:nvSpPr>
@@ -5287,10 +5671,10 @@
       </p:sp>
       <p:sp>
         <p:nvSpPr>
-          <p:cNvPr id="10" name="TextBox 9">
+          <p:cNvPr id="4" name="TextBox 9">
             <a:extLst>
               <a:ext uri="{FF2B5EF4-FFF2-40B4-BE49-F238E27FC236}">
-                <a16:creationId xmlns:a16="http://schemas.microsoft.com/office/drawing/2014/main" id="{66B82180-ABF4-4200-93DC-6ADB89E3D832}"/>
+                <a16:creationId xmlns:a16="http://schemas.microsoft.com/office/drawing/2014/main" id="{6D1610F7-A0C9-4E50-9206-D9E394A55B73}"/>
               </a:ext>
             </a:extLst>
           </p:cNvPr>
@@ -5299,8 +5683,8 @@
         </p:nvSpPr>
         <p:spPr>
           <a:xfrm>
-            <a:off x="1946032" y="257088"/>
-            <a:ext cx="8441168" cy="461665"/>
+            <a:off x="925619" y="3044279"/>
+            <a:ext cx="10865327" cy="769441"/>
           </a:xfrm>
           <a:prstGeom prst="rect">
             <a:avLst/>
@@ -5407,91 +5791,24 @@
             </a:lvl9pPr>
           </a:lstStyle>
           <a:p>
-            <a:r>
-              <a:rPr lang="ru-RU" sz="2400" b="1" dirty="0">
+            <a:pPr algn="ctr"/>
+            <a:r>
+              <a:rPr lang="ru-RU" sz="4400" b="1" dirty="0">
                 <a:solidFill>
                   <a:srgbClr val="FF0000"/>
                 </a:solidFill>
               </a:rPr>
-              <a:t>Атаки</a:t>
-            </a:r>
-          </a:p>
-        </p:txBody>
-      </p:sp>
-    </p:spTree>
-    <p:extLst>
-      <p:ext uri="{BB962C8B-B14F-4D97-AF65-F5344CB8AC3E}">
-        <p14:creationId xmlns:p14="http://schemas.microsoft.com/office/powerpoint/2010/main" val="947350987"/>
-      </p:ext>
-    </p:extLst>
-  </p:cSld>
-  <p:clrMapOvr>
-    <a:masterClrMapping/>
-  </p:clrMapOvr>
-</p:sld>
-</file>
-
-<file path=ppt/slides/slide17.xml><?xml version="1.0" encoding="utf-8"?>
-<p:sld xmlns:a="http://schemas.openxmlformats.org/drawingml/2006/main" xmlns:r="http://schemas.openxmlformats.org/officeDocument/2006/relationships" xmlns:p="http://schemas.openxmlformats.org/presentationml/2006/main">
-  <p:cSld>
-    <p:spTree>
-      <p:nvGrpSpPr>
-        <p:cNvPr id="1" name=""/>
-        <p:cNvGrpSpPr/>
-        <p:nvPr/>
-      </p:nvGrpSpPr>
-      <p:grpSpPr>
-        <a:xfrm>
-          <a:off x="0" y="0"/>
-          <a:ext cx="0" cy="0"/>
-          <a:chOff x="0" y="0"/>
-          <a:chExt cx="0" cy="0"/>
-        </a:xfrm>
-      </p:grpSpPr>
-      <p:sp>
-        <p:nvSpPr>
-          <p:cNvPr id="3" name="Объект 2">
-            <a:extLst>
-              <a:ext uri="{FF2B5EF4-FFF2-40B4-BE49-F238E27FC236}">
-                <a16:creationId xmlns:a16="http://schemas.microsoft.com/office/drawing/2014/main" id="{5C517EF3-F0AB-4CA9-9685-F39A8C9E76B0}"/>
-              </a:ext>
-            </a:extLst>
-          </p:cNvPr>
-          <p:cNvSpPr>
-            <a:spLocks noGrp="1"/>
-          </p:cNvSpPr>
-          <p:nvPr>
-            <p:ph idx="1"/>
-          </p:nvPr>
-        </p:nvSpPr>
-        <p:spPr>
-          <a:xfrm>
-            <a:off x="671465" y="1586497"/>
-            <a:ext cx="10515600" cy="4351338"/>
-          </a:xfrm>
-        </p:spPr>
-        <p:txBody>
-          <a:bodyPr>
-            <a:normAutofit/>
-          </a:bodyPr>
-          <a:lstStyle/>
-          <a:p>
-            <a:r>
-              <a:rPr lang="ru-RU" altLang="ru-RU" dirty="0"/>
-              <a:t>Ф</a:t>
-            </a:r>
-          </a:p>
-          <a:p>
-            <a:endParaRPr lang="ru-RU" altLang="ru-RU" dirty="0"/>
+              <a:t>Спасибо за внимание!</a:t>
+            </a:r>
           </a:p>
         </p:txBody>
       </p:sp>
       <p:pic>
         <p:nvPicPr>
-          <p:cNvPr id="4" name="Объект 1">
+          <p:cNvPr id="7" name="Объект 1">
             <a:extLst>
               <a:ext uri="{FF2B5EF4-FFF2-40B4-BE49-F238E27FC236}">
-                <a16:creationId xmlns:a16="http://schemas.microsoft.com/office/drawing/2014/main" id="{DD1703EE-3E4E-45F0-AEF9-8EB156A5A428}"/>
+                <a16:creationId xmlns:a16="http://schemas.microsoft.com/office/drawing/2014/main" id="{3D7E922A-E574-C847-BA5B-E66D8477CB39}"/>
               </a:ext>
             </a:extLst>
           </p:cNvPr>
@@ -5513,7 +5830,7 @@
         </p:blipFill>
         <p:spPr>
           <a:xfrm>
-            <a:off x="0" y="25409"/>
+            <a:off x="603100" y="319559"/>
             <a:ext cx="1342931" cy="434420"/>
           </a:xfrm>
           <a:prstGeom prst="rect">
@@ -5521,870 +5838,10 @@
           </a:prstGeom>
         </p:spPr>
       </p:pic>
-      <p:sp>
-        <p:nvSpPr>
-          <p:cNvPr id="5" name="Номер слайда 4">
-            <a:extLst>
-              <a:ext uri="{FF2B5EF4-FFF2-40B4-BE49-F238E27FC236}">
-                <a16:creationId xmlns:a16="http://schemas.microsoft.com/office/drawing/2014/main" id="{91FB19A0-3217-472C-9218-0E4AB390B9DF}"/>
-              </a:ext>
-            </a:extLst>
-          </p:cNvPr>
-          <p:cNvSpPr>
-            <a:spLocks noGrp="1"/>
-          </p:cNvSpPr>
-          <p:nvPr>
-            <p:ph type="sldNum" sz="quarter" idx="12"/>
-          </p:nvPr>
-        </p:nvSpPr>
-        <p:spPr/>
-        <p:txBody>
-          <a:bodyPr/>
-          <a:lstStyle/>
-          <a:p>
-            <a:fld id="{4B226E06-9C1F-4149-B02B-AA912A5E2CDA}" type="slidenum">
-              <a:rPr lang="ru-RU" smtClean="0"/>
-              <a:t>17</a:t>
-            </a:fld>
-            <a:endParaRPr lang="ru-RU" dirty="0"/>
-          </a:p>
-        </p:txBody>
-      </p:sp>
-      <p:sp>
-        <p:nvSpPr>
-          <p:cNvPr id="9" name="Прямоугольник 8">
-            <a:extLst>
-              <a:ext uri="{FF2B5EF4-FFF2-40B4-BE49-F238E27FC236}">
-                <a16:creationId xmlns:a16="http://schemas.microsoft.com/office/drawing/2014/main" id="{2863F7D7-DA63-4390-9DE9-35206FDC66B3}"/>
-              </a:ext>
-            </a:extLst>
-          </p:cNvPr>
-          <p:cNvSpPr/>
-          <p:nvPr/>
-        </p:nvSpPr>
-        <p:spPr>
-          <a:xfrm flipV="1">
-            <a:off x="925620" y="920165"/>
-            <a:ext cx="10865327" cy="21600"/>
-          </a:xfrm>
-          <a:prstGeom prst="rect">
-            <a:avLst/>
-          </a:prstGeom>
-          <a:solidFill>
-            <a:srgbClr val="E20443"/>
-          </a:solidFill>
-          <a:ln>
-            <a:noFill/>
-          </a:ln>
-        </p:spPr>
-        <p:style>
-          <a:lnRef idx="2">
-            <a:schemeClr val="accent1">
-              <a:shade val="50000"/>
-            </a:schemeClr>
-          </a:lnRef>
-          <a:fillRef idx="1">
-            <a:schemeClr val="accent1"/>
-          </a:fillRef>
-          <a:effectRef idx="0">
-            <a:schemeClr val="accent1"/>
-          </a:effectRef>
-          <a:fontRef idx="minor">
-            <a:schemeClr val="lt1"/>
-          </a:fontRef>
-        </p:style>
-        <p:txBody>
-          <a:bodyPr rtlCol="0" anchor="ctr"/>
-          <a:lstStyle/>
-          <a:p>
-            <a:pPr algn="ctr"/>
-            <a:endParaRPr lang="ru-RU">
-              <a:solidFill>
-                <a:srgbClr val="E20443"/>
-              </a:solidFill>
-            </a:endParaRPr>
-          </a:p>
-        </p:txBody>
-      </p:sp>
-      <p:sp>
-        <p:nvSpPr>
-          <p:cNvPr id="10" name="TextBox 9">
-            <a:extLst>
-              <a:ext uri="{FF2B5EF4-FFF2-40B4-BE49-F238E27FC236}">
-                <a16:creationId xmlns:a16="http://schemas.microsoft.com/office/drawing/2014/main" id="{66B82180-ABF4-4200-93DC-6ADB89E3D832}"/>
-              </a:ext>
-            </a:extLst>
-          </p:cNvPr>
-          <p:cNvSpPr txBox="1"/>
-          <p:nvPr/>
-        </p:nvSpPr>
-        <p:spPr>
-          <a:xfrm>
-            <a:off x="1946032" y="257088"/>
-            <a:ext cx="8441168" cy="461665"/>
-          </a:xfrm>
-          <a:prstGeom prst="rect">
-            <a:avLst/>
-          </a:prstGeom>
-          <a:noFill/>
-        </p:spPr>
-        <p:txBody>
-          <a:bodyPr wrap="square" rtlCol="0">
-            <a:spAutoFit/>
-          </a:bodyPr>
-          <a:lstStyle>
-            <a:defPPr>
-              <a:defRPr lang="ru-RU"/>
-            </a:defPPr>
-            <a:lvl1pPr marL="0" algn="l" defTabSz="914400" rtl="0" eaLnBrk="1" latinLnBrk="0" hangingPunct="1">
-              <a:defRPr sz="1800" kern="1200">
-                <a:solidFill>
-                  <a:schemeClr val="tx1"/>
-                </a:solidFill>
-                <a:latin typeface="+mn-lt"/>
-                <a:ea typeface="+mn-ea"/>
-                <a:cs typeface="+mn-cs"/>
-              </a:defRPr>
-            </a:lvl1pPr>
-            <a:lvl2pPr marL="457200" algn="l" defTabSz="914400" rtl="0" eaLnBrk="1" latinLnBrk="0" hangingPunct="1">
-              <a:defRPr sz="1800" kern="1200">
-                <a:solidFill>
-                  <a:schemeClr val="tx1"/>
-                </a:solidFill>
-                <a:latin typeface="+mn-lt"/>
-                <a:ea typeface="+mn-ea"/>
-                <a:cs typeface="+mn-cs"/>
-              </a:defRPr>
-            </a:lvl2pPr>
-            <a:lvl3pPr marL="914400" algn="l" defTabSz="914400" rtl="0" eaLnBrk="1" latinLnBrk="0" hangingPunct="1">
-              <a:defRPr sz="1800" kern="1200">
-                <a:solidFill>
-                  <a:schemeClr val="tx1"/>
-                </a:solidFill>
-                <a:latin typeface="+mn-lt"/>
-                <a:ea typeface="+mn-ea"/>
-                <a:cs typeface="+mn-cs"/>
-              </a:defRPr>
-            </a:lvl3pPr>
-            <a:lvl4pPr marL="1371600" algn="l" defTabSz="914400" rtl="0" eaLnBrk="1" latinLnBrk="0" hangingPunct="1">
-              <a:defRPr sz="1800" kern="1200">
-                <a:solidFill>
-                  <a:schemeClr val="tx1"/>
-                </a:solidFill>
-                <a:latin typeface="+mn-lt"/>
-                <a:ea typeface="+mn-ea"/>
-                <a:cs typeface="+mn-cs"/>
-              </a:defRPr>
-            </a:lvl4pPr>
-            <a:lvl5pPr marL="1828800" algn="l" defTabSz="914400" rtl="0" eaLnBrk="1" latinLnBrk="0" hangingPunct="1">
-              <a:defRPr sz="1800" kern="1200">
-                <a:solidFill>
-                  <a:schemeClr val="tx1"/>
-                </a:solidFill>
-                <a:latin typeface="+mn-lt"/>
-                <a:ea typeface="+mn-ea"/>
-                <a:cs typeface="+mn-cs"/>
-              </a:defRPr>
-            </a:lvl5pPr>
-            <a:lvl6pPr marL="2286000" algn="l" defTabSz="914400" rtl="0" eaLnBrk="1" latinLnBrk="0" hangingPunct="1">
-              <a:defRPr sz="1800" kern="1200">
-                <a:solidFill>
-                  <a:schemeClr val="tx1"/>
-                </a:solidFill>
-                <a:latin typeface="+mn-lt"/>
-                <a:ea typeface="+mn-ea"/>
-                <a:cs typeface="+mn-cs"/>
-              </a:defRPr>
-            </a:lvl6pPr>
-            <a:lvl7pPr marL="2743200" algn="l" defTabSz="914400" rtl="0" eaLnBrk="1" latinLnBrk="0" hangingPunct="1">
-              <a:defRPr sz="1800" kern="1200">
-                <a:solidFill>
-                  <a:schemeClr val="tx1"/>
-                </a:solidFill>
-                <a:latin typeface="+mn-lt"/>
-                <a:ea typeface="+mn-ea"/>
-                <a:cs typeface="+mn-cs"/>
-              </a:defRPr>
-            </a:lvl7pPr>
-            <a:lvl8pPr marL="3200400" algn="l" defTabSz="914400" rtl="0" eaLnBrk="1" latinLnBrk="0" hangingPunct="1">
-              <a:defRPr sz="1800" kern="1200">
-                <a:solidFill>
-                  <a:schemeClr val="tx1"/>
-                </a:solidFill>
-                <a:latin typeface="+mn-lt"/>
-                <a:ea typeface="+mn-ea"/>
-                <a:cs typeface="+mn-cs"/>
-              </a:defRPr>
-            </a:lvl8pPr>
-            <a:lvl9pPr marL="3657600" algn="l" defTabSz="914400" rtl="0" eaLnBrk="1" latinLnBrk="0" hangingPunct="1">
-              <a:defRPr sz="1800" kern="1200">
-                <a:solidFill>
-                  <a:schemeClr val="tx1"/>
-                </a:solidFill>
-                <a:latin typeface="+mn-lt"/>
-                <a:ea typeface="+mn-ea"/>
-                <a:cs typeface="+mn-cs"/>
-              </a:defRPr>
-            </a:lvl9pPr>
-          </a:lstStyle>
-          <a:p>
-            <a:r>
-              <a:rPr lang="ru-RU" sz="2400" b="1" dirty="0">
-                <a:solidFill>
-                  <a:srgbClr val="FF0000"/>
-                </a:solidFill>
-              </a:rPr>
-              <a:t>Атаки</a:t>
-            </a:r>
-          </a:p>
-        </p:txBody>
-      </p:sp>
     </p:spTree>
     <p:extLst>
       <p:ext uri="{BB962C8B-B14F-4D97-AF65-F5344CB8AC3E}">
-        <p14:creationId xmlns:p14="http://schemas.microsoft.com/office/powerpoint/2010/main" val="2354569645"/>
-      </p:ext>
-    </p:extLst>
-  </p:cSld>
-  <p:clrMapOvr>
-    <a:masterClrMapping/>
-  </p:clrMapOvr>
-</p:sld>
-</file>
-
-<file path=ppt/slides/slide18.xml><?xml version="1.0" encoding="utf-8"?>
-<p:sld xmlns:a="http://schemas.openxmlformats.org/drawingml/2006/main" xmlns:r="http://schemas.openxmlformats.org/officeDocument/2006/relationships" xmlns:p="http://schemas.openxmlformats.org/presentationml/2006/main">
-  <p:cSld>
-    <p:spTree>
-      <p:nvGrpSpPr>
-        <p:cNvPr id="1" name=""/>
-        <p:cNvGrpSpPr/>
-        <p:nvPr/>
-      </p:nvGrpSpPr>
-      <p:grpSpPr>
-        <a:xfrm>
-          <a:off x="0" y="0"/>
-          <a:ext cx="0" cy="0"/>
-          <a:chOff x="0" y="0"/>
-          <a:chExt cx="0" cy="0"/>
-        </a:xfrm>
-      </p:grpSpPr>
-      <p:sp>
-        <p:nvSpPr>
-          <p:cNvPr id="3" name="Объект 2">
-            <a:extLst>
-              <a:ext uri="{FF2B5EF4-FFF2-40B4-BE49-F238E27FC236}">
-                <a16:creationId xmlns:a16="http://schemas.microsoft.com/office/drawing/2014/main" id="{5C517EF3-F0AB-4CA9-9685-F39A8C9E76B0}"/>
-              </a:ext>
-            </a:extLst>
-          </p:cNvPr>
-          <p:cNvSpPr>
-            <a:spLocks noGrp="1"/>
-          </p:cNvSpPr>
-          <p:nvPr>
-            <p:ph idx="1"/>
-          </p:nvPr>
-        </p:nvSpPr>
-        <p:spPr>
-          <a:xfrm>
-            <a:off x="671465" y="1586497"/>
-            <a:ext cx="10515600" cy="4351338"/>
-          </a:xfrm>
-        </p:spPr>
-        <p:txBody>
-          <a:bodyPr>
-            <a:normAutofit/>
-          </a:bodyPr>
-          <a:lstStyle/>
-          <a:p>
-            <a:r>
-              <a:rPr lang="ru-RU" altLang="ru-RU" dirty="0"/>
-              <a:t>Ф</a:t>
-            </a:r>
-          </a:p>
-          <a:p>
-            <a:endParaRPr lang="ru-RU" altLang="ru-RU" dirty="0"/>
-          </a:p>
-        </p:txBody>
-      </p:sp>
-      <p:pic>
-        <p:nvPicPr>
-          <p:cNvPr id="4" name="Объект 1">
-            <a:extLst>
-              <a:ext uri="{FF2B5EF4-FFF2-40B4-BE49-F238E27FC236}">
-                <a16:creationId xmlns:a16="http://schemas.microsoft.com/office/drawing/2014/main" id="{DD1703EE-3E4E-45F0-AEF9-8EB156A5A428}"/>
-              </a:ext>
-            </a:extLst>
-          </p:cNvPr>
-          <p:cNvPicPr>
-            <a:picLocks noChangeAspect="1"/>
-          </p:cNvPicPr>
-          <p:nvPr/>
-        </p:nvPicPr>
-        <p:blipFill rotWithShape="1">
-          <a:blip r:embed="rId2" cstate="print">
-            <a:extLst>
-              <a:ext uri="{28A0092B-C50C-407E-A947-70E740481C1C}">
-                <a14:useLocalDpi xmlns:a14="http://schemas.microsoft.com/office/drawing/2010/main" val="0"/>
-              </a:ext>
-            </a:extLst>
-          </a:blip>
-          <a:srcRect r="40340"/>
-          <a:stretch/>
-        </p:blipFill>
-        <p:spPr>
-          <a:xfrm>
-            <a:off x="0" y="25409"/>
-            <a:ext cx="1342931" cy="434420"/>
-          </a:xfrm>
-          <a:prstGeom prst="rect">
-            <a:avLst/>
-          </a:prstGeom>
-        </p:spPr>
-      </p:pic>
-      <p:sp>
-        <p:nvSpPr>
-          <p:cNvPr id="5" name="Номер слайда 4">
-            <a:extLst>
-              <a:ext uri="{FF2B5EF4-FFF2-40B4-BE49-F238E27FC236}">
-                <a16:creationId xmlns:a16="http://schemas.microsoft.com/office/drawing/2014/main" id="{91FB19A0-3217-472C-9218-0E4AB390B9DF}"/>
-              </a:ext>
-            </a:extLst>
-          </p:cNvPr>
-          <p:cNvSpPr>
-            <a:spLocks noGrp="1"/>
-          </p:cNvSpPr>
-          <p:nvPr>
-            <p:ph type="sldNum" sz="quarter" idx="12"/>
-          </p:nvPr>
-        </p:nvSpPr>
-        <p:spPr/>
-        <p:txBody>
-          <a:bodyPr/>
-          <a:lstStyle/>
-          <a:p>
-            <a:fld id="{4B226E06-9C1F-4149-B02B-AA912A5E2CDA}" type="slidenum">
-              <a:rPr lang="ru-RU" smtClean="0"/>
-              <a:t>18</a:t>
-            </a:fld>
-            <a:endParaRPr lang="ru-RU" dirty="0"/>
-          </a:p>
-        </p:txBody>
-      </p:sp>
-      <p:sp>
-        <p:nvSpPr>
-          <p:cNvPr id="9" name="Прямоугольник 8">
-            <a:extLst>
-              <a:ext uri="{FF2B5EF4-FFF2-40B4-BE49-F238E27FC236}">
-                <a16:creationId xmlns:a16="http://schemas.microsoft.com/office/drawing/2014/main" id="{2863F7D7-DA63-4390-9DE9-35206FDC66B3}"/>
-              </a:ext>
-            </a:extLst>
-          </p:cNvPr>
-          <p:cNvSpPr/>
-          <p:nvPr/>
-        </p:nvSpPr>
-        <p:spPr>
-          <a:xfrm flipV="1">
-            <a:off x="925620" y="920165"/>
-            <a:ext cx="10865327" cy="21600"/>
-          </a:xfrm>
-          <a:prstGeom prst="rect">
-            <a:avLst/>
-          </a:prstGeom>
-          <a:solidFill>
-            <a:srgbClr val="E20443"/>
-          </a:solidFill>
-          <a:ln>
-            <a:noFill/>
-          </a:ln>
-        </p:spPr>
-        <p:style>
-          <a:lnRef idx="2">
-            <a:schemeClr val="accent1">
-              <a:shade val="50000"/>
-            </a:schemeClr>
-          </a:lnRef>
-          <a:fillRef idx="1">
-            <a:schemeClr val="accent1"/>
-          </a:fillRef>
-          <a:effectRef idx="0">
-            <a:schemeClr val="accent1"/>
-          </a:effectRef>
-          <a:fontRef idx="minor">
-            <a:schemeClr val="lt1"/>
-          </a:fontRef>
-        </p:style>
-        <p:txBody>
-          <a:bodyPr rtlCol="0" anchor="ctr"/>
-          <a:lstStyle/>
-          <a:p>
-            <a:pPr algn="ctr"/>
-            <a:endParaRPr lang="ru-RU">
-              <a:solidFill>
-                <a:srgbClr val="E20443"/>
-              </a:solidFill>
-            </a:endParaRPr>
-          </a:p>
-        </p:txBody>
-      </p:sp>
-      <p:sp>
-        <p:nvSpPr>
-          <p:cNvPr id="10" name="TextBox 9">
-            <a:extLst>
-              <a:ext uri="{FF2B5EF4-FFF2-40B4-BE49-F238E27FC236}">
-                <a16:creationId xmlns:a16="http://schemas.microsoft.com/office/drawing/2014/main" id="{66B82180-ABF4-4200-93DC-6ADB89E3D832}"/>
-              </a:ext>
-            </a:extLst>
-          </p:cNvPr>
-          <p:cNvSpPr txBox="1"/>
-          <p:nvPr/>
-        </p:nvSpPr>
-        <p:spPr>
-          <a:xfrm>
-            <a:off x="1946032" y="257088"/>
-            <a:ext cx="8441168" cy="461665"/>
-          </a:xfrm>
-          <a:prstGeom prst="rect">
-            <a:avLst/>
-          </a:prstGeom>
-          <a:noFill/>
-        </p:spPr>
-        <p:txBody>
-          <a:bodyPr wrap="square" rtlCol="0">
-            <a:spAutoFit/>
-          </a:bodyPr>
-          <a:lstStyle>
-            <a:defPPr>
-              <a:defRPr lang="ru-RU"/>
-            </a:defPPr>
-            <a:lvl1pPr marL="0" algn="l" defTabSz="914400" rtl="0" eaLnBrk="1" latinLnBrk="0" hangingPunct="1">
-              <a:defRPr sz="1800" kern="1200">
-                <a:solidFill>
-                  <a:schemeClr val="tx1"/>
-                </a:solidFill>
-                <a:latin typeface="+mn-lt"/>
-                <a:ea typeface="+mn-ea"/>
-                <a:cs typeface="+mn-cs"/>
-              </a:defRPr>
-            </a:lvl1pPr>
-            <a:lvl2pPr marL="457200" algn="l" defTabSz="914400" rtl="0" eaLnBrk="1" latinLnBrk="0" hangingPunct="1">
-              <a:defRPr sz="1800" kern="1200">
-                <a:solidFill>
-                  <a:schemeClr val="tx1"/>
-                </a:solidFill>
-                <a:latin typeface="+mn-lt"/>
-                <a:ea typeface="+mn-ea"/>
-                <a:cs typeface="+mn-cs"/>
-              </a:defRPr>
-            </a:lvl2pPr>
-            <a:lvl3pPr marL="914400" algn="l" defTabSz="914400" rtl="0" eaLnBrk="1" latinLnBrk="0" hangingPunct="1">
-              <a:defRPr sz="1800" kern="1200">
-                <a:solidFill>
-                  <a:schemeClr val="tx1"/>
-                </a:solidFill>
-                <a:latin typeface="+mn-lt"/>
-                <a:ea typeface="+mn-ea"/>
-                <a:cs typeface="+mn-cs"/>
-              </a:defRPr>
-            </a:lvl3pPr>
-            <a:lvl4pPr marL="1371600" algn="l" defTabSz="914400" rtl="0" eaLnBrk="1" latinLnBrk="0" hangingPunct="1">
-              <a:defRPr sz="1800" kern="1200">
-                <a:solidFill>
-                  <a:schemeClr val="tx1"/>
-                </a:solidFill>
-                <a:latin typeface="+mn-lt"/>
-                <a:ea typeface="+mn-ea"/>
-                <a:cs typeface="+mn-cs"/>
-              </a:defRPr>
-            </a:lvl4pPr>
-            <a:lvl5pPr marL="1828800" algn="l" defTabSz="914400" rtl="0" eaLnBrk="1" latinLnBrk="0" hangingPunct="1">
-              <a:defRPr sz="1800" kern="1200">
-                <a:solidFill>
-                  <a:schemeClr val="tx1"/>
-                </a:solidFill>
-                <a:latin typeface="+mn-lt"/>
-                <a:ea typeface="+mn-ea"/>
-                <a:cs typeface="+mn-cs"/>
-              </a:defRPr>
-            </a:lvl5pPr>
-            <a:lvl6pPr marL="2286000" algn="l" defTabSz="914400" rtl="0" eaLnBrk="1" latinLnBrk="0" hangingPunct="1">
-              <a:defRPr sz="1800" kern="1200">
-                <a:solidFill>
-                  <a:schemeClr val="tx1"/>
-                </a:solidFill>
-                <a:latin typeface="+mn-lt"/>
-                <a:ea typeface="+mn-ea"/>
-                <a:cs typeface="+mn-cs"/>
-              </a:defRPr>
-            </a:lvl6pPr>
-            <a:lvl7pPr marL="2743200" algn="l" defTabSz="914400" rtl="0" eaLnBrk="1" latinLnBrk="0" hangingPunct="1">
-              <a:defRPr sz="1800" kern="1200">
-                <a:solidFill>
-                  <a:schemeClr val="tx1"/>
-                </a:solidFill>
-                <a:latin typeface="+mn-lt"/>
-                <a:ea typeface="+mn-ea"/>
-                <a:cs typeface="+mn-cs"/>
-              </a:defRPr>
-            </a:lvl7pPr>
-            <a:lvl8pPr marL="3200400" algn="l" defTabSz="914400" rtl="0" eaLnBrk="1" latinLnBrk="0" hangingPunct="1">
-              <a:defRPr sz="1800" kern="1200">
-                <a:solidFill>
-                  <a:schemeClr val="tx1"/>
-                </a:solidFill>
-                <a:latin typeface="+mn-lt"/>
-                <a:ea typeface="+mn-ea"/>
-                <a:cs typeface="+mn-cs"/>
-              </a:defRPr>
-            </a:lvl8pPr>
-            <a:lvl9pPr marL="3657600" algn="l" defTabSz="914400" rtl="0" eaLnBrk="1" latinLnBrk="0" hangingPunct="1">
-              <a:defRPr sz="1800" kern="1200">
-                <a:solidFill>
-                  <a:schemeClr val="tx1"/>
-                </a:solidFill>
-                <a:latin typeface="+mn-lt"/>
-                <a:ea typeface="+mn-ea"/>
-                <a:cs typeface="+mn-cs"/>
-              </a:defRPr>
-            </a:lvl9pPr>
-          </a:lstStyle>
-          <a:p>
-            <a:r>
-              <a:rPr lang="ru-RU" sz="2400" b="1" dirty="0">
-                <a:solidFill>
-                  <a:srgbClr val="FF0000"/>
-                </a:solidFill>
-              </a:rPr>
-              <a:t>Атаки</a:t>
-            </a:r>
-          </a:p>
-        </p:txBody>
-      </p:sp>
-    </p:spTree>
-    <p:extLst>
-      <p:ext uri="{BB962C8B-B14F-4D97-AF65-F5344CB8AC3E}">
-        <p14:creationId xmlns:p14="http://schemas.microsoft.com/office/powerpoint/2010/main" val="2792391575"/>
-      </p:ext>
-    </p:extLst>
-  </p:cSld>
-  <p:clrMapOvr>
-    <a:masterClrMapping/>
-  </p:clrMapOvr>
-</p:sld>
-</file>
-
-<file path=ppt/slides/slide19.xml><?xml version="1.0" encoding="utf-8"?>
-<p:sld xmlns:a="http://schemas.openxmlformats.org/drawingml/2006/main" xmlns:r="http://schemas.openxmlformats.org/officeDocument/2006/relationships" xmlns:p="http://schemas.openxmlformats.org/presentationml/2006/main">
-  <p:cSld>
-    <p:spTree>
-      <p:nvGrpSpPr>
-        <p:cNvPr id="1" name=""/>
-        <p:cNvGrpSpPr/>
-        <p:nvPr/>
-      </p:nvGrpSpPr>
-      <p:grpSpPr>
-        <a:xfrm>
-          <a:off x="0" y="0"/>
-          <a:ext cx="0" cy="0"/>
-          <a:chOff x="0" y="0"/>
-          <a:chExt cx="0" cy="0"/>
-        </a:xfrm>
-      </p:grpSpPr>
-      <p:sp>
-        <p:nvSpPr>
-          <p:cNvPr id="3" name="Объект 2">
-            <a:extLst>
-              <a:ext uri="{FF2B5EF4-FFF2-40B4-BE49-F238E27FC236}">
-                <a16:creationId xmlns:a16="http://schemas.microsoft.com/office/drawing/2014/main" id="{5C517EF3-F0AB-4CA9-9685-F39A8C9E76B0}"/>
-              </a:ext>
-            </a:extLst>
-          </p:cNvPr>
-          <p:cNvSpPr>
-            <a:spLocks noGrp="1"/>
-          </p:cNvSpPr>
-          <p:nvPr>
-            <p:ph idx="1"/>
-          </p:nvPr>
-        </p:nvSpPr>
-        <p:spPr>
-          <a:xfrm>
-            <a:off x="671465" y="1586497"/>
-            <a:ext cx="10515600" cy="4351338"/>
-          </a:xfrm>
-        </p:spPr>
-        <p:txBody>
-          <a:bodyPr>
-            <a:normAutofit/>
-          </a:bodyPr>
-          <a:lstStyle/>
-          <a:p>
-            <a:r>
-              <a:rPr lang="ru-RU" altLang="ru-RU" dirty="0"/>
-              <a:t>Ф</a:t>
-            </a:r>
-          </a:p>
-          <a:p>
-            <a:endParaRPr lang="ru-RU" altLang="ru-RU" dirty="0"/>
-          </a:p>
-        </p:txBody>
-      </p:sp>
-      <p:pic>
-        <p:nvPicPr>
-          <p:cNvPr id="4" name="Объект 1">
-            <a:extLst>
-              <a:ext uri="{FF2B5EF4-FFF2-40B4-BE49-F238E27FC236}">
-                <a16:creationId xmlns:a16="http://schemas.microsoft.com/office/drawing/2014/main" id="{DD1703EE-3E4E-45F0-AEF9-8EB156A5A428}"/>
-              </a:ext>
-            </a:extLst>
-          </p:cNvPr>
-          <p:cNvPicPr>
-            <a:picLocks noChangeAspect="1"/>
-          </p:cNvPicPr>
-          <p:nvPr/>
-        </p:nvPicPr>
-        <p:blipFill rotWithShape="1">
-          <a:blip r:embed="rId2" cstate="print">
-            <a:extLst>
-              <a:ext uri="{28A0092B-C50C-407E-A947-70E740481C1C}">
-                <a14:useLocalDpi xmlns:a14="http://schemas.microsoft.com/office/drawing/2010/main" val="0"/>
-              </a:ext>
-            </a:extLst>
-          </a:blip>
-          <a:srcRect r="40340"/>
-          <a:stretch/>
-        </p:blipFill>
-        <p:spPr>
-          <a:xfrm>
-            <a:off x="0" y="25409"/>
-            <a:ext cx="1342931" cy="434420"/>
-          </a:xfrm>
-          <a:prstGeom prst="rect">
-            <a:avLst/>
-          </a:prstGeom>
-        </p:spPr>
-      </p:pic>
-      <p:sp>
-        <p:nvSpPr>
-          <p:cNvPr id="5" name="Номер слайда 4">
-            <a:extLst>
-              <a:ext uri="{FF2B5EF4-FFF2-40B4-BE49-F238E27FC236}">
-                <a16:creationId xmlns:a16="http://schemas.microsoft.com/office/drawing/2014/main" id="{91FB19A0-3217-472C-9218-0E4AB390B9DF}"/>
-              </a:ext>
-            </a:extLst>
-          </p:cNvPr>
-          <p:cNvSpPr>
-            <a:spLocks noGrp="1"/>
-          </p:cNvSpPr>
-          <p:nvPr>
-            <p:ph type="sldNum" sz="quarter" idx="12"/>
-          </p:nvPr>
-        </p:nvSpPr>
-        <p:spPr/>
-        <p:txBody>
-          <a:bodyPr/>
-          <a:lstStyle/>
-          <a:p>
-            <a:fld id="{4B226E06-9C1F-4149-B02B-AA912A5E2CDA}" type="slidenum">
-              <a:rPr lang="ru-RU" smtClean="0"/>
-              <a:t>19</a:t>
-            </a:fld>
-            <a:endParaRPr lang="ru-RU" dirty="0"/>
-          </a:p>
-        </p:txBody>
-      </p:sp>
-      <p:sp>
-        <p:nvSpPr>
-          <p:cNvPr id="9" name="Прямоугольник 8">
-            <a:extLst>
-              <a:ext uri="{FF2B5EF4-FFF2-40B4-BE49-F238E27FC236}">
-                <a16:creationId xmlns:a16="http://schemas.microsoft.com/office/drawing/2014/main" id="{2863F7D7-DA63-4390-9DE9-35206FDC66B3}"/>
-              </a:ext>
-            </a:extLst>
-          </p:cNvPr>
-          <p:cNvSpPr/>
-          <p:nvPr/>
-        </p:nvSpPr>
-        <p:spPr>
-          <a:xfrm flipV="1">
-            <a:off x="925620" y="920165"/>
-            <a:ext cx="10865327" cy="21600"/>
-          </a:xfrm>
-          <a:prstGeom prst="rect">
-            <a:avLst/>
-          </a:prstGeom>
-          <a:solidFill>
-            <a:srgbClr val="E20443"/>
-          </a:solidFill>
-          <a:ln>
-            <a:noFill/>
-          </a:ln>
-        </p:spPr>
-        <p:style>
-          <a:lnRef idx="2">
-            <a:schemeClr val="accent1">
-              <a:shade val="50000"/>
-            </a:schemeClr>
-          </a:lnRef>
-          <a:fillRef idx="1">
-            <a:schemeClr val="accent1"/>
-          </a:fillRef>
-          <a:effectRef idx="0">
-            <a:schemeClr val="accent1"/>
-          </a:effectRef>
-          <a:fontRef idx="minor">
-            <a:schemeClr val="lt1"/>
-          </a:fontRef>
-        </p:style>
-        <p:txBody>
-          <a:bodyPr rtlCol="0" anchor="ctr"/>
-          <a:lstStyle/>
-          <a:p>
-            <a:pPr algn="ctr"/>
-            <a:endParaRPr lang="ru-RU">
-              <a:solidFill>
-                <a:srgbClr val="E20443"/>
-              </a:solidFill>
-            </a:endParaRPr>
-          </a:p>
-        </p:txBody>
-      </p:sp>
-      <p:sp>
-        <p:nvSpPr>
-          <p:cNvPr id="10" name="TextBox 9">
-            <a:extLst>
-              <a:ext uri="{FF2B5EF4-FFF2-40B4-BE49-F238E27FC236}">
-                <a16:creationId xmlns:a16="http://schemas.microsoft.com/office/drawing/2014/main" id="{66B82180-ABF4-4200-93DC-6ADB89E3D832}"/>
-              </a:ext>
-            </a:extLst>
-          </p:cNvPr>
-          <p:cNvSpPr txBox="1"/>
-          <p:nvPr/>
-        </p:nvSpPr>
-        <p:spPr>
-          <a:xfrm>
-            <a:off x="1946032" y="257088"/>
-            <a:ext cx="8441168" cy="461665"/>
-          </a:xfrm>
-          <a:prstGeom prst="rect">
-            <a:avLst/>
-          </a:prstGeom>
-          <a:noFill/>
-        </p:spPr>
-        <p:txBody>
-          <a:bodyPr wrap="square" rtlCol="0">
-            <a:spAutoFit/>
-          </a:bodyPr>
-          <a:lstStyle>
-            <a:defPPr>
-              <a:defRPr lang="ru-RU"/>
-            </a:defPPr>
-            <a:lvl1pPr marL="0" algn="l" defTabSz="914400" rtl="0" eaLnBrk="1" latinLnBrk="0" hangingPunct="1">
-              <a:defRPr sz="1800" kern="1200">
-                <a:solidFill>
-                  <a:schemeClr val="tx1"/>
-                </a:solidFill>
-                <a:latin typeface="+mn-lt"/>
-                <a:ea typeface="+mn-ea"/>
-                <a:cs typeface="+mn-cs"/>
-              </a:defRPr>
-            </a:lvl1pPr>
-            <a:lvl2pPr marL="457200" algn="l" defTabSz="914400" rtl="0" eaLnBrk="1" latinLnBrk="0" hangingPunct="1">
-              <a:defRPr sz="1800" kern="1200">
-                <a:solidFill>
-                  <a:schemeClr val="tx1"/>
-                </a:solidFill>
-                <a:latin typeface="+mn-lt"/>
-                <a:ea typeface="+mn-ea"/>
-                <a:cs typeface="+mn-cs"/>
-              </a:defRPr>
-            </a:lvl2pPr>
-            <a:lvl3pPr marL="914400" algn="l" defTabSz="914400" rtl="0" eaLnBrk="1" latinLnBrk="0" hangingPunct="1">
-              <a:defRPr sz="1800" kern="1200">
-                <a:solidFill>
-                  <a:schemeClr val="tx1"/>
-                </a:solidFill>
-                <a:latin typeface="+mn-lt"/>
-                <a:ea typeface="+mn-ea"/>
-                <a:cs typeface="+mn-cs"/>
-              </a:defRPr>
-            </a:lvl3pPr>
-            <a:lvl4pPr marL="1371600" algn="l" defTabSz="914400" rtl="0" eaLnBrk="1" latinLnBrk="0" hangingPunct="1">
-              <a:defRPr sz="1800" kern="1200">
-                <a:solidFill>
-                  <a:schemeClr val="tx1"/>
-                </a:solidFill>
-                <a:latin typeface="+mn-lt"/>
-                <a:ea typeface="+mn-ea"/>
-                <a:cs typeface="+mn-cs"/>
-              </a:defRPr>
-            </a:lvl4pPr>
-            <a:lvl5pPr marL="1828800" algn="l" defTabSz="914400" rtl="0" eaLnBrk="1" latinLnBrk="0" hangingPunct="1">
-              <a:defRPr sz="1800" kern="1200">
-                <a:solidFill>
-                  <a:schemeClr val="tx1"/>
-                </a:solidFill>
-                <a:latin typeface="+mn-lt"/>
-                <a:ea typeface="+mn-ea"/>
-                <a:cs typeface="+mn-cs"/>
-              </a:defRPr>
-            </a:lvl5pPr>
-            <a:lvl6pPr marL="2286000" algn="l" defTabSz="914400" rtl="0" eaLnBrk="1" latinLnBrk="0" hangingPunct="1">
-              <a:defRPr sz="1800" kern="1200">
-                <a:solidFill>
-                  <a:schemeClr val="tx1"/>
-                </a:solidFill>
-                <a:latin typeface="+mn-lt"/>
-                <a:ea typeface="+mn-ea"/>
-                <a:cs typeface="+mn-cs"/>
-              </a:defRPr>
-            </a:lvl6pPr>
-            <a:lvl7pPr marL="2743200" algn="l" defTabSz="914400" rtl="0" eaLnBrk="1" latinLnBrk="0" hangingPunct="1">
-              <a:defRPr sz="1800" kern="1200">
-                <a:solidFill>
-                  <a:schemeClr val="tx1"/>
-                </a:solidFill>
-                <a:latin typeface="+mn-lt"/>
-                <a:ea typeface="+mn-ea"/>
-                <a:cs typeface="+mn-cs"/>
-              </a:defRPr>
-            </a:lvl7pPr>
-            <a:lvl8pPr marL="3200400" algn="l" defTabSz="914400" rtl="0" eaLnBrk="1" latinLnBrk="0" hangingPunct="1">
-              <a:defRPr sz="1800" kern="1200">
-                <a:solidFill>
-                  <a:schemeClr val="tx1"/>
-                </a:solidFill>
-                <a:latin typeface="+mn-lt"/>
-                <a:ea typeface="+mn-ea"/>
-                <a:cs typeface="+mn-cs"/>
-              </a:defRPr>
-            </a:lvl8pPr>
-            <a:lvl9pPr marL="3657600" algn="l" defTabSz="914400" rtl="0" eaLnBrk="1" latinLnBrk="0" hangingPunct="1">
-              <a:defRPr sz="1800" kern="1200">
-                <a:solidFill>
-                  <a:schemeClr val="tx1"/>
-                </a:solidFill>
-                <a:latin typeface="+mn-lt"/>
-                <a:ea typeface="+mn-ea"/>
-                <a:cs typeface="+mn-cs"/>
-              </a:defRPr>
-            </a:lvl9pPr>
-          </a:lstStyle>
-          <a:p>
-            <a:r>
-              <a:rPr lang="ru-RU" sz="2400" b="1" dirty="0">
-                <a:solidFill>
-                  <a:srgbClr val="FF0000"/>
-                </a:solidFill>
-              </a:rPr>
-              <a:t>Атаки</a:t>
-            </a:r>
-          </a:p>
-        </p:txBody>
-      </p:sp>
-    </p:spTree>
-    <p:extLst>
-      <p:ext uri="{BB962C8B-B14F-4D97-AF65-F5344CB8AC3E}">
-        <p14:creationId xmlns:p14="http://schemas.microsoft.com/office/powerpoint/2010/main" val="487380684"/>
+        <p14:creationId xmlns:p14="http://schemas.microsoft.com/office/powerpoint/2010/main" val="2734981816"/>
       </p:ext>
     </p:extLst>
   </p:cSld>
@@ -6427,42 +5884,70 @@
             <p:ph idx="1"/>
           </p:nvPr>
         </p:nvSpPr>
-        <p:spPr/>
-        <p:txBody>
-          <a:bodyPr/>
+        <p:spPr>
+          <a:xfrm>
+            <a:off x="838200" y="1473388"/>
+            <a:ext cx="10515600" cy="4351338"/>
+          </a:xfrm>
+        </p:spPr>
+        <p:txBody>
+          <a:bodyPr>
+            <a:normAutofit lnSpcReduction="10000"/>
+          </a:bodyPr>
           <a:lstStyle/>
           <a:p>
             <a:r>
               <a:rPr lang="ru-RU" dirty="0"/>
-              <a:t>Примеры моделей</a:t>
+              <a:t>Обучение без учителя</a:t>
+            </a:r>
+            <a:endParaRPr lang="en-US" dirty="0"/>
+          </a:p>
+          <a:p>
+            <a:r>
+              <a:rPr lang="ru-RU" dirty="0"/>
+              <a:t>Примеры генеративных моделей</a:t>
+            </a:r>
+          </a:p>
+          <a:p>
+            <a:r>
+              <a:rPr lang="ru-RU" dirty="0" err="1"/>
+              <a:t>Генеративно</a:t>
+            </a:r>
+            <a:r>
+              <a:rPr lang="ru-RU" dirty="0"/>
+              <a:t>-состязательные модели</a:t>
             </a:r>
           </a:p>
           <a:p>
             <a:pPr lvl="1"/>
-            <a:r>
-              <a:rPr lang="ru-RU" dirty="0" err="1"/>
-              <a:t>автокодировщики</a:t>
-            </a:r>
-            <a:r>
-              <a:rPr lang="ru-RU" dirty="0"/>
-              <a:t>, </a:t>
-            </a:r>
-          </a:p>
-          <a:p>
-            <a:pPr lvl="1"/>
-            <a:r>
-              <a:rPr lang="ru-RU" dirty="0"/>
-              <a:t>Генеративные состязательные сети (</a:t>
-            </a:r>
             <a:r>
               <a:rPr lang="en-US" dirty="0"/>
               <a:t>GAN</a:t>
             </a:r>
+            <a:endParaRPr lang="ru-RU" dirty="0"/>
+          </a:p>
+          <a:p>
+            <a:pPr lvl="1"/>
+            <a:r>
+              <a:rPr lang="en-US" dirty="0" err="1"/>
+              <a:t>CycleGAN</a:t>
+            </a:r>
+            <a:endParaRPr lang="en-US" dirty="0"/>
+          </a:p>
+          <a:p>
+            <a:pPr lvl="1"/>
+            <a:r>
+              <a:rPr lang="en-US" dirty="0" err="1"/>
+              <a:t>StyleGAN</a:t>
+            </a:r>
+            <a:endParaRPr lang="en-US" dirty="0"/>
+          </a:p>
+          <a:p>
+            <a:pPr lvl="1"/>
             <a:r>
               <a:rPr lang="ru-RU" dirty="0"/>
-              <a:t>)</a:t>
-            </a:r>
-            <a:endParaRPr lang="en-US" dirty="0"/>
+              <a:t>Примеры применения</a:t>
+            </a:r>
           </a:p>
           <a:p>
             <a:r>
@@ -6745,897 +6230,6 @@
     <p:extLst>
       <p:ext uri="{BB962C8B-B14F-4D97-AF65-F5344CB8AC3E}">
         <p14:creationId xmlns:p14="http://schemas.microsoft.com/office/powerpoint/2010/main" val="3808282123"/>
-      </p:ext>
-    </p:extLst>
-  </p:cSld>
-  <p:clrMapOvr>
-    <a:masterClrMapping/>
-  </p:clrMapOvr>
-</p:sld>
-</file>
-
-<file path=ppt/slides/slide20.xml><?xml version="1.0" encoding="utf-8"?>
-<p:sld xmlns:a="http://schemas.openxmlformats.org/drawingml/2006/main" xmlns:r="http://schemas.openxmlformats.org/officeDocument/2006/relationships" xmlns:p="http://schemas.openxmlformats.org/presentationml/2006/main">
-  <p:cSld>
-    <p:spTree>
-      <p:nvGrpSpPr>
-        <p:cNvPr id="1" name=""/>
-        <p:cNvGrpSpPr/>
-        <p:nvPr/>
-      </p:nvGrpSpPr>
-      <p:grpSpPr>
-        <a:xfrm>
-          <a:off x="0" y="0"/>
-          <a:ext cx="0" cy="0"/>
-          <a:chOff x="0" y="0"/>
-          <a:chExt cx="0" cy="0"/>
-        </a:xfrm>
-      </p:grpSpPr>
-      <p:sp>
-        <p:nvSpPr>
-          <p:cNvPr id="3" name="Объект 2">
-            <a:extLst>
-              <a:ext uri="{FF2B5EF4-FFF2-40B4-BE49-F238E27FC236}">
-                <a16:creationId xmlns:a16="http://schemas.microsoft.com/office/drawing/2014/main" id="{5C517EF3-F0AB-4CA9-9685-F39A8C9E76B0}"/>
-              </a:ext>
-            </a:extLst>
-          </p:cNvPr>
-          <p:cNvSpPr>
-            <a:spLocks noGrp="1"/>
-          </p:cNvSpPr>
-          <p:nvPr>
-            <p:ph idx="1"/>
-          </p:nvPr>
-        </p:nvSpPr>
-        <p:spPr>
-          <a:xfrm>
-            <a:off x="671465" y="1586497"/>
-            <a:ext cx="10515600" cy="4351338"/>
-          </a:xfrm>
-        </p:spPr>
-        <p:txBody>
-          <a:bodyPr>
-            <a:normAutofit/>
-          </a:bodyPr>
-          <a:lstStyle/>
-          <a:p>
-            <a:r>
-              <a:rPr lang="ru-RU" altLang="ru-RU" dirty="0"/>
-              <a:t>Ф</a:t>
-            </a:r>
-          </a:p>
-          <a:p>
-            <a:endParaRPr lang="ru-RU" altLang="ru-RU" dirty="0"/>
-          </a:p>
-        </p:txBody>
-      </p:sp>
-      <p:pic>
-        <p:nvPicPr>
-          <p:cNvPr id="4" name="Объект 1">
-            <a:extLst>
-              <a:ext uri="{FF2B5EF4-FFF2-40B4-BE49-F238E27FC236}">
-                <a16:creationId xmlns:a16="http://schemas.microsoft.com/office/drawing/2014/main" id="{DD1703EE-3E4E-45F0-AEF9-8EB156A5A428}"/>
-              </a:ext>
-            </a:extLst>
-          </p:cNvPr>
-          <p:cNvPicPr>
-            <a:picLocks noChangeAspect="1"/>
-          </p:cNvPicPr>
-          <p:nvPr/>
-        </p:nvPicPr>
-        <p:blipFill rotWithShape="1">
-          <a:blip r:embed="rId2" cstate="print">
-            <a:extLst>
-              <a:ext uri="{28A0092B-C50C-407E-A947-70E740481C1C}">
-                <a14:useLocalDpi xmlns:a14="http://schemas.microsoft.com/office/drawing/2010/main" val="0"/>
-              </a:ext>
-            </a:extLst>
-          </a:blip>
-          <a:srcRect r="40340"/>
-          <a:stretch/>
-        </p:blipFill>
-        <p:spPr>
-          <a:xfrm>
-            <a:off x="0" y="25409"/>
-            <a:ext cx="1342931" cy="434420"/>
-          </a:xfrm>
-          <a:prstGeom prst="rect">
-            <a:avLst/>
-          </a:prstGeom>
-        </p:spPr>
-      </p:pic>
-      <p:sp>
-        <p:nvSpPr>
-          <p:cNvPr id="5" name="Номер слайда 4">
-            <a:extLst>
-              <a:ext uri="{FF2B5EF4-FFF2-40B4-BE49-F238E27FC236}">
-                <a16:creationId xmlns:a16="http://schemas.microsoft.com/office/drawing/2014/main" id="{91FB19A0-3217-472C-9218-0E4AB390B9DF}"/>
-              </a:ext>
-            </a:extLst>
-          </p:cNvPr>
-          <p:cNvSpPr>
-            <a:spLocks noGrp="1"/>
-          </p:cNvSpPr>
-          <p:nvPr>
-            <p:ph type="sldNum" sz="quarter" idx="12"/>
-          </p:nvPr>
-        </p:nvSpPr>
-        <p:spPr/>
-        <p:txBody>
-          <a:bodyPr/>
-          <a:lstStyle/>
-          <a:p>
-            <a:fld id="{4B226E06-9C1F-4149-B02B-AA912A5E2CDA}" type="slidenum">
-              <a:rPr lang="ru-RU" smtClean="0"/>
-              <a:t>20</a:t>
-            </a:fld>
-            <a:endParaRPr lang="ru-RU" dirty="0"/>
-          </a:p>
-        </p:txBody>
-      </p:sp>
-      <p:sp>
-        <p:nvSpPr>
-          <p:cNvPr id="9" name="Прямоугольник 8">
-            <a:extLst>
-              <a:ext uri="{FF2B5EF4-FFF2-40B4-BE49-F238E27FC236}">
-                <a16:creationId xmlns:a16="http://schemas.microsoft.com/office/drawing/2014/main" id="{2863F7D7-DA63-4390-9DE9-35206FDC66B3}"/>
-              </a:ext>
-            </a:extLst>
-          </p:cNvPr>
-          <p:cNvSpPr/>
-          <p:nvPr/>
-        </p:nvSpPr>
-        <p:spPr>
-          <a:xfrm flipV="1">
-            <a:off x="925620" y="920165"/>
-            <a:ext cx="10865327" cy="21600"/>
-          </a:xfrm>
-          <a:prstGeom prst="rect">
-            <a:avLst/>
-          </a:prstGeom>
-          <a:solidFill>
-            <a:srgbClr val="E20443"/>
-          </a:solidFill>
-          <a:ln>
-            <a:noFill/>
-          </a:ln>
-        </p:spPr>
-        <p:style>
-          <a:lnRef idx="2">
-            <a:schemeClr val="accent1">
-              <a:shade val="50000"/>
-            </a:schemeClr>
-          </a:lnRef>
-          <a:fillRef idx="1">
-            <a:schemeClr val="accent1"/>
-          </a:fillRef>
-          <a:effectRef idx="0">
-            <a:schemeClr val="accent1"/>
-          </a:effectRef>
-          <a:fontRef idx="minor">
-            <a:schemeClr val="lt1"/>
-          </a:fontRef>
-        </p:style>
-        <p:txBody>
-          <a:bodyPr rtlCol="0" anchor="ctr"/>
-          <a:lstStyle/>
-          <a:p>
-            <a:pPr algn="ctr"/>
-            <a:endParaRPr lang="ru-RU">
-              <a:solidFill>
-                <a:srgbClr val="E20443"/>
-              </a:solidFill>
-            </a:endParaRPr>
-          </a:p>
-        </p:txBody>
-      </p:sp>
-      <p:sp>
-        <p:nvSpPr>
-          <p:cNvPr id="10" name="TextBox 9">
-            <a:extLst>
-              <a:ext uri="{FF2B5EF4-FFF2-40B4-BE49-F238E27FC236}">
-                <a16:creationId xmlns:a16="http://schemas.microsoft.com/office/drawing/2014/main" id="{66B82180-ABF4-4200-93DC-6ADB89E3D832}"/>
-              </a:ext>
-            </a:extLst>
-          </p:cNvPr>
-          <p:cNvSpPr txBox="1"/>
-          <p:nvPr/>
-        </p:nvSpPr>
-        <p:spPr>
-          <a:xfrm>
-            <a:off x="1946032" y="257088"/>
-            <a:ext cx="8441168" cy="461665"/>
-          </a:xfrm>
-          <a:prstGeom prst="rect">
-            <a:avLst/>
-          </a:prstGeom>
-          <a:noFill/>
-        </p:spPr>
-        <p:txBody>
-          <a:bodyPr wrap="square" rtlCol="0">
-            <a:spAutoFit/>
-          </a:bodyPr>
-          <a:lstStyle>
-            <a:defPPr>
-              <a:defRPr lang="ru-RU"/>
-            </a:defPPr>
-            <a:lvl1pPr marL="0" algn="l" defTabSz="914400" rtl="0" eaLnBrk="1" latinLnBrk="0" hangingPunct="1">
-              <a:defRPr sz="1800" kern="1200">
-                <a:solidFill>
-                  <a:schemeClr val="tx1"/>
-                </a:solidFill>
-                <a:latin typeface="+mn-lt"/>
-                <a:ea typeface="+mn-ea"/>
-                <a:cs typeface="+mn-cs"/>
-              </a:defRPr>
-            </a:lvl1pPr>
-            <a:lvl2pPr marL="457200" algn="l" defTabSz="914400" rtl="0" eaLnBrk="1" latinLnBrk="0" hangingPunct="1">
-              <a:defRPr sz="1800" kern="1200">
-                <a:solidFill>
-                  <a:schemeClr val="tx1"/>
-                </a:solidFill>
-                <a:latin typeface="+mn-lt"/>
-                <a:ea typeface="+mn-ea"/>
-                <a:cs typeface="+mn-cs"/>
-              </a:defRPr>
-            </a:lvl2pPr>
-            <a:lvl3pPr marL="914400" algn="l" defTabSz="914400" rtl="0" eaLnBrk="1" latinLnBrk="0" hangingPunct="1">
-              <a:defRPr sz="1800" kern="1200">
-                <a:solidFill>
-                  <a:schemeClr val="tx1"/>
-                </a:solidFill>
-                <a:latin typeface="+mn-lt"/>
-                <a:ea typeface="+mn-ea"/>
-                <a:cs typeface="+mn-cs"/>
-              </a:defRPr>
-            </a:lvl3pPr>
-            <a:lvl4pPr marL="1371600" algn="l" defTabSz="914400" rtl="0" eaLnBrk="1" latinLnBrk="0" hangingPunct="1">
-              <a:defRPr sz="1800" kern="1200">
-                <a:solidFill>
-                  <a:schemeClr val="tx1"/>
-                </a:solidFill>
-                <a:latin typeface="+mn-lt"/>
-                <a:ea typeface="+mn-ea"/>
-                <a:cs typeface="+mn-cs"/>
-              </a:defRPr>
-            </a:lvl4pPr>
-            <a:lvl5pPr marL="1828800" algn="l" defTabSz="914400" rtl="0" eaLnBrk="1" latinLnBrk="0" hangingPunct="1">
-              <a:defRPr sz="1800" kern="1200">
-                <a:solidFill>
-                  <a:schemeClr val="tx1"/>
-                </a:solidFill>
-                <a:latin typeface="+mn-lt"/>
-                <a:ea typeface="+mn-ea"/>
-                <a:cs typeface="+mn-cs"/>
-              </a:defRPr>
-            </a:lvl5pPr>
-            <a:lvl6pPr marL="2286000" algn="l" defTabSz="914400" rtl="0" eaLnBrk="1" latinLnBrk="0" hangingPunct="1">
-              <a:defRPr sz="1800" kern="1200">
-                <a:solidFill>
-                  <a:schemeClr val="tx1"/>
-                </a:solidFill>
-                <a:latin typeface="+mn-lt"/>
-                <a:ea typeface="+mn-ea"/>
-                <a:cs typeface="+mn-cs"/>
-              </a:defRPr>
-            </a:lvl6pPr>
-            <a:lvl7pPr marL="2743200" algn="l" defTabSz="914400" rtl="0" eaLnBrk="1" latinLnBrk="0" hangingPunct="1">
-              <a:defRPr sz="1800" kern="1200">
-                <a:solidFill>
-                  <a:schemeClr val="tx1"/>
-                </a:solidFill>
-                <a:latin typeface="+mn-lt"/>
-                <a:ea typeface="+mn-ea"/>
-                <a:cs typeface="+mn-cs"/>
-              </a:defRPr>
-            </a:lvl7pPr>
-            <a:lvl8pPr marL="3200400" algn="l" defTabSz="914400" rtl="0" eaLnBrk="1" latinLnBrk="0" hangingPunct="1">
-              <a:defRPr sz="1800" kern="1200">
-                <a:solidFill>
-                  <a:schemeClr val="tx1"/>
-                </a:solidFill>
-                <a:latin typeface="+mn-lt"/>
-                <a:ea typeface="+mn-ea"/>
-                <a:cs typeface="+mn-cs"/>
-              </a:defRPr>
-            </a:lvl8pPr>
-            <a:lvl9pPr marL="3657600" algn="l" defTabSz="914400" rtl="0" eaLnBrk="1" latinLnBrk="0" hangingPunct="1">
-              <a:defRPr sz="1800" kern="1200">
-                <a:solidFill>
-                  <a:schemeClr val="tx1"/>
-                </a:solidFill>
-                <a:latin typeface="+mn-lt"/>
-                <a:ea typeface="+mn-ea"/>
-                <a:cs typeface="+mn-cs"/>
-              </a:defRPr>
-            </a:lvl9pPr>
-          </a:lstStyle>
-          <a:p>
-            <a:r>
-              <a:rPr lang="ru-RU" sz="2400" b="1" dirty="0">
-                <a:solidFill>
-                  <a:srgbClr val="FF0000"/>
-                </a:solidFill>
-              </a:rPr>
-              <a:t>Атаки</a:t>
-            </a:r>
-          </a:p>
-        </p:txBody>
-      </p:sp>
-    </p:spTree>
-    <p:extLst>
-      <p:ext uri="{BB962C8B-B14F-4D97-AF65-F5344CB8AC3E}">
-        <p14:creationId xmlns:p14="http://schemas.microsoft.com/office/powerpoint/2010/main" val="3894689446"/>
-      </p:ext>
-    </p:extLst>
-  </p:cSld>
-  <p:clrMapOvr>
-    <a:masterClrMapping/>
-  </p:clrMapOvr>
-</p:sld>
-</file>
-
-<file path=ppt/slides/slide21.xml><?xml version="1.0" encoding="utf-8"?>
-<p:sld xmlns:a="http://schemas.openxmlformats.org/drawingml/2006/main" xmlns:r="http://schemas.openxmlformats.org/officeDocument/2006/relationships" xmlns:p="http://schemas.openxmlformats.org/presentationml/2006/main">
-  <p:cSld>
-    <p:spTree>
-      <p:nvGrpSpPr>
-        <p:cNvPr id="1" name=""/>
-        <p:cNvGrpSpPr/>
-        <p:nvPr/>
-      </p:nvGrpSpPr>
-      <p:grpSpPr>
-        <a:xfrm>
-          <a:off x="0" y="0"/>
-          <a:ext cx="0" cy="0"/>
-          <a:chOff x="0" y="0"/>
-          <a:chExt cx="0" cy="0"/>
-        </a:xfrm>
-      </p:grpSpPr>
-      <p:sp>
-        <p:nvSpPr>
-          <p:cNvPr id="3" name="Объект 2">
-            <a:extLst>
-              <a:ext uri="{FF2B5EF4-FFF2-40B4-BE49-F238E27FC236}">
-                <a16:creationId xmlns:a16="http://schemas.microsoft.com/office/drawing/2014/main" id="{5C517EF3-F0AB-4CA9-9685-F39A8C9E76B0}"/>
-              </a:ext>
-            </a:extLst>
-          </p:cNvPr>
-          <p:cNvSpPr>
-            <a:spLocks noGrp="1"/>
-          </p:cNvSpPr>
-          <p:nvPr>
-            <p:ph idx="1"/>
-          </p:nvPr>
-        </p:nvSpPr>
-        <p:spPr>
-          <a:xfrm>
-            <a:off x="671465" y="1586497"/>
-            <a:ext cx="10515600" cy="4351338"/>
-          </a:xfrm>
-        </p:spPr>
-        <p:txBody>
-          <a:bodyPr>
-            <a:normAutofit/>
-          </a:bodyPr>
-          <a:lstStyle/>
-          <a:p>
-            <a:r>
-              <a:rPr lang="ru-RU" altLang="ru-RU" dirty="0"/>
-              <a:t>Ф</a:t>
-            </a:r>
-          </a:p>
-          <a:p>
-            <a:endParaRPr lang="ru-RU" altLang="ru-RU" dirty="0"/>
-          </a:p>
-        </p:txBody>
-      </p:sp>
-      <p:pic>
-        <p:nvPicPr>
-          <p:cNvPr id="4" name="Объект 1">
-            <a:extLst>
-              <a:ext uri="{FF2B5EF4-FFF2-40B4-BE49-F238E27FC236}">
-                <a16:creationId xmlns:a16="http://schemas.microsoft.com/office/drawing/2014/main" id="{DD1703EE-3E4E-45F0-AEF9-8EB156A5A428}"/>
-              </a:ext>
-            </a:extLst>
-          </p:cNvPr>
-          <p:cNvPicPr>
-            <a:picLocks noChangeAspect="1"/>
-          </p:cNvPicPr>
-          <p:nvPr/>
-        </p:nvPicPr>
-        <p:blipFill rotWithShape="1">
-          <a:blip r:embed="rId2" cstate="print">
-            <a:extLst>
-              <a:ext uri="{28A0092B-C50C-407E-A947-70E740481C1C}">
-                <a14:useLocalDpi xmlns:a14="http://schemas.microsoft.com/office/drawing/2010/main" val="0"/>
-              </a:ext>
-            </a:extLst>
-          </a:blip>
-          <a:srcRect r="40340"/>
-          <a:stretch/>
-        </p:blipFill>
-        <p:spPr>
-          <a:xfrm>
-            <a:off x="0" y="25409"/>
-            <a:ext cx="1342931" cy="434420"/>
-          </a:xfrm>
-          <a:prstGeom prst="rect">
-            <a:avLst/>
-          </a:prstGeom>
-        </p:spPr>
-      </p:pic>
-      <p:sp>
-        <p:nvSpPr>
-          <p:cNvPr id="5" name="Номер слайда 4">
-            <a:extLst>
-              <a:ext uri="{FF2B5EF4-FFF2-40B4-BE49-F238E27FC236}">
-                <a16:creationId xmlns:a16="http://schemas.microsoft.com/office/drawing/2014/main" id="{91FB19A0-3217-472C-9218-0E4AB390B9DF}"/>
-              </a:ext>
-            </a:extLst>
-          </p:cNvPr>
-          <p:cNvSpPr>
-            <a:spLocks noGrp="1"/>
-          </p:cNvSpPr>
-          <p:nvPr>
-            <p:ph type="sldNum" sz="quarter" idx="12"/>
-          </p:nvPr>
-        </p:nvSpPr>
-        <p:spPr/>
-        <p:txBody>
-          <a:bodyPr/>
-          <a:lstStyle/>
-          <a:p>
-            <a:fld id="{4B226E06-9C1F-4149-B02B-AA912A5E2CDA}" type="slidenum">
-              <a:rPr lang="ru-RU" smtClean="0"/>
-              <a:t>21</a:t>
-            </a:fld>
-            <a:endParaRPr lang="ru-RU" dirty="0"/>
-          </a:p>
-        </p:txBody>
-      </p:sp>
-      <p:sp>
-        <p:nvSpPr>
-          <p:cNvPr id="9" name="Прямоугольник 8">
-            <a:extLst>
-              <a:ext uri="{FF2B5EF4-FFF2-40B4-BE49-F238E27FC236}">
-                <a16:creationId xmlns:a16="http://schemas.microsoft.com/office/drawing/2014/main" id="{2863F7D7-DA63-4390-9DE9-35206FDC66B3}"/>
-              </a:ext>
-            </a:extLst>
-          </p:cNvPr>
-          <p:cNvSpPr/>
-          <p:nvPr/>
-        </p:nvSpPr>
-        <p:spPr>
-          <a:xfrm flipV="1">
-            <a:off x="925620" y="920165"/>
-            <a:ext cx="10865327" cy="21600"/>
-          </a:xfrm>
-          <a:prstGeom prst="rect">
-            <a:avLst/>
-          </a:prstGeom>
-          <a:solidFill>
-            <a:srgbClr val="E20443"/>
-          </a:solidFill>
-          <a:ln>
-            <a:noFill/>
-          </a:ln>
-        </p:spPr>
-        <p:style>
-          <a:lnRef idx="2">
-            <a:schemeClr val="accent1">
-              <a:shade val="50000"/>
-            </a:schemeClr>
-          </a:lnRef>
-          <a:fillRef idx="1">
-            <a:schemeClr val="accent1"/>
-          </a:fillRef>
-          <a:effectRef idx="0">
-            <a:schemeClr val="accent1"/>
-          </a:effectRef>
-          <a:fontRef idx="minor">
-            <a:schemeClr val="lt1"/>
-          </a:fontRef>
-        </p:style>
-        <p:txBody>
-          <a:bodyPr rtlCol="0" anchor="ctr"/>
-          <a:lstStyle/>
-          <a:p>
-            <a:pPr algn="ctr"/>
-            <a:endParaRPr lang="ru-RU">
-              <a:solidFill>
-                <a:srgbClr val="E20443"/>
-              </a:solidFill>
-            </a:endParaRPr>
-          </a:p>
-        </p:txBody>
-      </p:sp>
-      <p:sp>
-        <p:nvSpPr>
-          <p:cNvPr id="10" name="TextBox 9">
-            <a:extLst>
-              <a:ext uri="{FF2B5EF4-FFF2-40B4-BE49-F238E27FC236}">
-                <a16:creationId xmlns:a16="http://schemas.microsoft.com/office/drawing/2014/main" id="{66B82180-ABF4-4200-93DC-6ADB89E3D832}"/>
-              </a:ext>
-            </a:extLst>
-          </p:cNvPr>
-          <p:cNvSpPr txBox="1"/>
-          <p:nvPr/>
-        </p:nvSpPr>
-        <p:spPr>
-          <a:xfrm>
-            <a:off x="1946032" y="257088"/>
-            <a:ext cx="8441168" cy="461665"/>
-          </a:xfrm>
-          <a:prstGeom prst="rect">
-            <a:avLst/>
-          </a:prstGeom>
-          <a:noFill/>
-        </p:spPr>
-        <p:txBody>
-          <a:bodyPr wrap="square" rtlCol="0">
-            <a:spAutoFit/>
-          </a:bodyPr>
-          <a:lstStyle>
-            <a:defPPr>
-              <a:defRPr lang="ru-RU"/>
-            </a:defPPr>
-            <a:lvl1pPr marL="0" algn="l" defTabSz="914400" rtl="0" eaLnBrk="1" latinLnBrk="0" hangingPunct="1">
-              <a:defRPr sz="1800" kern="1200">
-                <a:solidFill>
-                  <a:schemeClr val="tx1"/>
-                </a:solidFill>
-                <a:latin typeface="+mn-lt"/>
-                <a:ea typeface="+mn-ea"/>
-                <a:cs typeface="+mn-cs"/>
-              </a:defRPr>
-            </a:lvl1pPr>
-            <a:lvl2pPr marL="457200" algn="l" defTabSz="914400" rtl="0" eaLnBrk="1" latinLnBrk="0" hangingPunct="1">
-              <a:defRPr sz="1800" kern="1200">
-                <a:solidFill>
-                  <a:schemeClr val="tx1"/>
-                </a:solidFill>
-                <a:latin typeface="+mn-lt"/>
-                <a:ea typeface="+mn-ea"/>
-                <a:cs typeface="+mn-cs"/>
-              </a:defRPr>
-            </a:lvl2pPr>
-            <a:lvl3pPr marL="914400" algn="l" defTabSz="914400" rtl="0" eaLnBrk="1" latinLnBrk="0" hangingPunct="1">
-              <a:defRPr sz="1800" kern="1200">
-                <a:solidFill>
-                  <a:schemeClr val="tx1"/>
-                </a:solidFill>
-                <a:latin typeface="+mn-lt"/>
-                <a:ea typeface="+mn-ea"/>
-                <a:cs typeface="+mn-cs"/>
-              </a:defRPr>
-            </a:lvl3pPr>
-            <a:lvl4pPr marL="1371600" algn="l" defTabSz="914400" rtl="0" eaLnBrk="1" latinLnBrk="0" hangingPunct="1">
-              <a:defRPr sz="1800" kern="1200">
-                <a:solidFill>
-                  <a:schemeClr val="tx1"/>
-                </a:solidFill>
-                <a:latin typeface="+mn-lt"/>
-                <a:ea typeface="+mn-ea"/>
-                <a:cs typeface="+mn-cs"/>
-              </a:defRPr>
-            </a:lvl4pPr>
-            <a:lvl5pPr marL="1828800" algn="l" defTabSz="914400" rtl="0" eaLnBrk="1" latinLnBrk="0" hangingPunct="1">
-              <a:defRPr sz="1800" kern="1200">
-                <a:solidFill>
-                  <a:schemeClr val="tx1"/>
-                </a:solidFill>
-                <a:latin typeface="+mn-lt"/>
-                <a:ea typeface="+mn-ea"/>
-                <a:cs typeface="+mn-cs"/>
-              </a:defRPr>
-            </a:lvl5pPr>
-            <a:lvl6pPr marL="2286000" algn="l" defTabSz="914400" rtl="0" eaLnBrk="1" latinLnBrk="0" hangingPunct="1">
-              <a:defRPr sz="1800" kern="1200">
-                <a:solidFill>
-                  <a:schemeClr val="tx1"/>
-                </a:solidFill>
-                <a:latin typeface="+mn-lt"/>
-                <a:ea typeface="+mn-ea"/>
-                <a:cs typeface="+mn-cs"/>
-              </a:defRPr>
-            </a:lvl6pPr>
-            <a:lvl7pPr marL="2743200" algn="l" defTabSz="914400" rtl="0" eaLnBrk="1" latinLnBrk="0" hangingPunct="1">
-              <a:defRPr sz="1800" kern="1200">
-                <a:solidFill>
-                  <a:schemeClr val="tx1"/>
-                </a:solidFill>
-                <a:latin typeface="+mn-lt"/>
-                <a:ea typeface="+mn-ea"/>
-                <a:cs typeface="+mn-cs"/>
-              </a:defRPr>
-            </a:lvl7pPr>
-            <a:lvl8pPr marL="3200400" algn="l" defTabSz="914400" rtl="0" eaLnBrk="1" latinLnBrk="0" hangingPunct="1">
-              <a:defRPr sz="1800" kern="1200">
-                <a:solidFill>
-                  <a:schemeClr val="tx1"/>
-                </a:solidFill>
-                <a:latin typeface="+mn-lt"/>
-                <a:ea typeface="+mn-ea"/>
-                <a:cs typeface="+mn-cs"/>
-              </a:defRPr>
-            </a:lvl8pPr>
-            <a:lvl9pPr marL="3657600" algn="l" defTabSz="914400" rtl="0" eaLnBrk="1" latinLnBrk="0" hangingPunct="1">
-              <a:defRPr sz="1800" kern="1200">
-                <a:solidFill>
-                  <a:schemeClr val="tx1"/>
-                </a:solidFill>
-                <a:latin typeface="+mn-lt"/>
-                <a:ea typeface="+mn-ea"/>
-                <a:cs typeface="+mn-cs"/>
-              </a:defRPr>
-            </a:lvl9pPr>
-          </a:lstStyle>
-          <a:p>
-            <a:r>
-              <a:rPr lang="ru-RU" sz="2400" b="1" dirty="0">
-                <a:solidFill>
-                  <a:srgbClr val="FF0000"/>
-                </a:solidFill>
-              </a:rPr>
-              <a:t>Атаки</a:t>
-            </a:r>
-          </a:p>
-        </p:txBody>
-      </p:sp>
-    </p:spTree>
-    <p:extLst>
-      <p:ext uri="{BB962C8B-B14F-4D97-AF65-F5344CB8AC3E}">
-        <p14:creationId xmlns:p14="http://schemas.microsoft.com/office/powerpoint/2010/main" val="2074574885"/>
-      </p:ext>
-    </p:extLst>
-  </p:cSld>
-  <p:clrMapOvr>
-    <a:masterClrMapping/>
-  </p:clrMapOvr>
-</p:sld>
-</file>
-
-<file path=ppt/slides/slide22.xml><?xml version="1.0" encoding="utf-8"?>
-<p:sld xmlns:a="http://schemas.openxmlformats.org/drawingml/2006/main" xmlns:r="http://schemas.openxmlformats.org/officeDocument/2006/relationships" xmlns:p="http://schemas.openxmlformats.org/presentationml/2006/main">
-  <p:cSld>
-    <p:spTree>
-      <p:nvGrpSpPr>
-        <p:cNvPr id="1" name=""/>
-        <p:cNvGrpSpPr/>
-        <p:nvPr/>
-      </p:nvGrpSpPr>
-      <p:grpSpPr>
-        <a:xfrm>
-          <a:off x="0" y="0"/>
-          <a:ext cx="0" cy="0"/>
-          <a:chOff x="0" y="0"/>
-          <a:chExt cx="0" cy="0"/>
-        </a:xfrm>
-      </p:grpSpPr>
-      <p:sp>
-        <p:nvSpPr>
-          <p:cNvPr id="3" name="Прямоугольник 2"/>
-          <p:cNvSpPr/>
-          <p:nvPr/>
-        </p:nvSpPr>
-        <p:spPr>
-          <a:xfrm flipV="1">
-            <a:off x="925620" y="920165"/>
-            <a:ext cx="10865327" cy="21600"/>
-          </a:xfrm>
-          <a:prstGeom prst="rect">
-            <a:avLst/>
-          </a:prstGeom>
-          <a:solidFill>
-            <a:srgbClr val="E20443"/>
-          </a:solidFill>
-          <a:ln>
-            <a:noFill/>
-          </a:ln>
-        </p:spPr>
-        <p:style>
-          <a:lnRef idx="2">
-            <a:schemeClr val="accent1">
-              <a:shade val="50000"/>
-            </a:schemeClr>
-          </a:lnRef>
-          <a:fillRef idx="1">
-            <a:schemeClr val="accent1"/>
-          </a:fillRef>
-          <a:effectRef idx="0">
-            <a:schemeClr val="accent1"/>
-          </a:effectRef>
-          <a:fontRef idx="minor">
-            <a:schemeClr val="lt1"/>
-          </a:fontRef>
-        </p:style>
-        <p:txBody>
-          <a:bodyPr rtlCol="0" anchor="ctr"/>
-          <a:lstStyle/>
-          <a:p>
-            <a:pPr algn="ctr"/>
-            <a:endParaRPr lang="ru-RU">
-              <a:solidFill>
-                <a:srgbClr val="E20443"/>
-              </a:solidFill>
-            </a:endParaRPr>
-          </a:p>
-        </p:txBody>
-      </p:sp>
-      <p:sp>
-        <p:nvSpPr>
-          <p:cNvPr id="4" name="TextBox 9">
-            <a:extLst>
-              <a:ext uri="{FF2B5EF4-FFF2-40B4-BE49-F238E27FC236}">
-                <a16:creationId xmlns:a16="http://schemas.microsoft.com/office/drawing/2014/main" id="{6D1610F7-A0C9-4E50-9206-D9E394A55B73}"/>
-              </a:ext>
-            </a:extLst>
-          </p:cNvPr>
-          <p:cNvSpPr txBox="1"/>
-          <p:nvPr/>
-        </p:nvSpPr>
-        <p:spPr>
-          <a:xfrm>
-            <a:off x="925619" y="3044279"/>
-            <a:ext cx="10865327" cy="769441"/>
-          </a:xfrm>
-          <a:prstGeom prst="rect">
-            <a:avLst/>
-          </a:prstGeom>
-          <a:noFill/>
-        </p:spPr>
-        <p:txBody>
-          <a:bodyPr wrap="square" rtlCol="0">
-            <a:spAutoFit/>
-          </a:bodyPr>
-          <a:lstStyle>
-            <a:defPPr>
-              <a:defRPr lang="ru-RU"/>
-            </a:defPPr>
-            <a:lvl1pPr marL="0" algn="l" defTabSz="914400" rtl="0" eaLnBrk="1" latinLnBrk="0" hangingPunct="1">
-              <a:defRPr sz="1800" kern="1200">
-                <a:solidFill>
-                  <a:schemeClr val="tx1"/>
-                </a:solidFill>
-                <a:latin typeface="+mn-lt"/>
-                <a:ea typeface="+mn-ea"/>
-                <a:cs typeface="+mn-cs"/>
-              </a:defRPr>
-            </a:lvl1pPr>
-            <a:lvl2pPr marL="457200" algn="l" defTabSz="914400" rtl="0" eaLnBrk="1" latinLnBrk="0" hangingPunct="1">
-              <a:defRPr sz="1800" kern="1200">
-                <a:solidFill>
-                  <a:schemeClr val="tx1"/>
-                </a:solidFill>
-                <a:latin typeface="+mn-lt"/>
-                <a:ea typeface="+mn-ea"/>
-                <a:cs typeface="+mn-cs"/>
-              </a:defRPr>
-            </a:lvl2pPr>
-            <a:lvl3pPr marL="914400" algn="l" defTabSz="914400" rtl="0" eaLnBrk="1" latinLnBrk="0" hangingPunct="1">
-              <a:defRPr sz="1800" kern="1200">
-                <a:solidFill>
-                  <a:schemeClr val="tx1"/>
-                </a:solidFill>
-                <a:latin typeface="+mn-lt"/>
-                <a:ea typeface="+mn-ea"/>
-                <a:cs typeface="+mn-cs"/>
-              </a:defRPr>
-            </a:lvl3pPr>
-            <a:lvl4pPr marL="1371600" algn="l" defTabSz="914400" rtl="0" eaLnBrk="1" latinLnBrk="0" hangingPunct="1">
-              <a:defRPr sz="1800" kern="1200">
-                <a:solidFill>
-                  <a:schemeClr val="tx1"/>
-                </a:solidFill>
-                <a:latin typeface="+mn-lt"/>
-                <a:ea typeface="+mn-ea"/>
-                <a:cs typeface="+mn-cs"/>
-              </a:defRPr>
-            </a:lvl4pPr>
-            <a:lvl5pPr marL="1828800" algn="l" defTabSz="914400" rtl="0" eaLnBrk="1" latinLnBrk="0" hangingPunct="1">
-              <a:defRPr sz="1800" kern="1200">
-                <a:solidFill>
-                  <a:schemeClr val="tx1"/>
-                </a:solidFill>
-                <a:latin typeface="+mn-lt"/>
-                <a:ea typeface="+mn-ea"/>
-                <a:cs typeface="+mn-cs"/>
-              </a:defRPr>
-            </a:lvl5pPr>
-            <a:lvl6pPr marL="2286000" algn="l" defTabSz="914400" rtl="0" eaLnBrk="1" latinLnBrk="0" hangingPunct="1">
-              <a:defRPr sz="1800" kern="1200">
-                <a:solidFill>
-                  <a:schemeClr val="tx1"/>
-                </a:solidFill>
-                <a:latin typeface="+mn-lt"/>
-                <a:ea typeface="+mn-ea"/>
-                <a:cs typeface="+mn-cs"/>
-              </a:defRPr>
-            </a:lvl6pPr>
-            <a:lvl7pPr marL="2743200" algn="l" defTabSz="914400" rtl="0" eaLnBrk="1" latinLnBrk="0" hangingPunct="1">
-              <a:defRPr sz="1800" kern="1200">
-                <a:solidFill>
-                  <a:schemeClr val="tx1"/>
-                </a:solidFill>
-                <a:latin typeface="+mn-lt"/>
-                <a:ea typeface="+mn-ea"/>
-                <a:cs typeface="+mn-cs"/>
-              </a:defRPr>
-            </a:lvl7pPr>
-            <a:lvl8pPr marL="3200400" algn="l" defTabSz="914400" rtl="0" eaLnBrk="1" latinLnBrk="0" hangingPunct="1">
-              <a:defRPr sz="1800" kern="1200">
-                <a:solidFill>
-                  <a:schemeClr val="tx1"/>
-                </a:solidFill>
-                <a:latin typeface="+mn-lt"/>
-                <a:ea typeface="+mn-ea"/>
-                <a:cs typeface="+mn-cs"/>
-              </a:defRPr>
-            </a:lvl8pPr>
-            <a:lvl9pPr marL="3657600" algn="l" defTabSz="914400" rtl="0" eaLnBrk="1" latinLnBrk="0" hangingPunct="1">
-              <a:defRPr sz="1800" kern="1200">
-                <a:solidFill>
-                  <a:schemeClr val="tx1"/>
-                </a:solidFill>
-                <a:latin typeface="+mn-lt"/>
-                <a:ea typeface="+mn-ea"/>
-                <a:cs typeface="+mn-cs"/>
-              </a:defRPr>
-            </a:lvl9pPr>
-          </a:lstStyle>
-          <a:p>
-            <a:pPr algn="ctr"/>
-            <a:r>
-              <a:rPr lang="ru-RU" sz="4400" b="1" dirty="0">
-                <a:solidFill>
-                  <a:srgbClr val="FF0000"/>
-                </a:solidFill>
-              </a:rPr>
-              <a:t>Спасибо за внимание!</a:t>
-            </a:r>
-          </a:p>
-        </p:txBody>
-      </p:sp>
-      <p:pic>
-        <p:nvPicPr>
-          <p:cNvPr id="7" name="Объект 1">
-            <a:extLst>
-              <a:ext uri="{FF2B5EF4-FFF2-40B4-BE49-F238E27FC236}">
-                <a16:creationId xmlns:a16="http://schemas.microsoft.com/office/drawing/2014/main" id="{3D7E922A-E574-C847-BA5B-E66D8477CB39}"/>
-              </a:ext>
-            </a:extLst>
-          </p:cNvPr>
-          <p:cNvPicPr>
-            <a:picLocks noChangeAspect="1"/>
-          </p:cNvPicPr>
-          <p:nvPr/>
-        </p:nvPicPr>
-        <p:blipFill rotWithShape="1">
-          <a:blip r:embed="rId2" cstate="print">
-            <a:extLst>
-              <a:ext uri="{28A0092B-C50C-407E-A947-70E740481C1C}">
-                <a14:useLocalDpi xmlns:a14="http://schemas.microsoft.com/office/drawing/2010/main" val="0"/>
-              </a:ext>
-            </a:extLst>
-          </a:blip>
-          <a:srcRect r="40340"/>
-          <a:stretch/>
-        </p:blipFill>
-        <p:spPr>
-          <a:xfrm>
-            <a:off x="603100" y="319559"/>
-            <a:ext cx="1342931" cy="434420"/>
-          </a:xfrm>
-          <a:prstGeom prst="rect">
-            <a:avLst/>
-          </a:prstGeom>
-        </p:spPr>
-      </p:pic>
-    </p:spTree>
-    <p:extLst>
-      <p:ext uri="{BB962C8B-B14F-4D97-AF65-F5344CB8AC3E}">
-        <p14:creationId xmlns:p14="http://schemas.microsoft.com/office/powerpoint/2010/main" val="2734981816"/>
       </p:ext>
     </p:extLst>
   </p:cSld>
@@ -7680,49 +6274,37 @@
         </p:nvSpPr>
         <p:spPr>
           <a:xfrm>
-            <a:off x="838200" y="1586497"/>
-            <a:ext cx="10515600" cy="4351338"/>
-          </a:xfrm>
-        </p:spPr>
-        <p:txBody>
-          <a:bodyPr/>
+            <a:off x="762699" y="1473388"/>
+            <a:ext cx="4656589" cy="4351338"/>
+          </a:xfrm>
+        </p:spPr>
+        <p:txBody>
+          <a:bodyPr>
+            <a:normAutofit/>
+          </a:bodyPr>
           <a:lstStyle/>
           <a:p>
             <a:r>
-              <a:rPr lang="ru-RU" dirty="0"/>
-              <a:t>Примеры генеративных моделей (</a:t>
-            </a:r>
-            <a:r>
-              <a:rPr lang="ru-RU" dirty="0" err="1"/>
-              <a:t>автокодировщики</a:t>
-            </a:r>
-            <a:r>
-              <a:rPr lang="ru-RU" dirty="0"/>
-              <a:t>, </a:t>
-            </a:r>
-            <a:r>
-              <a:rPr lang="en-US" dirty="0"/>
-              <a:t>GAN</a:t>
-            </a:r>
-            <a:r>
-              <a:rPr lang="ru-RU" dirty="0"/>
-              <a:t>)</a:t>
-            </a:r>
-            <a:endParaRPr lang="en-US" dirty="0"/>
-          </a:p>
-          <a:p>
+              <a:rPr lang="ru-RU" altLang="ru-RU" dirty="0"/>
+              <a:t>Обработка данных</a:t>
+            </a:r>
+          </a:p>
+          <a:p>
+            <a:pPr lvl="1"/>
             <a:r>
               <a:rPr lang="ru-RU" altLang="ru-RU" dirty="0"/>
               <a:t>Понижение размерности</a:t>
             </a:r>
           </a:p>
           <a:p>
+            <a:pPr lvl="1"/>
             <a:r>
               <a:rPr lang="ru-RU" altLang="ru-RU" dirty="0"/>
               <a:t>Сжатие информации</a:t>
             </a:r>
           </a:p>
           <a:p>
+            <a:pPr lvl="1"/>
             <a:r>
               <a:rPr lang="ru-RU" altLang="ru-RU" dirty="0"/>
               <a:t>Очистка изображений</a:t>
@@ -7731,26 +6313,45 @@
           <a:p>
             <a:r>
               <a:rPr lang="ru-RU" altLang="ru-RU" dirty="0"/>
-              <a:t>Создание объектов</a:t>
-            </a:r>
-          </a:p>
-          <a:p>
+              <a:t>Анализ данных</a:t>
+            </a:r>
+          </a:p>
+          <a:p>
+            <a:pPr lvl="1"/>
             <a:r>
               <a:rPr lang="ru-RU" altLang="ru-RU" dirty="0"/>
               <a:t>Поиск аномалий</a:t>
             </a:r>
           </a:p>
           <a:p>
+            <a:pPr lvl="1"/>
             <a:r>
               <a:rPr lang="ru-RU" altLang="ru-RU" dirty="0"/>
               <a:t>Кластеризация</a:t>
             </a:r>
           </a:p>
           <a:p>
+            <a:pPr lvl="1"/>
             <a:r>
               <a:rPr lang="ru-RU" altLang="ru-RU" dirty="0"/>
               <a:t>Обнаружение паттернов</a:t>
             </a:r>
+          </a:p>
+          <a:p>
+            <a:r>
+              <a:rPr lang="ru-RU" altLang="ru-RU" dirty="0"/>
+              <a:t>Генерация данных</a:t>
+            </a:r>
+          </a:p>
+          <a:p>
+            <a:pPr lvl="1"/>
+            <a:r>
+              <a:rPr lang="ru-RU" altLang="ru-RU" dirty="0"/>
+              <a:t>Создание объектов</a:t>
+            </a:r>
+          </a:p>
+          <a:p>
+            <a:endParaRPr lang="ru-RU" altLang="ru-RU" dirty="0"/>
           </a:p>
         </p:txBody>
       </p:sp>
@@ -8055,85 +6656,85 @@
         </p:nvSpPr>
         <p:spPr>
           <a:xfrm>
-            <a:off x="401972" y="1482691"/>
-            <a:ext cx="6861499" cy="4351338"/>
+            <a:off x="250385" y="1413152"/>
+            <a:ext cx="8240344" cy="4351338"/>
           </a:xfrm>
         </p:spPr>
         <p:txBody>
           <a:bodyPr>
-            <a:normAutofit fontScale="92500" lnSpcReduction="10000"/>
+            <a:normAutofit/>
           </a:bodyPr>
           <a:lstStyle/>
           <a:p>
             <a:r>
-              <a:rPr lang="ru-RU" altLang="ru-RU" dirty="0"/>
+              <a:rPr lang="ru-RU" altLang="ru-RU" sz="2400" dirty="0"/>
               <a:t>Популярные методы:</a:t>
             </a:r>
           </a:p>
           <a:p>
             <a:pPr lvl="1"/>
             <a:r>
-              <a:rPr lang="ru-RU" altLang="ru-RU" dirty="0"/>
+              <a:rPr lang="ru-RU" altLang="ru-RU" sz="2000" dirty="0"/>
               <a:t>Анализ главных компонент (</a:t>
             </a:r>
             <a:r>
-              <a:rPr lang="en-US" altLang="ru-RU" dirty="0"/>
+              <a:rPr lang="en-US" altLang="ru-RU" sz="2000" dirty="0"/>
               <a:t>Principal Component </a:t>
             </a:r>
             <a:r>
-              <a:rPr lang="en-US" altLang="ru-RU" dirty="0" err="1"/>
+              <a:rPr lang="en-US" altLang="ru-RU" sz="2000" dirty="0" err="1"/>
               <a:t>Analize</a:t>
             </a:r>
             <a:r>
-              <a:rPr lang="ru-RU" altLang="ru-RU" dirty="0"/>
+              <a:rPr lang="ru-RU" altLang="ru-RU" sz="2000" dirty="0"/>
               <a:t>, </a:t>
             </a:r>
             <a:r>
-              <a:rPr lang="en-US" altLang="ru-RU" dirty="0"/>
+              <a:rPr lang="en-US" altLang="ru-RU" sz="2000" dirty="0"/>
               <a:t>PCA</a:t>
             </a:r>
             <a:r>
-              <a:rPr lang="ru-RU" altLang="ru-RU" dirty="0"/>
+              <a:rPr lang="ru-RU" altLang="ru-RU" sz="2000" dirty="0"/>
               <a:t>)</a:t>
             </a:r>
           </a:p>
           <a:p>
             <a:pPr lvl="1"/>
             <a:r>
-              <a:rPr lang="en-US" altLang="ru-RU" dirty="0"/>
+              <a:rPr lang="en-US" altLang="ru-RU" sz="2000" dirty="0"/>
               <a:t>TSNE</a:t>
             </a:r>
-            <a:endParaRPr lang="ru-RU" altLang="ru-RU" dirty="0"/>
-          </a:p>
-          <a:p>
-            <a:r>
-              <a:rPr lang="ru-RU" altLang="ru-RU" dirty="0"/>
+            <a:endParaRPr lang="ru-RU" altLang="ru-RU" sz="2000" dirty="0"/>
+          </a:p>
+          <a:p>
+            <a:r>
+              <a:rPr lang="ru-RU" altLang="ru-RU" sz="2400" dirty="0"/>
               <a:t>Используется для сжатия информации</a:t>
             </a:r>
           </a:p>
           <a:p>
             <a:r>
-              <a:rPr lang="ru-RU" altLang="ru-RU" dirty="0"/>
+              <a:rPr lang="ru-RU" altLang="ru-RU" sz="2400" dirty="0"/>
               <a:t>Визуализация (например для кластеризации)</a:t>
             </a:r>
           </a:p>
           <a:p>
             <a:r>
-              <a:rPr lang="ru-RU" altLang="ru-RU" dirty="0"/>
+              <a:rPr lang="ru-RU" altLang="ru-RU" sz="2400" dirty="0"/>
               <a:t>Обнаружение паттернов</a:t>
             </a:r>
           </a:p>
           <a:p>
             <a:r>
-              <a:rPr lang="ru-RU" altLang="ru-RU" dirty="0"/>
+              <a:rPr lang="ru-RU" altLang="ru-RU" sz="2400" dirty="0"/>
               <a:t>В результате получаем скрытый (латентный) вектор для каждого экземпляра в </a:t>
             </a:r>
             <a:r>
-              <a:rPr lang="ru-RU" altLang="ru-RU" dirty="0" err="1"/>
+              <a:rPr lang="ru-RU" altLang="ru-RU" sz="2400" dirty="0" err="1"/>
               <a:t>датасете</a:t>
             </a:r>
             <a:r>
-              <a:rPr lang="ru-RU" altLang="ru-RU" dirty="0"/>
+              <a:rPr lang="ru-RU" altLang="ru-RU" sz="2400" dirty="0"/>
               <a:t>, который содержит в себе сжатую информацию об этом экземпляре</a:t>
             </a:r>
           </a:p>
@@ -8421,8 +7022,8 @@
         </p:blipFill>
         <p:spPr bwMode="auto">
           <a:xfrm>
-            <a:off x="8128932" y="850139"/>
-            <a:ext cx="3394730" cy="2492763"/>
+            <a:off x="8434233" y="1000402"/>
+            <a:ext cx="3097817" cy="2274739"/>
           </a:xfrm>
           <a:prstGeom prst="rect">
             <a:avLst/>
@@ -8481,8 +7082,8 @@
         </p:blipFill>
         <p:spPr bwMode="auto">
           <a:xfrm>
-            <a:off x="7899872" y="3582859"/>
-            <a:ext cx="3321311" cy="2683797"/>
+            <a:off x="8642316" y="3498970"/>
+            <a:ext cx="2889734" cy="2335060"/>
           </a:xfrm>
           <a:prstGeom prst="rect">
             <a:avLst/>
@@ -8584,7 +7185,7 @@
           <a:lstStyle/>
           <a:p>
             <a:pPr algn="ctr"/>
-            <a:endParaRPr lang="ru-RU">
+            <a:endParaRPr lang="ru-RU" sz="2000">
               <a:solidFill>
                 <a:srgbClr val="E20443"/>
               </a:solidFill>
@@ -8607,7 +7208,7 @@
         <p:spPr>
           <a:xfrm>
             <a:off x="1946032" y="257088"/>
-            <a:ext cx="8441168" cy="461665"/>
+            <a:ext cx="8441168" cy="523220"/>
           </a:xfrm>
           <a:prstGeom prst="rect">
             <a:avLst/>
@@ -8715,14 +7316,14 @@
           </a:lstStyle>
           <a:p>
             <a:r>
-              <a:rPr lang="ru-RU" sz="2400" b="1" dirty="0" err="1">
+              <a:rPr lang="ru-RU" sz="2800" b="1" dirty="0" err="1">
                 <a:solidFill>
                   <a:srgbClr val="FF0000"/>
                 </a:solidFill>
               </a:rPr>
               <a:t>Автокодировщики</a:t>
             </a:r>
-            <a:endParaRPr lang="ru-RU" sz="2400" b="1" dirty="0">
+            <a:endParaRPr lang="ru-RU" sz="2800" b="1" dirty="0">
               <a:solidFill>
                 <a:srgbClr val="FF0000"/>
               </a:solidFill>
@@ -8752,10 +7353,10 @@
           <a:lstStyle/>
           <a:p>
             <a:fld id="{FF9AC15E-FCD1-4167-800F-1DB8497ABFCE}" type="slidenum">
-              <a:rPr lang="ru-RU" smtClean="0"/>
+              <a:rPr lang="ru-RU" sz="1400" smtClean="0"/>
               <a:t>5</a:t>
             </a:fld>
-            <a:endParaRPr lang="ru-RU"/>
+            <a:endParaRPr lang="ru-RU" sz="1400"/>
           </a:p>
         </p:txBody>
       </p:sp>
@@ -8774,7 +7375,7 @@
         <p:spPr>
           <a:xfrm>
             <a:off x="464161" y="1071100"/>
-            <a:ext cx="4938349" cy="1323439"/>
+            <a:ext cx="6112808" cy="4770537"/>
           </a:xfrm>
           <a:prstGeom prst="rect">
             <a:avLst/>
@@ -8786,39 +7387,80 @@
           </a:bodyPr>
           <a:lstStyle/>
           <a:p>
-            <a:pPr algn="just"/>
-            <a:r>
-              <a:rPr lang="ru-RU" sz="2000" dirty="0" err="1">
-                <a:ea typeface="Tahoma" panose="020B0604030504040204" pitchFamily="34" charset="0"/>
-                <a:cs typeface="Tahoma" panose="020B0604030504040204" pitchFamily="34" charset="0"/>
-              </a:rPr>
+            <a:pPr marL="342900" indent="-342900" algn="just">
+              <a:buFont typeface="Arial" panose="020B0604020202020204" pitchFamily="34" charset="0"/>
+              <a:buChar char="•"/>
+            </a:pPr>
+            <a:r>
+              <a:rPr lang="ru-RU" sz="2000" dirty="0" err="1"/>
               <a:t>Автокодировщик</a:t>
             </a:r>
             <a:r>
-              <a:rPr lang="ru-RU" sz="2000" dirty="0">
-                <a:ea typeface="Tahoma" panose="020B0604030504040204" pitchFamily="34" charset="0"/>
-                <a:cs typeface="Tahoma" panose="020B0604030504040204" pitchFamily="34" charset="0"/>
-              </a:rPr>
-              <a:t> это</a:t>
-            </a:r>
-          </a:p>
-          <a:p>
-            <a:pPr algn="just"/>
-            <a:endParaRPr lang="ru-RU" sz="2000" dirty="0">
+              <a:rPr lang="ru-RU" sz="2000" dirty="0"/>
+              <a:t> это нейронная сеть, имеющая специальную архитектуру, состоит из двух частей: кодировщик и </a:t>
+            </a:r>
+            <a:r>
+              <a:rPr lang="ru-RU" sz="2000" dirty="0" err="1"/>
+              <a:t>декодировщик</a:t>
+            </a:r>
+            <a:r>
+              <a:rPr lang="ru-RU" sz="2000" dirty="0"/>
+              <a:t>.</a:t>
+            </a:r>
+          </a:p>
+          <a:p>
+            <a:pPr marL="342900" indent="-342900" algn="just">
+              <a:buFont typeface="Arial" panose="020B0604020202020204" pitchFamily="34" charset="0"/>
+              <a:buChar char="•"/>
+            </a:pPr>
+            <a:endParaRPr lang="ru-RU" sz="2000" dirty="0"/>
+          </a:p>
+          <a:p>
+            <a:pPr marL="285750" indent="-285750" algn="just">
+              <a:buFont typeface="Arial" panose="020B0604020202020204" pitchFamily="34" charset="0"/>
+              <a:buChar char="•"/>
+            </a:pPr>
+            <a:r>
+              <a:rPr lang="ru-RU" sz="2000" dirty="0"/>
+              <a:t>Сначала модель обучают кодировать и декодировать сигналы из имеющейся выборки, при этом закодированный сигнал имеет гораздо меньшую размерность, чем исходный, поэтому модели приходится учиться «сжимать» информацию. </a:t>
+            </a:r>
+          </a:p>
+          <a:p>
+            <a:pPr marL="285750" indent="-285750" algn="just">
+              <a:buFont typeface="Arial" panose="020B0604020202020204" pitchFamily="34" charset="0"/>
+              <a:buChar char="•"/>
+            </a:pPr>
+            <a:endParaRPr lang="ru-RU" sz="2000" dirty="0"/>
+          </a:p>
+          <a:p>
+            <a:pPr marL="285750" indent="-285750" algn="just">
+              <a:buFont typeface="Arial" panose="020B0604020202020204" pitchFamily="34" charset="0"/>
+              <a:buChar char="•"/>
+            </a:pPr>
+            <a:r>
+              <a:rPr lang="ru-RU" sz="2000" dirty="0" err="1"/>
+              <a:t>Автокодировщик</a:t>
+            </a:r>
+            <a:r>
+              <a:rPr lang="ru-RU" sz="2000" dirty="0"/>
+              <a:t>, внутренний слой которого больше, чем входной, используется для удаления шумов из сигнала (</a:t>
+            </a:r>
+            <a:r>
+              <a:rPr lang="en-US" sz="2000" dirty="0"/>
+              <a:t>denoising autoencoder</a:t>
+            </a:r>
+            <a:r>
+              <a:rPr lang="ru-RU" sz="2000" dirty="0"/>
+              <a:t>)</a:t>
+            </a:r>
+            <a:endParaRPr lang="ru-RU" sz="2400" dirty="0">
               <a:ea typeface="Tahoma" panose="020B0604030504040204" pitchFamily="34" charset="0"/>
               <a:cs typeface="Tahoma" panose="020B0604030504040204" pitchFamily="34" charset="0"/>
             </a:endParaRPr>
           </a:p>
           <a:p>
             <a:pPr algn="just"/>
-            <a:endParaRPr lang="ru-RU" sz="2000" dirty="0">
-              <a:ea typeface="Tahoma" panose="020B0604030504040204" pitchFamily="34" charset="0"/>
-              <a:cs typeface="Tahoma" panose="020B0604030504040204" pitchFamily="34" charset="0"/>
-            </a:endParaRPr>
-          </a:p>
-          <a:p>
-            <a:pPr algn="just"/>
-            <a:endParaRPr lang="ru-RU" sz="2000" dirty="0">
+            <a:endParaRPr lang="ru-RU" sz="2400" dirty="0">
               <a:ea typeface="Tahoma" panose="020B0604030504040204" pitchFamily="34" charset="0"/>
               <a:cs typeface="Tahoma" panose="020B0604030504040204" pitchFamily="34" charset="0"/>
             </a:endParaRPr>
@@ -8887,8 +7529,8 @@
         </p:blipFill>
         <p:spPr bwMode="auto">
           <a:xfrm>
-            <a:off x="8472301" y="1239487"/>
-            <a:ext cx="3019799" cy="2308824"/>
+            <a:off x="8434431" y="1146273"/>
+            <a:ext cx="2636181" cy="1964622"/>
           </a:xfrm>
           <a:prstGeom prst="rect">
             <a:avLst/>
@@ -8926,8 +7568,8 @@
         </p:blipFill>
         <p:spPr bwMode="auto">
           <a:xfrm>
-            <a:off x="8547802" y="3939717"/>
-            <a:ext cx="2881500" cy="2330424"/>
+            <a:off x="8610599" y="3315403"/>
+            <a:ext cx="2357307" cy="1964622"/>
           </a:xfrm>
           <a:prstGeom prst="rect">
             <a:avLst/>
@@ -8957,6 +7599,41 @@
           </a:extLst>
         </p:spPr>
       </p:pic>
+      <p:sp>
+        <p:nvSpPr>
+          <p:cNvPr id="2" name="Прямоугольник 1">
+            <a:extLst>
+              <a:ext uri="{FF2B5EF4-FFF2-40B4-BE49-F238E27FC236}">
+                <a16:creationId xmlns:a16="http://schemas.microsoft.com/office/drawing/2014/main" id="{A35AF3AA-DFF1-4E45-BB14-23D3E3429D8F}"/>
+              </a:ext>
+            </a:extLst>
+          </p:cNvPr>
+          <p:cNvSpPr/>
+          <p:nvPr/>
+        </p:nvSpPr>
+        <p:spPr>
+          <a:xfrm>
+            <a:off x="7633982" y="6064220"/>
+            <a:ext cx="4024618" cy="584775"/>
+          </a:xfrm>
+          <a:prstGeom prst="rect">
+            <a:avLst/>
+          </a:prstGeom>
+        </p:spPr>
+        <p:txBody>
+          <a:bodyPr wrap="square">
+            <a:spAutoFit/>
+          </a:bodyPr>
+          <a:lstStyle/>
+          <a:p>
+            <a:pPr algn="ctr"/>
+            <a:r>
+              <a:rPr lang="ru-RU" sz="1600" dirty="0"/>
+              <a:t>Вот пример такого сжатия для картинок 32 на 32 пикселя в матрицу из 32 чисел.</a:t>
+            </a:r>
+          </a:p>
+        </p:txBody>
+      </p:sp>
     </p:spTree>
     <p:extLst>
       <p:ext uri="{BB962C8B-B14F-4D97-AF65-F5344CB8AC3E}">
@@ -9005,76 +7682,82 @@
         </p:nvSpPr>
         <p:spPr>
           <a:xfrm>
-            <a:off x="419795" y="1473388"/>
-            <a:ext cx="5309885" cy="4351338"/>
+            <a:off x="481040" y="1266562"/>
+            <a:ext cx="8998520" cy="2576653"/>
           </a:xfrm>
         </p:spPr>
         <p:txBody>
           <a:bodyPr>
-            <a:normAutofit fontScale="85000" lnSpcReduction="20000"/>
+            <a:normAutofit/>
           </a:bodyPr>
           <a:lstStyle/>
           <a:p>
             <a:r>
-              <a:rPr lang="ru-RU" altLang="ru-RU" dirty="0"/>
-              <a:t>Предназначена для генерации правдоподобных «синтезированных» объектов (текстов, изображений, видео, </a:t>
-            </a:r>
-            <a:r>
-              <a:rPr lang="ru-RU" altLang="ru-RU" dirty="0" err="1"/>
-              <a:t>датасетов</a:t>
-            </a:r>
-            <a:r>
-              <a:rPr lang="ru-RU" altLang="ru-RU" dirty="0"/>
-              <a:t>)</a:t>
-            </a:r>
-            <a:endParaRPr lang="en-US" altLang="ru-RU" dirty="0"/>
-          </a:p>
-          <a:p>
-            <a:r>
-              <a:rPr lang="ru-RU" altLang="ru-RU" dirty="0"/>
-              <a:t>Состоит из двух нейронных сетей – «генератор» (создает объекты) и дискриминатор (оценивает качество созданных объектов)</a:t>
-            </a:r>
-          </a:p>
-          <a:p>
-            <a:r>
-              <a:rPr lang="ru-RU" altLang="ru-RU" dirty="0"/>
-              <a:t>Является одной из самых крутых идей в </a:t>
-            </a:r>
-            <a:r>
-              <a:rPr lang="en-US" altLang="ru-RU" dirty="0"/>
-              <a:t>ML </a:t>
-            </a:r>
-            <a:r>
-              <a:rPr lang="ru-RU" altLang="ru-RU" dirty="0"/>
-              <a:t>за последние 10 лет</a:t>
-            </a:r>
-          </a:p>
-          <a:p>
-            <a:r>
-              <a:rPr lang="ru-RU" altLang="ru-RU" dirty="0"/>
-              <a:t>Предложена Яном </a:t>
-            </a:r>
-            <a:r>
-              <a:rPr lang="ru-RU" altLang="ru-RU" dirty="0" err="1"/>
-              <a:t>Гудфилоу</a:t>
-            </a:r>
-            <a:r>
-              <a:rPr lang="ru-RU" altLang="ru-RU" dirty="0"/>
-              <a:t>,</a:t>
-            </a:r>
-            <a:r>
-              <a:rPr lang="ru-RU" altLang="ru-RU" i="1" dirty="0"/>
-              <a:t> </a:t>
-            </a:r>
-            <a:r>
-              <a:rPr lang="en-US" altLang="ru-RU" i="1" dirty="0"/>
-              <a:t>NIPS 2016 Tutorial: Generative Adversarial Networks</a:t>
-            </a:r>
-            <a:r>
-              <a:rPr lang="en-US" altLang="ru-RU" dirty="0"/>
-              <a:t>, by I. Goodfellow, 2016</a:t>
-            </a:r>
-            <a:endParaRPr lang="ru-RU" altLang="ru-RU" dirty="0"/>
+              <a:rPr lang="ru-RU" altLang="ru-RU" sz="2000" dirty="0"/>
+              <a:t>наблюдаемый (известный) и скрытый (неизвестный) слои</a:t>
+            </a:r>
+          </a:p>
+          <a:p>
+            <a:r>
+              <a:rPr lang="en-US" altLang="ru-RU" sz="2000" dirty="0"/>
+              <a:t>a </a:t>
+            </a:r>
+            <a:r>
+              <a:rPr lang="ru-RU" altLang="ru-RU" sz="2000" dirty="0"/>
+              <a:t>и </a:t>
+            </a:r>
+            <a:r>
+              <a:rPr lang="en-US" altLang="ru-RU" sz="2000" dirty="0"/>
+              <a:t>b – </a:t>
+            </a:r>
+            <a:r>
+              <a:rPr lang="ru-RU" altLang="ru-RU" sz="2000" dirty="0"/>
+              <a:t>вероятности</a:t>
+            </a:r>
+          </a:p>
+          <a:p>
+            <a:r>
+              <a:rPr lang="ru-RU" altLang="ru-RU" sz="2000" dirty="0"/>
+              <a:t>Алгоритм </a:t>
+            </a:r>
+            <a:r>
+              <a:rPr lang="ru-RU" altLang="ru-RU" sz="2000" dirty="0" err="1"/>
+              <a:t>Витерби</a:t>
+            </a:r>
+            <a:r>
+              <a:rPr lang="ru-RU" altLang="ru-RU" sz="2000" dirty="0"/>
+              <a:t> позволяет установить наиболее вероятную цепочку</a:t>
+            </a:r>
+          </a:p>
+          <a:p>
+            <a:r>
+              <a:rPr lang="ru-RU" altLang="ru-RU" sz="2000" dirty="0"/>
+              <a:t>Обратный алгоритм позволяет уточнить значения матриц </a:t>
+            </a:r>
+            <a:r>
+              <a:rPr lang="en-US" altLang="ru-RU" sz="2000" dirty="0"/>
+              <a:t>A (</a:t>
+            </a:r>
+            <a:r>
+              <a:rPr lang="ru-RU" altLang="ru-RU" sz="2000" dirty="0"/>
+              <a:t>вероятности перехода состояний в скрытом слое</a:t>
+            </a:r>
+            <a:r>
+              <a:rPr lang="en-US" altLang="ru-RU" sz="2000" dirty="0"/>
+              <a:t>) </a:t>
+            </a:r>
+            <a:r>
+              <a:rPr lang="ru-RU" altLang="ru-RU" sz="2000" dirty="0"/>
+              <a:t>и </a:t>
+            </a:r>
+            <a:r>
+              <a:rPr lang="en-US" altLang="ru-RU" sz="2000" dirty="0"/>
+              <a:t>B</a:t>
+            </a:r>
+            <a:r>
+              <a:rPr lang="ru-RU" altLang="ru-RU" sz="2000" dirty="0"/>
+              <a:t> (вероятности того, что мы будем наблюдать на внешнем слое)</a:t>
+            </a:r>
           </a:p>
         </p:txBody>
       </p:sp>
@@ -9326,31 +8009,45 @@
                   <a:srgbClr val="FF0000"/>
                 </a:solidFill>
               </a:rPr>
-              <a:t>Генеративные состязательные сети (</a:t>
-            </a:r>
-            <a:r>
-              <a:rPr lang="en-US" sz="2400" b="1" dirty="0">
-                <a:solidFill>
-                  <a:srgbClr val="FF0000"/>
-                </a:solidFill>
-              </a:rPr>
-              <a:t>GAN</a:t>
-            </a:r>
-            <a:r>
-              <a:rPr lang="ru-RU" sz="2400" b="1" dirty="0">
-                <a:solidFill>
-                  <a:srgbClr val="FF0000"/>
-                </a:solidFill>
-              </a:rPr>
-              <a:t>)</a:t>
-            </a:r>
-          </a:p>
-        </p:txBody>
-      </p:sp>
+              <a:t>Скрытая марковская модель</a:t>
+            </a:r>
+          </a:p>
+        </p:txBody>
+      </p:sp>
+      <p:pic>
+        <p:nvPicPr>
+          <p:cNvPr id="2" name="Рисунок 1">
+            <a:extLst>
+              <a:ext uri="{FF2B5EF4-FFF2-40B4-BE49-F238E27FC236}">
+                <a16:creationId xmlns:a16="http://schemas.microsoft.com/office/drawing/2014/main" id="{AA934501-9855-440E-BB5C-F35F0E54DA90}"/>
+              </a:ext>
+            </a:extLst>
+          </p:cNvPr>
+          <p:cNvPicPr>
+            <a:picLocks noChangeAspect="1"/>
+          </p:cNvPicPr>
+          <p:nvPr/>
+        </p:nvPicPr>
+        <p:blipFill>
+          <a:blip r:embed="rId3"/>
+          <a:stretch>
+            <a:fillRect/>
+          </a:stretch>
+        </p:blipFill>
+        <p:spPr>
+          <a:xfrm>
+            <a:off x="4681057" y="3523882"/>
+            <a:ext cx="6912309" cy="2413953"/>
+          </a:xfrm>
+          <a:prstGeom prst="rect">
+            <a:avLst/>
+          </a:prstGeom>
+        </p:spPr>
+      </p:pic>
     </p:spTree>
     <p:extLst>
       <p:ext uri="{BB962C8B-B14F-4D97-AF65-F5344CB8AC3E}">
-        <p14:creationId xmlns:p14="http://schemas.microsoft.com/office/powerpoint/2010/main" val="3971432351"/>
+        <p14:creationId xmlns:p14="http://schemas.microsoft.com/office/powerpoint/2010/main" val="2447764114"/>
       </p:ext>
     </p:extLst>
   </p:cSld>
@@ -9441,8 +8138,8 @@
         </p:nvSpPr>
         <p:spPr>
           <a:xfrm>
-            <a:off x="2031757" y="292314"/>
-            <a:ext cx="8441168" cy="461665"/>
+            <a:off x="2347530" y="305936"/>
+            <a:ext cx="8021505" cy="461665"/>
           </a:xfrm>
           <a:prstGeom prst="rect">
             <a:avLst/>
@@ -9555,21 +8252,8 @@
                   <a:srgbClr val="FF0000"/>
                 </a:solidFill>
               </a:rPr>
-              <a:t>Архитектура и процесс обучения </a:t>
-            </a:r>
-            <a:r>
-              <a:rPr lang="en-US" sz="2400" b="1" dirty="0">
-                <a:solidFill>
-                  <a:srgbClr val="FF0000"/>
-                </a:solidFill>
-              </a:rPr>
-              <a:t>GAN</a:t>
-            </a:r>
-            <a:endParaRPr lang="ru-RU" sz="2400" b="1" dirty="0">
-              <a:solidFill>
-                <a:srgbClr val="FF0000"/>
-              </a:solidFill>
-            </a:endParaRPr>
+              <a:t>Машина Больцмана</a:t>
+            </a:r>
           </a:p>
         </p:txBody>
       </p:sp>
@@ -9599,6 +8283,190 @@
               <a:t>7</a:t>
             </a:fld>
             <a:endParaRPr lang="ru-RU"/>
+          </a:p>
+        </p:txBody>
+      </p:sp>
+      <p:sp>
+        <p:nvSpPr>
+          <p:cNvPr id="9" name="Прямоугольник 8">
+            <a:extLst>
+              <a:ext uri="{FF2B5EF4-FFF2-40B4-BE49-F238E27FC236}">
+                <a16:creationId xmlns:a16="http://schemas.microsoft.com/office/drawing/2014/main" id="{DEE9E6AD-E932-4E4C-BBED-A1105C7347FF}"/>
+              </a:ext>
+            </a:extLst>
+          </p:cNvPr>
+          <p:cNvSpPr/>
+          <p:nvPr/>
+        </p:nvSpPr>
+        <p:spPr>
+          <a:xfrm>
+            <a:off x="485654" y="1631911"/>
+            <a:ext cx="6871491" cy="4401205"/>
+          </a:xfrm>
+          <a:prstGeom prst="rect">
+            <a:avLst/>
+          </a:prstGeom>
+        </p:spPr>
+        <p:txBody>
+          <a:bodyPr wrap="square">
+            <a:spAutoFit/>
+          </a:bodyPr>
+          <a:lstStyle/>
+          <a:p>
+            <a:pPr marL="342900" indent="-342900" algn="just">
+              <a:buFont typeface="Arial" panose="020B0604020202020204" pitchFamily="34" charset="0"/>
+              <a:buChar char="•"/>
+            </a:pPr>
+            <a:r>
+              <a:rPr lang="ru-RU" sz="2800" dirty="0">
+                <a:ea typeface="Tahoma" panose="020B0604030504040204" pitchFamily="34" charset="0"/>
+                <a:cs typeface="Tahoma" panose="020B0604030504040204" pitchFamily="34" charset="0"/>
+              </a:rPr>
+              <a:t>Джеффри </a:t>
+            </a:r>
+            <a:r>
+              <a:rPr lang="ru-RU" sz="2800" dirty="0" err="1">
+                <a:ea typeface="Tahoma" panose="020B0604030504040204" pitchFamily="34" charset="0"/>
+                <a:cs typeface="Tahoma" panose="020B0604030504040204" pitchFamily="34" charset="0"/>
+              </a:rPr>
+              <a:t>Хинтон</a:t>
+            </a:r>
+            <a:r>
+              <a:rPr lang="ru-RU" sz="2800" dirty="0">
+                <a:ea typeface="Tahoma" panose="020B0604030504040204" pitchFamily="34" charset="0"/>
+                <a:cs typeface="Tahoma" panose="020B0604030504040204" pitchFamily="34" charset="0"/>
+              </a:rPr>
+              <a:t>, Терри </a:t>
+            </a:r>
+            <a:r>
+              <a:rPr lang="ru-RU" sz="2800" dirty="0" err="1">
+                <a:ea typeface="Tahoma" panose="020B0604030504040204" pitchFamily="34" charset="0"/>
+                <a:cs typeface="Tahoma" panose="020B0604030504040204" pitchFamily="34" charset="0"/>
+              </a:rPr>
+              <a:t>Сейновски</a:t>
+            </a:r>
+            <a:r>
+              <a:rPr lang="ru-RU" sz="2800" dirty="0">
+                <a:ea typeface="Tahoma" panose="020B0604030504040204" pitchFamily="34" charset="0"/>
+                <a:cs typeface="Tahoma" panose="020B0604030504040204" pitchFamily="34" charset="0"/>
+              </a:rPr>
+              <a:t>, 1985 год</a:t>
+            </a:r>
+          </a:p>
+          <a:p>
+            <a:pPr marL="342900" indent="-342900" algn="just">
+              <a:buFont typeface="Arial" panose="020B0604020202020204" pitchFamily="34" charset="0"/>
+              <a:buChar char="•"/>
+            </a:pPr>
+            <a:r>
+              <a:rPr lang="en-US" sz="2800" dirty="0">
+                <a:ea typeface="Tahoma" panose="020B0604030504040204" pitchFamily="34" charset="0"/>
+                <a:cs typeface="Tahoma" panose="020B0604030504040204" pitchFamily="34" charset="0"/>
+              </a:rPr>
+              <a:t>C</a:t>
+            </a:r>
+            <a:r>
+              <a:rPr lang="ru-RU" sz="2800" dirty="0" err="1">
+                <a:ea typeface="Tahoma" panose="020B0604030504040204" pitchFamily="34" charset="0"/>
+                <a:cs typeface="Tahoma" panose="020B0604030504040204" pitchFamily="34" charset="0"/>
+              </a:rPr>
+              <a:t>тохастическая</a:t>
+            </a:r>
+            <a:r>
+              <a:rPr lang="ru-RU" sz="2800" dirty="0">
+                <a:ea typeface="Tahoma" panose="020B0604030504040204" pitchFamily="34" charset="0"/>
+                <a:cs typeface="Tahoma" panose="020B0604030504040204" pitchFamily="34" charset="0"/>
+              </a:rPr>
+              <a:t> рекуррентная сеть</a:t>
+            </a:r>
+          </a:p>
+          <a:p>
+            <a:pPr marL="342900" indent="-342900" algn="just">
+              <a:buFont typeface="Arial" panose="020B0604020202020204" pitchFamily="34" charset="0"/>
+              <a:buChar char="•"/>
+            </a:pPr>
+            <a:r>
+              <a:rPr lang="ru-RU" sz="2800" dirty="0">
+                <a:ea typeface="Tahoma" panose="020B0604030504040204" pitchFamily="34" charset="0"/>
+                <a:cs typeface="Tahoma" panose="020B0604030504040204" pitchFamily="34" charset="0"/>
+              </a:rPr>
+              <a:t>Для обучения алгоритм имитации отжига</a:t>
+            </a:r>
+          </a:p>
+          <a:p>
+            <a:pPr marL="342900" indent="-342900" algn="just">
+              <a:buFont typeface="Arial" panose="020B0604020202020204" pitchFamily="34" charset="0"/>
+              <a:buChar char="•"/>
+            </a:pPr>
+            <a:r>
+              <a:rPr lang="ru-RU" sz="2800" dirty="0">
+                <a:ea typeface="Tahoma" panose="020B0604030504040204" pitchFamily="34" charset="0"/>
+                <a:cs typeface="Tahoma" panose="020B0604030504040204" pitchFamily="34" charset="0"/>
+              </a:rPr>
+              <a:t>Машина Больцмана с ограничениями (</a:t>
+            </a:r>
+            <a:r>
+              <a:rPr lang="en-US" sz="2800" dirty="0">
+                <a:ea typeface="Tahoma" panose="020B0604030504040204" pitchFamily="34" charset="0"/>
+                <a:cs typeface="Tahoma" panose="020B0604030504040204" pitchFamily="34" charset="0"/>
+              </a:rPr>
+              <a:t>Restricted </a:t>
+            </a:r>
+            <a:r>
+              <a:rPr lang="en-US" sz="2800" dirty="0" err="1">
+                <a:ea typeface="Tahoma" panose="020B0604030504040204" pitchFamily="34" charset="0"/>
+                <a:cs typeface="Tahoma" panose="020B0604030504040204" pitchFamily="34" charset="0"/>
+              </a:rPr>
+              <a:t>Boltzman</a:t>
+            </a:r>
+            <a:r>
+              <a:rPr lang="en-US" sz="2800" dirty="0">
+                <a:ea typeface="Tahoma" panose="020B0604030504040204" pitchFamily="34" charset="0"/>
+                <a:cs typeface="Tahoma" panose="020B0604030504040204" pitchFamily="34" charset="0"/>
+              </a:rPr>
+              <a:t> Machine, RBM</a:t>
+            </a:r>
+            <a:r>
+              <a:rPr lang="ru-RU" sz="2800" dirty="0">
+                <a:ea typeface="Tahoma" panose="020B0604030504040204" pitchFamily="34" charset="0"/>
+                <a:cs typeface="Tahoma" panose="020B0604030504040204" pitchFamily="34" charset="0"/>
+              </a:rPr>
+              <a:t>)</a:t>
+            </a:r>
+            <a:r>
+              <a:rPr lang="en-US" sz="2800" dirty="0">
+                <a:ea typeface="Tahoma" panose="020B0604030504040204" pitchFamily="34" charset="0"/>
+                <a:cs typeface="Tahoma" panose="020B0604030504040204" pitchFamily="34" charset="0"/>
+              </a:rPr>
+              <a:t>, </a:t>
+            </a:r>
+            <a:r>
+              <a:rPr lang="ru-RU" sz="2800" dirty="0">
+                <a:ea typeface="Tahoma" panose="020B0604030504040204" pitchFamily="34" charset="0"/>
+                <a:cs typeface="Tahoma" panose="020B0604030504040204" pitchFamily="34" charset="0"/>
+              </a:rPr>
+              <a:t>используется в сетях глубокого доверия</a:t>
+            </a:r>
+          </a:p>
+          <a:p>
+            <a:pPr marL="342900" indent="-342900" algn="just">
+              <a:buFont typeface="Arial" panose="020B0604020202020204" pitchFamily="34" charset="0"/>
+              <a:buChar char="•"/>
+            </a:pPr>
+            <a:r>
+              <a:rPr lang="ru-RU" sz="2800" dirty="0">
+                <a:ea typeface="Tahoma" panose="020B0604030504040204" pitchFamily="34" charset="0"/>
+                <a:cs typeface="Tahoma" panose="020B0604030504040204" pitchFamily="34" charset="0"/>
+              </a:rPr>
+              <a:t>«Интуитивное основание»: скрытая марковская модель</a:t>
+            </a:r>
+          </a:p>
+          <a:p>
+            <a:pPr algn="just"/>
+            <a:endParaRPr lang="ru-RU" sz="2800" dirty="0">
+              <a:ea typeface="Tahoma" panose="020B0604030504040204" pitchFamily="34" charset="0"/>
+              <a:cs typeface="Tahoma" panose="020B0604030504040204" pitchFamily="34" charset="0"/>
+            </a:endParaRPr>
           </a:p>
         </p:txBody>
       </p:sp>
@@ -9639,167 +8507,68 @@
       </p:pic>
       <p:pic>
         <p:nvPicPr>
-          <p:cNvPr id="7" name="Рисунок 3">
+          <p:cNvPr id="2" name="Рисунок 1">
             <a:extLst>
               <a:ext uri="{FF2B5EF4-FFF2-40B4-BE49-F238E27FC236}">
-                <a16:creationId xmlns:a16="http://schemas.microsoft.com/office/drawing/2014/main" id="{122CE5FC-CF5F-4F1A-BB5D-559F9843C7C2}"/>
+                <a16:creationId xmlns:a16="http://schemas.microsoft.com/office/drawing/2014/main" id="{452B6CE8-7BB7-4C05-9091-C19AB83A9E11}"/>
               </a:ext>
             </a:extLst>
           </p:cNvPr>
           <p:cNvPicPr>
-            <a:picLocks noChangeAspect="1" noChangeArrowheads="1"/>
+            <a:picLocks noChangeAspect="1"/>
           </p:cNvPicPr>
           <p:nvPr/>
         </p:nvPicPr>
         <p:blipFill>
-          <a:blip r:embed="rId3">
-            <a:extLst>
-              <a:ext uri="{28A0092B-C50C-407E-A947-70E740481C1C}">
-                <a14:useLocalDpi xmlns:a14="http://schemas.microsoft.com/office/drawing/2010/main" val="0"/>
-              </a:ext>
-            </a:extLst>
-          </a:blip>
-          <a:srcRect/>
+          <a:blip r:embed="rId3"/>
           <a:stretch>
             <a:fillRect/>
           </a:stretch>
         </p:blipFill>
-        <p:spPr bwMode="auto">
+        <p:spPr>
           <a:xfrm>
-            <a:off x="7004807" y="1442954"/>
-            <a:ext cx="4806538" cy="2216465"/>
+            <a:off x="8077894" y="1407784"/>
+            <a:ext cx="3762688" cy="850926"/>
           </a:xfrm>
           <a:prstGeom prst="rect">
             <a:avLst/>
           </a:prstGeom>
-          <a:noFill/>
-          <a:ln>
-            <a:noFill/>
-          </a:ln>
-          <a:extLst>
-            <a:ext uri="{909E8E84-426E-40DD-AFC4-6F175D3DCCD1}">
-              <a14:hiddenFill xmlns:a14="http://schemas.microsoft.com/office/drawing/2010/main">
-                <a:solidFill>
-                  <a:srgbClr val="FFFFFF"/>
-                </a:solidFill>
-              </a14:hiddenFill>
-            </a:ext>
-            <a:ext uri="{91240B29-F687-4F45-9708-019B960494DF}">
-              <a14:hiddenLine xmlns:a14="http://schemas.microsoft.com/office/drawing/2010/main" w="9525">
-                <a:solidFill>
-                  <a:srgbClr val="000000"/>
-                </a:solidFill>
-                <a:miter lim="800000"/>
-                <a:headEnd/>
-                <a:tailEnd/>
-              </a14:hiddenLine>
-            </a:ext>
-          </a:extLst>
         </p:spPr>
       </p:pic>
       <p:pic>
         <p:nvPicPr>
-          <p:cNvPr id="8" name="Рисунок 1">
+          <p:cNvPr id="5" name="Рисунок 4">
             <a:extLst>
               <a:ext uri="{FF2B5EF4-FFF2-40B4-BE49-F238E27FC236}">
-                <a16:creationId xmlns:a16="http://schemas.microsoft.com/office/drawing/2014/main" id="{FFC75334-A53C-4F8E-9938-8F30B69B003B}"/>
+                <a16:creationId xmlns:a16="http://schemas.microsoft.com/office/drawing/2014/main" id="{F6CF66B3-C2DF-4EBA-B938-3020E33C40CD}"/>
               </a:ext>
             </a:extLst>
           </p:cNvPr>
           <p:cNvPicPr>
-            <a:picLocks noChangeAspect="1" noChangeArrowheads="1"/>
+            <a:picLocks noChangeAspect="1"/>
           </p:cNvPicPr>
           <p:nvPr/>
         </p:nvPicPr>
         <p:blipFill>
-          <a:blip r:embed="rId4">
-            <a:extLst>
-              <a:ext uri="{28A0092B-C50C-407E-A947-70E740481C1C}">
-                <a14:useLocalDpi xmlns:a14="http://schemas.microsoft.com/office/drawing/2010/main" val="0"/>
-              </a:ext>
-            </a:extLst>
-          </a:blip>
-          <a:srcRect/>
+          <a:blip r:embed="rId4"/>
           <a:stretch>
             <a:fillRect/>
           </a:stretch>
         </p:blipFill>
-        <p:spPr bwMode="auto">
+        <p:spPr>
           <a:xfrm>
-            <a:off x="6509857" y="4283159"/>
-            <a:ext cx="5230499" cy="1891628"/>
+            <a:off x="8447837" y="2552392"/>
+            <a:ext cx="3343110" cy="3629794"/>
           </a:xfrm>
           <a:prstGeom prst="rect">
             <a:avLst/>
           </a:prstGeom>
-          <a:noFill/>
-          <a:ln>
-            <a:noFill/>
-          </a:ln>
-          <a:extLst>
-            <a:ext uri="{909E8E84-426E-40DD-AFC4-6F175D3DCCD1}">
-              <a14:hiddenFill xmlns:a14="http://schemas.microsoft.com/office/drawing/2010/main">
-                <a:solidFill>
-                  <a:srgbClr val="FFFFFF"/>
-                </a:solidFill>
-              </a14:hiddenFill>
-            </a:ext>
-            <a:ext uri="{91240B29-F687-4F45-9708-019B960494DF}">
-              <a14:hiddenLine xmlns:a14="http://schemas.microsoft.com/office/drawing/2010/main" w="9525">
-                <a:solidFill>
-                  <a:srgbClr val="000000"/>
-                </a:solidFill>
-                <a:miter lim="800000"/>
-                <a:headEnd/>
-                <a:tailEnd/>
-              </a14:hiddenLine>
-            </a:ext>
-          </a:extLst>
         </p:spPr>
       </p:pic>
-      <p:sp>
-        <p:nvSpPr>
-          <p:cNvPr id="11" name="Объект 2">
-            <a:extLst>
-              <a:ext uri="{FF2B5EF4-FFF2-40B4-BE49-F238E27FC236}">
-                <a16:creationId xmlns:a16="http://schemas.microsoft.com/office/drawing/2014/main" id="{73C2B7E4-A5D1-4A32-B12B-1BFEBB80CA7C}"/>
-              </a:ext>
-            </a:extLst>
-          </p:cNvPr>
-          <p:cNvSpPr>
-            <a:spLocks noGrp="1"/>
-          </p:cNvSpPr>
-          <p:nvPr>
-            <p:ph idx="1"/>
-          </p:nvPr>
-        </p:nvSpPr>
-        <p:spPr>
-          <a:xfrm>
-            <a:off x="603100" y="1442954"/>
-            <a:ext cx="5344486" cy="4351338"/>
-          </a:xfrm>
-        </p:spPr>
-        <p:txBody>
-          <a:bodyPr>
-            <a:normAutofit/>
-          </a:bodyPr>
-          <a:lstStyle/>
-          <a:p>
-            <a:r>
-              <a:rPr lang="ru-RU" altLang="ru-RU" dirty="0"/>
-              <a:t>Генератор и дискриминатор</a:t>
-            </a:r>
-            <a:endParaRPr lang="en-US" altLang="ru-RU" dirty="0"/>
-          </a:p>
-          <a:p>
-            <a:endParaRPr lang="ru-RU" altLang="ru-RU" dirty="0"/>
-          </a:p>
-        </p:txBody>
-      </p:sp>
     </p:spTree>
     <p:extLst>
       <p:ext uri="{BB962C8B-B14F-4D97-AF65-F5344CB8AC3E}">
-        <p14:creationId xmlns:p14="http://schemas.microsoft.com/office/powerpoint/2010/main" val="3550667473"/>
+        <p14:creationId xmlns:p14="http://schemas.microsoft.com/office/powerpoint/2010/main" val="3603387538"/>
       </p:ext>
     </p:extLst>
   </p:cSld>
@@ -9844,71 +8613,76 @@
         </p:nvSpPr>
         <p:spPr>
           <a:xfrm>
-            <a:off x="763743" y="1402101"/>
-            <a:ext cx="10515600" cy="4351338"/>
+            <a:off x="419795" y="1473388"/>
+            <a:ext cx="5762891" cy="4351338"/>
           </a:xfrm>
         </p:spPr>
         <p:txBody>
           <a:bodyPr>
-            <a:normAutofit/>
+            <a:normAutofit fontScale="92500" lnSpcReduction="20000"/>
           </a:bodyPr>
           <a:lstStyle/>
           <a:p>
             <a:r>
               <a:rPr lang="ru-RU" altLang="ru-RU" dirty="0"/>
-              <a:t>Создание наборов данных</a:t>
-            </a:r>
-          </a:p>
-          <a:p>
+              <a:t>Предназначена для генерации правдоподобных «синтезированных» объектов (текстов, изображений, видео, </a:t>
+            </a:r>
             <a:r>
               <a:rPr lang="ru-RU" altLang="ru-RU" dirty="0" err="1"/>
-              <a:t>Аватары</a:t>
+              <a:t>датасетов</a:t>
+            </a:r>
+            <a:r>
+              <a:rPr lang="ru-RU" altLang="ru-RU" dirty="0"/>
+              <a:t>)</a:t>
+            </a:r>
+            <a:endParaRPr lang="en-US" altLang="ru-RU" dirty="0"/>
+          </a:p>
+          <a:p>
+            <a:r>
+              <a:rPr lang="ru-RU" altLang="ru-RU" dirty="0"/>
+              <a:t>Состоит из двух нейронных сетей – «генератор» (создает объекты) и дискриминатор (оценивает качество созданных объектов)</a:t>
+            </a:r>
+          </a:p>
+          <a:p>
+            <a:r>
+              <a:rPr lang="ru-RU" altLang="ru-RU" dirty="0"/>
+              <a:t>Является одной из самых крутых идей в </a:t>
+            </a:r>
+            <a:r>
+              <a:rPr lang="en-US" altLang="ru-RU" dirty="0"/>
+              <a:t>ML </a:t>
+            </a:r>
+            <a:r>
+              <a:rPr lang="ru-RU" altLang="ru-RU" dirty="0"/>
+              <a:t>за последние 10 лет</a:t>
+            </a:r>
+          </a:p>
+          <a:p>
+            <a:r>
+              <a:rPr lang="ru-RU" altLang="ru-RU" dirty="0"/>
+              <a:t>Предложена Яном </a:t>
+            </a:r>
+            <a:r>
+              <a:rPr lang="ru-RU" altLang="ru-RU" dirty="0" err="1"/>
+              <a:t>Гудфилоу</a:t>
+            </a:r>
+            <a:r>
+              <a:rPr lang="ru-RU" altLang="ru-RU" dirty="0"/>
+              <a:t>,</a:t>
+            </a:r>
+            <a:r>
+              <a:rPr lang="ru-RU" altLang="ru-RU" i="1" dirty="0"/>
+              <a:t> </a:t>
+            </a:r>
+            <a:r>
+              <a:rPr lang="en-US" altLang="ru-RU" i="1" dirty="0"/>
+              <a:t>NIPS 2016 Tutorial: Generative Adversarial Networks</a:t>
+            </a:r>
+            <a:r>
+              <a:rPr lang="en-US" altLang="ru-RU" dirty="0"/>
+              <a:t>, by I. Goodfellow, 2016</a:t>
             </a:r>
             <a:endParaRPr lang="ru-RU" altLang="ru-RU" dirty="0"/>
-          </a:p>
-          <a:p>
-            <a:r>
-              <a:rPr lang="ru-RU" altLang="ru-RU" dirty="0"/>
-              <a:t>Видеоклипы</a:t>
-            </a:r>
-          </a:p>
-          <a:p>
-            <a:r>
-              <a:rPr lang="ru-RU" altLang="ru-RU" dirty="0"/>
-              <a:t>Создание произведений искусства</a:t>
-            </a:r>
-          </a:p>
-          <a:p>
-            <a:r>
-              <a:rPr lang="ru-RU" altLang="ru-RU" dirty="0"/>
-              <a:t>Стилизация (нарисовать фотографию в стиле Ван Гога)</a:t>
-            </a:r>
-          </a:p>
-          <a:p>
-            <a:r>
-              <a:rPr lang="en-US" altLang="ru-RU" dirty="0" err="1"/>
-              <a:t>DeepFake</a:t>
-            </a:r>
-            <a:endParaRPr lang="ru-RU" altLang="ru-RU" dirty="0"/>
-          </a:p>
-          <a:p>
-            <a:r>
-              <a:rPr lang="ru-RU" altLang="ru-RU" dirty="0"/>
-              <a:t>…</a:t>
-            </a:r>
-          </a:p>
-          <a:p>
-            <a:r>
-              <a:rPr lang="ru-RU" altLang="ru-RU" dirty="0"/>
-              <a:t>До конца возможности не изучены (новая технология) </a:t>
-            </a:r>
-            <a:r>
-              <a:rPr lang="ru-RU" altLang="ru-RU" dirty="0">
-                <a:sym typeface="Wingdings" panose="05000000000000000000" pitchFamily="2" charset="2"/>
-              </a:rPr>
-              <a:t></a:t>
-            </a:r>
-            <a:endParaRPr lang="en-US" altLang="ru-RU" dirty="0"/>
           </a:p>
         </p:txBody>
       </p:sp>
@@ -10160,7 +8934,7 @@
                   <a:srgbClr val="FF0000"/>
                 </a:solidFill>
               </a:rPr>
-              <a:t>Применение </a:t>
+              <a:t>Генеративные состязательные сети (</a:t>
             </a:r>
             <a:r>
               <a:rPr lang="en-US" sz="2400" b="1" dirty="0">
@@ -10170,18 +8944,21 @@
               </a:rPr>
               <a:t>GAN</a:t>
             </a:r>
-            <a:endParaRPr lang="ru-RU" sz="2400" b="1" dirty="0">
-              <a:solidFill>
-                <a:srgbClr val="FF0000"/>
-              </a:solidFill>
-            </a:endParaRPr>
+            <a:r>
+              <a:rPr lang="ru-RU" sz="2400" b="1" dirty="0">
+                <a:solidFill>
+                  <a:srgbClr val="FF0000"/>
+                </a:solidFill>
+              </a:rPr>
+              <a:t>)</a:t>
+            </a:r>
           </a:p>
         </p:txBody>
       </p:sp>
     </p:spTree>
     <p:extLst>
       <p:ext uri="{BB962C8B-B14F-4D97-AF65-F5344CB8AC3E}">
-        <p14:creationId xmlns:p14="http://schemas.microsoft.com/office/powerpoint/2010/main" val="1182018689"/>
+        <p14:creationId xmlns:p14="http://schemas.microsoft.com/office/powerpoint/2010/main" val="3971432351"/>
       </p:ext>
     </p:extLst>
   </p:cSld>
@@ -10272,7 +9049,7 @@
         </p:nvSpPr>
         <p:spPr>
           <a:xfrm>
-            <a:off x="1946032" y="257088"/>
+            <a:off x="2031757" y="292314"/>
             <a:ext cx="8441168" cy="461665"/>
           </a:xfrm>
           <a:prstGeom prst="rect">
@@ -10386,8 +9163,21 @@
                   <a:srgbClr val="FF0000"/>
                 </a:solidFill>
               </a:rPr>
-              <a:t>Атаки на модели машинного обучения</a:t>
-            </a:r>
+              <a:t>Архитектура и процесс обучения </a:t>
+            </a:r>
+            <a:r>
+              <a:rPr lang="en-US" sz="2400" b="1" dirty="0">
+                <a:solidFill>
+                  <a:srgbClr val="FF0000"/>
+                </a:solidFill>
+              </a:rPr>
+              <a:t>GAN</a:t>
+            </a:r>
+            <a:endParaRPr lang="ru-RU" sz="2400" b="1" dirty="0">
+              <a:solidFill>
+                <a:srgbClr val="FF0000"/>
+              </a:solidFill>
+            </a:endParaRPr>
           </a:p>
         </p:txBody>
       </p:sp>
@@ -10417,71 +9207,6 @@
               <a:t>9</a:t>
             </a:fld>
             <a:endParaRPr lang="ru-RU"/>
-          </a:p>
-        </p:txBody>
-      </p:sp>
-      <p:sp>
-        <p:nvSpPr>
-          <p:cNvPr id="9" name="Прямоугольник 8">
-            <a:extLst>
-              <a:ext uri="{FF2B5EF4-FFF2-40B4-BE49-F238E27FC236}">
-                <a16:creationId xmlns:a16="http://schemas.microsoft.com/office/drawing/2014/main" id="{DEE9E6AD-E932-4E4C-BBED-A1105C7347FF}"/>
-              </a:ext>
-            </a:extLst>
-          </p:cNvPr>
-          <p:cNvSpPr/>
-          <p:nvPr/>
-        </p:nvSpPr>
-        <p:spPr>
-          <a:xfrm>
-            <a:off x="603100" y="1505520"/>
-            <a:ext cx="5726915" cy="3416320"/>
-          </a:xfrm>
-          <a:prstGeom prst="rect">
-            <a:avLst/>
-          </a:prstGeom>
-        </p:spPr>
-        <p:txBody>
-          <a:bodyPr wrap="square">
-            <a:spAutoFit/>
-          </a:bodyPr>
-          <a:lstStyle/>
-          <a:p>
-            <a:pPr marL="285750" indent="-285750">
-              <a:buFont typeface="Arial" panose="020B0604020202020204" pitchFamily="34" charset="0"/>
-              <a:buChar char="•"/>
-            </a:pPr>
-            <a:r>
-              <a:rPr lang="ru-RU" altLang="ru-RU" sz="2400" dirty="0"/>
-              <a:t>Извлечение: кража и обратный инжиниринг модели</a:t>
-            </a:r>
-          </a:p>
-          <a:p>
-            <a:pPr marL="285750" indent="-285750">
-              <a:buFont typeface="Arial" panose="020B0604020202020204" pitchFamily="34" charset="0"/>
-              <a:buChar char="•"/>
-            </a:pPr>
-            <a:r>
-              <a:rPr lang="ru-RU" altLang="ru-RU" sz="2400" dirty="0"/>
-              <a:t>Уклонение: незначительное изменение значений признаков для обмана модели</a:t>
-            </a:r>
-          </a:p>
-          <a:p>
-            <a:pPr marL="285750" indent="-285750">
-              <a:buFont typeface="Arial" panose="020B0604020202020204" pitchFamily="34" charset="0"/>
-              <a:buChar char="•"/>
-            </a:pPr>
-            <a:r>
-              <a:rPr lang="ru-RU" altLang="ru-RU" sz="2400" dirty="0"/>
-              <a:t>Отравление данных: манипуляция входными данными для изменения логики работы модели</a:t>
-            </a:r>
-          </a:p>
-          <a:p>
-            <a:pPr marL="285750" indent="-285750">
-              <a:buFont typeface="Arial" panose="020B0604020202020204" pitchFamily="34" charset="0"/>
-              <a:buChar char="•"/>
-            </a:pPr>
-            <a:endParaRPr lang="ru-RU" sz="2400" dirty="0"/>
           </a:p>
         </p:txBody>
       </p:sp>
@@ -10522,10 +9247,10 @@
       </p:pic>
       <p:pic>
         <p:nvPicPr>
-          <p:cNvPr id="7" name="Рисунок 1">
+          <p:cNvPr id="7" name="Рисунок 3">
             <a:extLst>
               <a:ext uri="{FF2B5EF4-FFF2-40B4-BE49-F238E27FC236}">
-                <a16:creationId xmlns:a16="http://schemas.microsoft.com/office/drawing/2014/main" id="{044793F8-30B9-4981-9156-6E94CDBB4E66}"/>
+                <a16:creationId xmlns:a16="http://schemas.microsoft.com/office/drawing/2014/main" id="{122CE5FC-CF5F-4F1A-BB5D-559F9843C7C2}"/>
               </a:ext>
             </a:extLst>
           </p:cNvPr>
@@ -10549,8 +9274,8 @@
         </p:blipFill>
         <p:spPr bwMode="auto">
           <a:xfrm>
-            <a:off x="7120559" y="4342027"/>
-            <a:ext cx="4607281" cy="1791311"/>
+            <a:off x="7004807" y="1442954"/>
+            <a:ext cx="4806538" cy="2216465"/>
           </a:xfrm>
           <a:prstGeom prst="rect">
             <a:avLst/>
@@ -10580,10 +9305,162 @@
           </a:extLst>
         </p:spPr>
       </p:pic>
+      <p:pic>
+        <p:nvPicPr>
+          <p:cNvPr id="8" name="Рисунок 1">
+            <a:extLst>
+              <a:ext uri="{FF2B5EF4-FFF2-40B4-BE49-F238E27FC236}">
+                <a16:creationId xmlns:a16="http://schemas.microsoft.com/office/drawing/2014/main" id="{FFC75334-A53C-4F8E-9938-8F30B69B003B}"/>
+              </a:ext>
+            </a:extLst>
+          </p:cNvPr>
+          <p:cNvPicPr>
+            <a:picLocks noChangeAspect="1" noChangeArrowheads="1"/>
+          </p:cNvPicPr>
+          <p:nvPr/>
+        </p:nvPicPr>
+        <p:blipFill>
+          <a:blip r:embed="rId4">
+            <a:extLst>
+              <a:ext uri="{28A0092B-C50C-407E-A947-70E740481C1C}">
+                <a14:useLocalDpi xmlns:a14="http://schemas.microsoft.com/office/drawing/2010/main" val="0"/>
+              </a:ext>
+            </a:extLst>
+          </a:blip>
+          <a:srcRect/>
+          <a:stretch>
+            <a:fillRect/>
+          </a:stretch>
+        </p:blipFill>
+        <p:spPr bwMode="auto">
+          <a:xfrm>
+            <a:off x="6509857" y="4283159"/>
+            <a:ext cx="5230499" cy="1891628"/>
+          </a:xfrm>
+          <a:prstGeom prst="rect">
+            <a:avLst/>
+          </a:prstGeom>
+          <a:noFill/>
+          <a:ln>
+            <a:noFill/>
+          </a:ln>
+          <a:extLst>
+            <a:ext uri="{909E8E84-426E-40DD-AFC4-6F175D3DCCD1}">
+              <a14:hiddenFill xmlns:a14="http://schemas.microsoft.com/office/drawing/2010/main">
+                <a:solidFill>
+                  <a:srgbClr val="FFFFFF"/>
+                </a:solidFill>
+              </a14:hiddenFill>
+            </a:ext>
+            <a:ext uri="{91240B29-F687-4F45-9708-019B960494DF}">
+              <a14:hiddenLine xmlns:a14="http://schemas.microsoft.com/office/drawing/2010/main" w="9525">
+                <a:solidFill>
+                  <a:srgbClr val="000000"/>
+                </a:solidFill>
+                <a:miter lim="800000"/>
+                <a:headEnd/>
+                <a:tailEnd/>
+              </a14:hiddenLine>
+            </a:ext>
+          </a:extLst>
+        </p:spPr>
+      </p:pic>
+      <p:sp>
+        <p:nvSpPr>
+          <p:cNvPr id="11" name="Объект 2">
+            <a:extLst>
+              <a:ext uri="{FF2B5EF4-FFF2-40B4-BE49-F238E27FC236}">
+                <a16:creationId xmlns:a16="http://schemas.microsoft.com/office/drawing/2014/main" id="{73C2B7E4-A5D1-4A32-B12B-1BFEBB80CA7C}"/>
+              </a:ext>
+            </a:extLst>
+          </p:cNvPr>
+          <p:cNvSpPr>
+            <a:spLocks noGrp="1"/>
+          </p:cNvSpPr>
+          <p:nvPr>
+            <p:ph idx="1"/>
+          </p:nvPr>
+        </p:nvSpPr>
+        <p:spPr>
+          <a:xfrm>
+            <a:off x="603100" y="1442954"/>
+            <a:ext cx="5344486" cy="4351338"/>
+          </a:xfrm>
+        </p:spPr>
+        <p:txBody>
+          <a:bodyPr>
+            <a:normAutofit fontScale="85000" lnSpcReduction="20000"/>
+          </a:bodyPr>
+          <a:lstStyle/>
+          <a:p>
+            <a:r>
+              <a:rPr lang="ru-RU" altLang="ru-RU" dirty="0"/>
+              <a:t>Генератор и дискриминатор</a:t>
+            </a:r>
+          </a:p>
+          <a:p>
+            <a:r>
+              <a:rPr lang="ru-RU" altLang="ru-RU" dirty="0"/>
+              <a:t>Процесс обучения:</a:t>
+            </a:r>
+          </a:p>
+          <a:p>
+            <a:pPr lvl="1"/>
+            <a:r>
+              <a:rPr lang="ru-RU" altLang="ru-RU" dirty="0"/>
+              <a:t>Генератор создает фейковые изображения</a:t>
+            </a:r>
+          </a:p>
+          <a:p>
+            <a:pPr lvl="1"/>
+            <a:r>
+              <a:rPr lang="ru-RU" altLang="ru-RU" dirty="0"/>
+              <a:t>Обучаем генератор распознавать фейк (подаем на вход размеченные реальные и фейковые изображения)</a:t>
+            </a:r>
+          </a:p>
+          <a:p>
+            <a:pPr lvl="1"/>
+            <a:r>
+              <a:rPr lang="ru-RU" altLang="ru-RU" dirty="0"/>
+              <a:t>Замораживаем веса дискриминатора</a:t>
+            </a:r>
+          </a:p>
+          <a:p>
+            <a:pPr lvl="1"/>
+            <a:r>
+              <a:rPr lang="ru-RU" altLang="ru-RU" dirty="0"/>
+              <a:t>Учим генератор обманывать дискриминатор (размечаем фейк как реальные изображения)</a:t>
+            </a:r>
+          </a:p>
+          <a:p>
+            <a:pPr lvl="1"/>
+            <a:r>
+              <a:rPr lang="ru-RU" altLang="ru-RU" dirty="0"/>
+              <a:t>Повторяем (долго </a:t>
+            </a:r>
+            <a:r>
+              <a:rPr lang="ru-RU" altLang="ru-RU" dirty="0">
+                <a:sym typeface="Wingdings" panose="05000000000000000000" pitchFamily="2" charset="2"/>
+              </a:rPr>
+              <a:t></a:t>
+            </a:r>
+            <a:r>
+              <a:rPr lang="ru-RU" altLang="ru-RU" dirty="0"/>
+              <a:t>)</a:t>
+            </a:r>
+          </a:p>
+          <a:p>
+            <a:r>
+              <a:rPr lang="ru-RU" altLang="ru-RU" dirty="0"/>
+              <a:t>Закончиться все должно незначительной победой генератора (чем позднее, тем лучше)</a:t>
+            </a:r>
+          </a:p>
+        </p:txBody>
+      </p:sp>
     </p:spTree>
     <p:extLst>
       <p:ext uri="{BB962C8B-B14F-4D97-AF65-F5344CB8AC3E}">
-        <p14:creationId xmlns:p14="http://schemas.microsoft.com/office/powerpoint/2010/main" val="2486610181"/>
+        <p14:creationId xmlns:p14="http://schemas.microsoft.com/office/powerpoint/2010/main" val="3550667473"/>
       </p:ext>
     </p:extLst>
   </p:cSld>

--- a/Лекции/Состязательные модели в ИБ.pptx
+++ b/Лекции/Состязательные модели в ИБ.pptx
@@ -18,9 +18,12 @@
     <p:sldId id="347" r:id="rId12"/>
     <p:sldId id="334" r:id="rId13"/>
     <p:sldId id="333" r:id="rId14"/>
-    <p:sldId id="350" r:id="rId15"/>
-    <p:sldId id="327" r:id="rId16"/>
-    <p:sldId id="318" r:id="rId17"/>
+    <p:sldId id="353" r:id="rId15"/>
+    <p:sldId id="352" r:id="rId16"/>
+    <p:sldId id="350" r:id="rId17"/>
+    <p:sldId id="327" r:id="rId18"/>
+    <p:sldId id="351" r:id="rId19"/>
+    <p:sldId id="318" r:id="rId20"/>
   </p:sldIdLst>
   <p:sldSz cx="12192000" cy="6858000"/>
   <p:notesSz cx="6858000" cy="9144000"/>
@@ -256,7 +259,7 @@
           <a:p>
             <a:fld id="{44AC4E9E-3BE5-4665-BAE6-72CA507E8656}" type="datetimeFigureOut">
               <a:rPr lang="ru-RU" smtClean="0"/>
-              <a:t>23.12.2021</a:t>
+              <a:t>24.12.2021</a:t>
             </a:fld>
             <a:endParaRPr lang="ru-RU"/>
           </a:p>
@@ -424,7 +427,7 @@
           <a:p>
             <a:fld id="{44AC4E9E-3BE5-4665-BAE6-72CA507E8656}" type="datetimeFigureOut">
               <a:rPr lang="ru-RU" smtClean="0"/>
-              <a:t>23.12.2021</a:t>
+              <a:t>24.12.2021</a:t>
             </a:fld>
             <a:endParaRPr lang="ru-RU"/>
           </a:p>
@@ -602,7 +605,7 @@
           <a:p>
             <a:fld id="{44AC4E9E-3BE5-4665-BAE6-72CA507E8656}" type="datetimeFigureOut">
               <a:rPr lang="ru-RU" smtClean="0"/>
-              <a:t>23.12.2021</a:t>
+              <a:t>24.12.2021</a:t>
             </a:fld>
             <a:endParaRPr lang="ru-RU"/>
           </a:p>
@@ -770,7 +773,7 @@
           <a:p>
             <a:fld id="{44AC4E9E-3BE5-4665-BAE6-72CA507E8656}" type="datetimeFigureOut">
               <a:rPr lang="ru-RU" smtClean="0"/>
-              <a:t>23.12.2021</a:t>
+              <a:t>24.12.2021</a:t>
             </a:fld>
             <a:endParaRPr lang="ru-RU"/>
           </a:p>
@@ -1015,7 +1018,7 @@
           <a:p>
             <a:fld id="{44AC4E9E-3BE5-4665-BAE6-72CA507E8656}" type="datetimeFigureOut">
               <a:rPr lang="ru-RU" smtClean="0"/>
-              <a:t>23.12.2021</a:t>
+              <a:t>24.12.2021</a:t>
             </a:fld>
             <a:endParaRPr lang="ru-RU"/>
           </a:p>
@@ -1244,7 +1247,7 @@
           <a:p>
             <a:fld id="{44AC4E9E-3BE5-4665-BAE6-72CA507E8656}" type="datetimeFigureOut">
               <a:rPr lang="ru-RU" smtClean="0"/>
-              <a:t>23.12.2021</a:t>
+              <a:t>24.12.2021</a:t>
             </a:fld>
             <a:endParaRPr lang="ru-RU"/>
           </a:p>
@@ -1608,7 +1611,7 @@
           <a:p>
             <a:fld id="{44AC4E9E-3BE5-4665-BAE6-72CA507E8656}" type="datetimeFigureOut">
               <a:rPr lang="ru-RU" smtClean="0"/>
-              <a:t>23.12.2021</a:t>
+              <a:t>24.12.2021</a:t>
             </a:fld>
             <a:endParaRPr lang="ru-RU"/>
           </a:p>
@@ -1725,7 +1728,7 @@
           <a:p>
             <a:fld id="{44AC4E9E-3BE5-4665-BAE6-72CA507E8656}" type="datetimeFigureOut">
               <a:rPr lang="ru-RU" smtClean="0"/>
-              <a:t>23.12.2021</a:t>
+              <a:t>24.12.2021</a:t>
             </a:fld>
             <a:endParaRPr lang="ru-RU"/>
           </a:p>
@@ -1820,7 +1823,7 @@
           <a:p>
             <a:fld id="{44AC4E9E-3BE5-4665-BAE6-72CA507E8656}" type="datetimeFigureOut">
               <a:rPr lang="ru-RU" smtClean="0"/>
-              <a:t>23.12.2021</a:t>
+              <a:t>24.12.2021</a:t>
             </a:fld>
             <a:endParaRPr lang="ru-RU"/>
           </a:p>
@@ -2095,7 +2098,7 @@
           <a:p>
             <a:fld id="{44AC4E9E-3BE5-4665-BAE6-72CA507E8656}" type="datetimeFigureOut">
               <a:rPr lang="ru-RU" smtClean="0"/>
-              <a:t>23.12.2021</a:t>
+              <a:t>24.12.2021</a:t>
             </a:fld>
             <a:endParaRPr lang="ru-RU"/>
           </a:p>
@@ -2347,7 +2350,7 @@
           <a:p>
             <a:fld id="{44AC4E9E-3BE5-4665-BAE6-72CA507E8656}" type="datetimeFigureOut">
               <a:rPr lang="ru-RU" smtClean="0"/>
-              <a:t>23.12.2021</a:t>
+              <a:t>24.12.2021</a:t>
             </a:fld>
             <a:endParaRPr lang="ru-RU"/>
           </a:p>
@@ -2558,7 +2561,7 @@
           <a:p>
             <a:fld id="{44AC4E9E-3BE5-4665-BAE6-72CA507E8656}" type="datetimeFigureOut">
               <a:rPr lang="ru-RU" smtClean="0"/>
-              <a:t>23.12.2021</a:t>
+              <a:t>24.12.2021</a:t>
             </a:fld>
             <a:endParaRPr lang="ru-RU"/>
           </a:p>
@@ -3066,70 +3069,6 @@
           </a:p>
         </p:txBody>
       </p:sp>
-      <p:sp>
-        <p:nvSpPr>
-          <p:cNvPr id="7" name="Прямоугольник 6"/>
-          <p:cNvSpPr/>
-          <p:nvPr/>
-        </p:nvSpPr>
-        <p:spPr>
-          <a:xfrm>
-            <a:off x="952052" y="5484010"/>
-            <a:ext cx="2457724" cy="646331"/>
-          </a:xfrm>
-          <a:prstGeom prst="rect">
-            <a:avLst/>
-          </a:prstGeom>
-        </p:spPr>
-        <p:txBody>
-          <a:bodyPr wrap="none">
-            <a:spAutoFit/>
-          </a:bodyPr>
-          <a:lstStyle/>
-          <a:p>
-            <a:r>
-              <a:rPr lang="ru-RU" dirty="0">
-                <a:solidFill>
-                  <a:schemeClr val="bg1"/>
-                </a:solidFill>
-                <a:latin typeface="Arial" panose="020B0604020202020204" pitchFamily="34" charset="0"/>
-                <a:ea typeface="Tahoma" panose="020B0604030504040204" pitchFamily="34" charset="0"/>
-                <a:cs typeface="Arial" panose="020B0604020202020204" pitchFamily="34" charset="0"/>
-              </a:rPr>
-              <a:t>Чернышов Юрий</a:t>
-            </a:r>
-            <a:endParaRPr lang="en-US" sz="2800" dirty="0">
-              <a:solidFill>
-                <a:schemeClr val="bg1"/>
-              </a:solidFill>
-              <a:latin typeface="Arial" panose="020B0604020202020204" pitchFamily="34" charset="0"/>
-              <a:ea typeface="Tahoma" panose="020B0604030504040204" pitchFamily="34" charset="0"/>
-              <a:cs typeface="Arial" panose="020B0604020202020204" pitchFamily="34" charset="0"/>
-            </a:endParaRPr>
-          </a:p>
-          <a:p>
-            <a:r>
-              <a:rPr lang="en-US" dirty="0">
-                <a:solidFill>
-                  <a:schemeClr val="bg1"/>
-                </a:solidFill>
-                <a:latin typeface="Arial" panose="020B0604020202020204" pitchFamily="34" charset="0"/>
-                <a:ea typeface="Tahoma" panose="020B0604030504040204" pitchFamily="34" charset="0"/>
-                <a:cs typeface="Arial" panose="020B0604020202020204" pitchFamily="34" charset="0"/>
-              </a:rPr>
-              <a:t>ychernyshov@ussc.ru</a:t>
-            </a:r>
-            <a:endParaRPr lang="ru-RU" dirty="0">
-              <a:solidFill>
-                <a:schemeClr val="bg1"/>
-              </a:solidFill>
-              <a:latin typeface="Arial" panose="020B0604020202020204" pitchFamily="34" charset="0"/>
-              <a:ea typeface="Tahoma" panose="020B0604030504040204" pitchFamily="34" charset="0"/>
-              <a:cs typeface="Arial" panose="020B0604020202020204" pitchFamily="34" charset="0"/>
-            </a:endParaRPr>
-          </a:p>
-        </p:txBody>
-      </p:sp>
       <p:pic>
         <p:nvPicPr>
           <p:cNvPr id="8" name="Рисунок 7">
@@ -3165,6 +3104,171 @@
           </a:prstGeom>
         </p:spPr>
       </p:pic>
+      <p:sp>
+        <p:nvSpPr>
+          <p:cNvPr id="9" name="Прямоугольник 8">
+            <a:extLst>
+              <a:ext uri="{FF2B5EF4-FFF2-40B4-BE49-F238E27FC236}">
+                <a16:creationId xmlns:a16="http://schemas.microsoft.com/office/drawing/2014/main" id="{47BE7A8F-A1C7-4C7A-98EC-41508716A246}"/>
+              </a:ext>
+            </a:extLst>
+          </p:cNvPr>
+          <p:cNvSpPr/>
+          <p:nvPr/>
+        </p:nvSpPr>
+        <p:spPr>
+          <a:xfrm>
+            <a:off x="1037230" y="4999957"/>
+            <a:ext cx="2924583" cy="923330"/>
+          </a:xfrm>
+          <a:prstGeom prst="rect">
+            <a:avLst/>
+          </a:prstGeom>
+        </p:spPr>
+        <p:txBody>
+          <a:bodyPr wrap="none">
+            <a:spAutoFit/>
+          </a:bodyPr>
+          <a:lstStyle>
+            <a:defPPr>
+              <a:defRPr lang="ru-RU"/>
+            </a:defPPr>
+            <a:lvl1pPr marL="0" algn="l" defTabSz="914400" rtl="0" eaLnBrk="1" latinLnBrk="0" hangingPunct="1">
+              <a:defRPr sz="1800" kern="1200">
+                <a:solidFill>
+                  <a:schemeClr val="tx1"/>
+                </a:solidFill>
+                <a:latin typeface="+mn-lt"/>
+                <a:ea typeface="+mn-ea"/>
+                <a:cs typeface="+mn-cs"/>
+              </a:defRPr>
+            </a:lvl1pPr>
+            <a:lvl2pPr marL="457200" algn="l" defTabSz="914400" rtl="0" eaLnBrk="1" latinLnBrk="0" hangingPunct="1">
+              <a:defRPr sz="1800" kern="1200">
+                <a:solidFill>
+                  <a:schemeClr val="tx1"/>
+                </a:solidFill>
+                <a:latin typeface="+mn-lt"/>
+                <a:ea typeface="+mn-ea"/>
+                <a:cs typeface="+mn-cs"/>
+              </a:defRPr>
+            </a:lvl2pPr>
+            <a:lvl3pPr marL="914400" algn="l" defTabSz="914400" rtl="0" eaLnBrk="1" latinLnBrk="0" hangingPunct="1">
+              <a:defRPr sz="1800" kern="1200">
+                <a:solidFill>
+                  <a:schemeClr val="tx1"/>
+                </a:solidFill>
+                <a:latin typeface="+mn-lt"/>
+                <a:ea typeface="+mn-ea"/>
+                <a:cs typeface="+mn-cs"/>
+              </a:defRPr>
+            </a:lvl3pPr>
+            <a:lvl4pPr marL="1371600" algn="l" defTabSz="914400" rtl="0" eaLnBrk="1" latinLnBrk="0" hangingPunct="1">
+              <a:defRPr sz="1800" kern="1200">
+                <a:solidFill>
+                  <a:schemeClr val="tx1"/>
+                </a:solidFill>
+                <a:latin typeface="+mn-lt"/>
+                <a:ea typeface="+mn-ea"/>
+                <a:cs typeface="+mn-cs"/>
+              </a:defRPr>
+            </a:lvl4pPr>
+            <a:lvl5pPr marL="1828800" algn="l" defTabSz="914400" rtl="0" eaLnBrk="1" latinLnBrk="0" hangingPunct="1">
+              <a:defRPr sz="1800" kern="1200">
+                <a:solidFill>
+                  <a:schemeClr val="tx1"/>
+                </a:solidFill>
+                <a:latin typeface="+mn-lt"/>
+                <a:ea typeface="+mn-ea"/>
+                <a:cs typeface="+mn-cs"/>
+              </a:defRPr>
+            </a:lvl5pPr>
+            <a:lvl6pPr marL="2286000" algn="l" defTabSz="914400" rtl="0" eaLnBrk="1" latinLnBrk="0" hangingPunct="1">
+              <a:defRPr sz="1800" kern="1200">
+                <a:solidFill>
+                  <a:schemeClr val="tx1"/>
+                </a:solidFill>
+                <a:latin typeface="+mn-lt"/>
+                <a:ea typeface="+mn-ea"/>
+                <a:cs typeface="+mn-cs"/>
+              </a:defRPr>
+            </a:lvl6pPr>
+            <a:lvl7pPr marL="2743200" algn="l" defTabSz="914400" rtl="0" eaLnBrk="1" latinLnBrk="0" hangingPunct="1">
+              <a:defRPr sz="1800" kern="1200">
+                <a:solidFill>
+                  <a:schemeClr val="tx1"/>
+                </a:solidFill>
+                <a:latin typeface="+mn-lt"/>
+                <a:ea typeface="+mn-ea"/>
+                <a:cs typeface="+mn-cs"/>
+              </a:defRPr>
+            </a:lvl7pPr>
+            <a:lvl8pPr marL="3200400" algn="l" defTabSz="914400" rtl="0" eaLnBrk="1" latinLnBrk="0" hangingPunct="1">
+              <a:defRPr sz="1800" kern="1200">
+                <a:solidFill>
+                  <a:schemeClr val="tx1"/>
+                </a:solidFill>
+                <a:latin typeface="+mn-lt"/>
+                <a:ea typeface="+mn-ea"/>
+                <a:cs typeface="+mn-cs"/>
+              </a:defRPr>
+            </a:lvl8pPr>
+            <a:lvl9pPr marL="3657600" algn="l" defTabSz="914400" rtl="0" eaLnBrk="1" latinLnBrk="0" hangingPunct="1">
+              <a:defRPr sz="1800" kern="1200">
+                <a:solidFill>
+                  <a:schemeClr val="tx1"/>
+                </a:solidFill>
+                <a:latin typeface="+mn-lt"/>
+                <a:ea typeface="+mn-ea"/>
+                <a:cs typeface="+mn-cs"/>
+              </a:defRPr>
+            </a:lvl9pPr>
+          </a:lstStyle>
+          <a:p>
+            <a:r>
+              <a:rPr lang="ru-RU" b="1" dirty="0">
+                <a:solidFill>
+                  <a:schemeClr val="bg1"/>
+                </a:solidFill>
+                <a:latin typeface="Arial" panose="020B0604020202020204" pitchFamily="34" charset="0"/>
+                <a:cs typeface="Arial" panose="020B0604020202020204" pitchFamily="34" charset="0"/>
+              </a:rPr>
+              <a:t>Фамилия Имя Отчество</a:t>
+            </a:r>
+          </a:p>
+          <a:p>
+            <a:r>
+              <a:rPr lang="ru-RU" dirty="0">
+                <a:solidFill>
+                  <a:schemeClr val="bg1"/>
+                </a:solidFill>
+                <a:latin typeface="Arial" panose="020B0604020202020204" pitchFamily="34" charset="0"/>
+                <a:cs typeface="Arial" panose="020B0604020202020204" pitchFamily="34" charset="0"/>
+              </a:rPr>
+              <a:t>должность</a:t>
+            </a:r>
+            <a:br>
+              <a:rPr lang="en-US" dirty="0">
+                <a:solidFill>
+                  <a:schemeClr val="bg1"/>
+                </a:solidFill>
+                <a:latin typeface="Arial" panose="020B0604020202020204" pitchFamily="34" charset="0"/>
+                <a:cs typeface="Arial" panose="020B0604020202020204" pitchFamily="34" charset="0"/>
+              </a:rPr>
+            </a:br>
+            <a:r>
+              <a:rPr lang="ru-RU" dirty="0">
+                <a:solidFill>
+                  <a:schemeClr val="bg1"/>
+                </a:solidFill>
+                <a:latin typeface="Arial" panose="020B0604020202020204" pitchFamily="34" charset="0"/>
+                <a:cs typeface="Arial" panose="020B0604020202020204" pitchFamily="34" charset="0"/>
+              </a:rPr>
+              <a:t>контакты</a:t>
+            </a:r>
+          </a:p>
+        </p:txBody>
+      </p:sp>
     </p:spTree>
     <p:extLst>
       <p:ext uri="{BB962C8B-B14F-4D97-AF65-F5344CB8AC3E}">
@@ -3603,7 +3707,7 @@
         <p:spPr>
           <a:xfrm>
             <a:off x="763743" y="1402101"/>
-            <a:ext cx="10515600" cy="4351338"/>
+            <a:ext cx="5637057" cy="1148152"/>
           </a:xfrm>
         </p:spPr>
         <p:txBody>
@@ -3613,17 +3717,17 @@
           <a:lstStyle/>
           <a:p>
             <a:r>
-              <a:rPr lang="ru-RU" altLang="ru-RU" dirty="0"/>
+              <a:rPr lang="ru-RU" altLang="ru-RU" sz="2000" dirty="0"/>
               <a:t>Создание наборов данных</a:t>
             </a:r>
-            <a:endParaRPr lang="en-US" altLang="ru-RU" dirty="0"/>
-          </a:p>
-          <a:p>
-            <a:r>
-              <a:rPr lang="en-US" altLang="ru-RU" dirty="0"/>
+            <a:endParaRPr lang="en-US" altLang="ru-RU" sz="2000" dirty="0"/>
+          </a:p>
+          <a:p>
+            <a:r>
+              <a:rPr lang="en-US" altLang="ru-RU" sz="2000" dirty="0"/>
               <a:t>https://www.thispersondoesnotexist.com/</a:t>
             </a:r>
-            <a:endParaRPr lang="ru-RU" altLang="ru-RU" dirty="0"/>
+            <a:endParaRPr lang="ru-RU" altLang="ru-RU" sz="2000" dirty="0"/>
           </a:p>
         </p:txBody>
       </p:sp>
@@ -3907,8 +4011,113 @@
         </p:blipFill>
         <p:spPr>
           <a:xfrm>
-            <a:off x="7534054" y="2476480"/>
-            <a:ext cx="3745289" cy="3737295"/>
+            <a:off x="834509" y="2669976"/>
+            <a:ext cx="3418709" cy="3411412"/>
+          </a:xfrm>
+          <a:prstGeom prst="rect">
+            <a:avLst/>
+          </a:prstGeom>
+        </p:spPr>
+      </p:pic>
+      <p:sp>
+        <p:nvSpPr>
+          <p:cNvPr id="6" name="Прямоугольник 5">
+            <a:extLst>
+              <a:ext uri="{FF2B5EF4-FFF2-40B4-BE49-F238E27FC236}">
+                <a16:creationId xmlns:a16="http://schemas.microsoft.com/office/drawing/2014/main" id="{FD56C7A9-D340-499E-B14A-00A344535781}"/>
+              </a:ext>
+            </a:extLst>
+          </p:cNvPr>
+          <p:cNvSpPr/>
+          <p:nvPr/>
+        </p:nvSpPr>
+        <p:spPr>
+          <a:xfrm>
+            <a:off x="7692171" y="6061971"/>
+            <a:ext cx="4312475" cy="276999"/>
+          </a:xfrm>
+          <a:prstGeom prst="rect">
+            <a:avLst/>
+          </a:prstGeom>
+        </p:spPr>
+        <p:txBody>
+          <a:bodyPr wrap="square">
+            <a:spAutoFit/>
+          </a:bodyPr>
+          <a:lstStyle/>
+          <a:p>
+            <a:r>
+              <a:rPr lang="ru-RU" sz="1200" dirty="0">
+                <a:solidFill>
+                  <a:srgbClr val="000000"/>
+                </a:solidFill>
+                <a:latin typeface="Arial" panose="020B0604020202020204" pitchFamily="34" charset="0"/>
+              </a:rPr>
+              <a:t>Сравнение архитектур </a:t>
+            </a:r>
+            <a:r>
+              <a:rPr lang="ru-RU" sz="1200" dirty="0" err="1">
+                <a:solidFill>
+                  <a:srgbClr val="000000"/>
+                </a:solidFill>
+                <a:latin typeface="Arial" panose="020B0604020202020204" pitchFamily="34" charset="0"/>
+              </a:rPr>
+              <a:t>ProGAN</a:t>
+            </a:r>
+            <a:r>
+              <a:rPr lang="ru-RU" sz="1200" dirty="0">
+                <a:solidFill>
+                  <a:srgbClr val="000000"/>
+                </a:solidFill>
+                <a:latin typeface="Arial" panose="020B0604020202020204" pitchFamily="34" charset="0"/>
+              </a:rPr>
+              <a:t> (a) и </a:t>
+            </a:r>
+            <a:r>
+              <a:rPr lang="ru-RU" sz="1200" dirty="0" err="1">
+                <a:solidFill>
+                  <a:srgbClr val="000000"/>
+                </a:solidFill>
+                <a:latin typeface="Arial" panose="020B0604020202020204" pitchFamily="34" charset="0"/>
+              </a:rPr>
+              <a:t>StyleGAN</a:t>
+            </a:r>
+            <a:r>
+              <a:rPr lang="ru-RU" sz="1200" dirty="0">
+                <a:solidFill>
+                  <a:srgbClr val="000000"/>
+                </a:solidFill>
+                <a:latin typeface="Arial" panose="020B0604020202020204" pitchFamily="34" charset="0"/>
+              </a:rPr>
+              <a:t> (b)</a:t>
+            </a:r>
+          </a:p>
+        </p:txBody>
+      </p:sp>
+      <p:pic>
+        <p:nvPicPr>
+          <p:cNvPr id="7" name="Рисунок 6">
+            <a:extLst>
+              <a:ext uri="{FF2B5EF4-FFF2-40B4-BE49-F238E27FC236}">
+                <a16:creationId xmlns:a16="http://schemas.microsoft.com/office/drawing/2014/main" id="{7372AFAF-7991-4968-8339-75CC34262EE2}"/>
+              </a:ext>
+            </a:extLst>
+          </p:cNvPr>
+          <p:cNvPicPr>
+            <a:picLocks noChangeAspect="1"/>
+          </p:cNvPicPr>
+          <p:nvPr/>
+        </p:nvPicPr>
+        <p:blipFill>
+          <a:blip r:embed="rId4"/>
+          <a:stretch>
+            <a:fillRect/>
+          </a:stretch>
+        </p:blipFill>
+        <p:spPr>
+          <a:xfrm>
+            <a:off x="6800019" y="1179089"/>
+            <a:ext cx="4990928" cy="4454989"/>
           </a:xfrm>
           <a:prstGeom prst="rect">
             <a:avLst/>
@@ -3969,7 +4178,7 @@
         </p:spPr>
         <p:txBody>
           <a:bodyPr>
-            <a:normAutofit fontScale="92500" lnSpcReduction="20000"/>
+            <a:normAutofit fontScale="85000" lnSpcReduction="20000"/>
           </a:bodyPr>
           <a:lstStyle/>
           <a:p>
@@ -4073,6 +4282,25 @@
               <a:rPr lang="ru-RU" dirty="0"/>
             </a:br>
             <a:endParaRPr lang="ru-RU" b="1" dirty="0"/>
+          </a:p>
+          <a:p>
+            <a:r>
+              <a:rPr lang="en-US" dirty="0"/>
+              <a:t>Hugging Face </a:t>
+            </a:r>
+            <a:r>
+              <a:rPr lang="ru-RU" dirty="0"/>
+              <a:t>огромное количество </a:t>
+            </a:r>
+            <a:r>
+              <a:rPr lang="en-US" dirty="0"/>
+              <a:t>BERT </a:t>
+            </a:r>
+            <a:r>
+              <a:rPr lang="ru-RU" dirty="0"/>
+              <a:t>моделей</a:t>
+            </a:r>
+            <a:endParaRPr lang="en-US" dirty="0"/>
           </a:p>
           <a:p>
             <a:r>
@@ -4368,7 +4596,7 @@
         </p:blipFill>
         <p:spPr>
           <a:xfrm>
-            <a:off x="8072437" y="1269270"/>
+            <a:off x="7602654" y="2108170"/>
             <a:ext cx="3819525" cy="1838325"/>
           </a:xfrm>
           <a:prstGeom prst="rect">
@@ -4788,147 +5016,6 @@
           <a:chExt cx="0" cy="0"/>
         </a:xfrm>
       </p:grpSpPr>
-      <p:sp>
-        <p:nvSpPr>
-          <p:cNvPr id="3" name="Объект 2">
-            <a:extLst>
-              <a:ext uri="{FF2B5EF4-FFF2-40B4-BE49-F238E27FC236}">
-                <a16:creationId xmlns:a16="http://schemas.microsoft.com/office/drawing/2014/main" id="{5C517EF3-F0AB-4CA9-9685-F39A8C9E76B0}"/>
-              </a:ext>
-            </a:extLst>
-          </p:cNvPr>
-          <p:cNvSpPr>
-            <a:spLocks noGrp="1"/>
-          </p:cNvSpPr>
-          <p:nvPr>
-            <p:ph idx="1"/>
-          </p:nvPr>
-        </p:nvSpPr>
-        <p:spPr>
-          <a:xfrm>
-            <a:off x="671465" y="1586497"/>
-            <a:ext cx="10209056" cy="4834648"/>
-          </a:xfrm>
-        </p:spPr>
-        <p:txBody>
-          <a:bodyPr>
-            <a:normAutofit/>
-          </a:bodyPr>
-          <a:lstStyle/>
-          <a:p>
-            <a:r>
-              <a:rPr lang="ru-RU" dirty="0" err="1"/>
-              <a:t>Deepfake</a:t>
-            </a:r>
-            <a:r>
-              <a:rPr lang="ru-RU" dirty="0"/>
-              <a:t> (</a:t>
-            </a:r>
-            <a:r>
-              <a:rPr lang="ru-RU" dirty="0" err="1"/>
-              <a:t>дипфейк</a:t>
-            </a:r>
-            <a:r>
-              <a:rPr lang="ru-RU" dirty="0"/>
-              <a:t>): «</a:t>
-            </a:r>
-            <a:r>
-              <a:rPr lang="ru-RU" dirty="0" err="1"/>
-              <a:t>deep</a:t>
-            </a:r>
-            <a:r>
-              <a:rPr lang="ru-RU" dirty="0"/>
-              <a:t> </a:t>
-            </a:r>
-            <a:r>
-              <a:rPr lang="ru-RU" dirty="0" err="1"/>
-              <a:t>learning</a:t>
-            </a:r>
-            <a:r>
-              <a:rPr lang="ru-RU" dirty="0"/>
-              <a:t>» + </a:t>
-            </a:r>
-            <a:r>
-              <a:rPr lang="ru-RU" dirty="0" err="1"/>
-              <a:t>fake</a:t>
-            </a:r>
-            <a:r>
-              <a:rPr lang="ru-RU" dirty="0"/>
-              <a:t> </a:t>
-            </a:r>
-          </a:p>
-          <a:p>
-            <a:r>
-              <a:rPr lang="ru-RU" dirty="0"/>
-              <a:t>Синтез изображения, используется ИИ</a:t>
-            </a:r>
-          </a:p>
-          <a:p>
-            <a:r>
-              <a:rPr lang="ru-RU" dirty="0"/>
-              <a:t>Часто используют </a:t>
-            </a:r>
-            <a:r>
-              <a:rPr lang="ru-RU" dirty="0" err="1"/>
-              <a:t>генеративно</a:t>
-            </a:r>
-            <a:r>
-              <a:rPr lang="ru-RU" dirty="0"/>
-              <a:t>-состязательные нейросети (GAN).</a:t>
-            </a:r>
-          </a:p>
-          <a:p>
-            <a:r>
-              <a:rPr lang="ru-RU" dirty="0"/>
-              <a:t>Поддельные видео, новости и вредоносные обманы.</a:t>
-            </a:r>
-          </a:p>
-          <a:p>
-            <a:r>
-              <a:rPr lang="ru-RU" dirty="0"/>
-              <a:t>Ролики на </a:t>
-            </a:r>
-            <a:r>
-              <a:rPr lang="ru-RU" dirty="0" err="1"/>
-              <a:t>YouTube</a:t>
-            </a:r>
-            <a:r>
-              <a:rPr lang="ru-RU" dirty="0"/>
-              <a:t> или Vimeo.</a:t>
-            </a:r>
-          </a:p>
-          <a:p>
-            <a:r>
-              <a:rPr lang="ru-RU" dirty="0"/>
-              <a:t>Есть ПО для распознавания факта вмешательства в видео, например, </a:t>
-            </a:r>
-            <a:r>
-              <a:rPr lang="ru-RU" dirty="0" err="1"/>
-              <a:t>Microsoft</a:t>
-            </a:r>
-            <a:r>
-              <a:rPr lang="ru-RU" dirty="0"/>
-              <a:t> </a:t>
-            </a:r>
-            <a:r>
-              <a:rPr lang="ru-RU" dirty="0" err="1"/>
-              <a:t>Video</a:t>
-            </a:r>
-            <a:r>
-              <a:rPr lang="ru-RU" dirty="0"/>
-              <a:t> </a:t>
-            </a:r>
-            <a:r>
-              <a:rPr lang="ru-RU" dirty="0" err="1"/>
-              <a:t>Authenticator</a:t>
-            </a:r>
-            <a:endParaRPr lang="ru-RU" dirty="0"/>
-          </a:p>
-          <a:p>
-            <a:endParaRPr lang="ru-RU" altLang="ru-RU" dirty="0"/>
-          </a:p>
-        </p:txBody>
-      </p:sp>
       <p:pic>
         <p:nvPicPr>
           <p:cNvPr id="4" name="Объект 1">
@@ -5063,8 +5150,8 @@
         </p:nvSpPr>
         <p:spPr>
           <a:xfrm>
-            <a:off x="1946032" y="228996"/>
-            <a:ext cx="8441168" cy="461665"/>
+            <a:off x="1557809" y="173870"/>
+            <a:ext cx="10069331" cy="461665"/>
           </a:xfrm>
           <a:prstGeom prst="rect">
             <a:avLst/>
@@ -5172,25 +5259,361 @@
           </a:lstStyle>
           <a:p>
             <a:r>
-              <a:rPr lang="en-US" sz="2400" b="1" dirty="0" err="1">
+              <a:rPr lang="ru-RU" sz="2400" b="1" dirty="0">
                 <a:solidFill>
                   <a:srgbClr val="FF0000"/>
                 </a:solidFill>
               </a:rPr>
+              <a:t>Применение </a:t>
+            </a:r>
+            <a:r>
+              <a:rPr lang="ru-RU" sz="2400" b="1" dirty="0" err="1">
+                <a:solidFill>
+                  <a:srgbClr val="FF0000"/>
+                </a:solidFill>
+              </a:rPr>
+              <a:t>генеративно</a:t>
+            </a:r>
+            <a:r>
+              <a:rPr lang="ru-RU" sz="2400" b="1" dirty="0">
+                <a:solidFill>
+                  <a:srgbClr val="FF0000"/>
+                </a:solidFill>
+              </a:rPr>
+              <a:t>-состязательных моделей в кибербезопасности</a:t>
+            </a:r>
+          </a:p>
+        </p:txBody>
+      </p:sp>
+      <p:sp>
+        <p:nvSpPr>
+          <p:cNvPr id="11" name="Объект 2">
+            <a:extLst>
+              <a:ext uri="{FF2B5EF4-FFF2-40B4-BE49-F238E27FC236}">
+                <a16:creationId xmlns:a16="http://schemas.microsoft.com/office/drawing/2014/main" id="{A8E54893-86D1-4411-A5B1-3A5BE142940D}"/>
+              </a:ext>
+            </a:extLst>
+          </p:cNvPr>
+          <p:cNvSpPr>
+            <a:spLocks noGrp="1"/>
+          </p:cNvSpPr>
+          <p:nvPr>
+            <p:ph idx="1"/>
+          </p:nvPr>
+        </p:nvSpPr>
+        <p:spPr>
+          <a:xfrm>
+            <a:off x="509588" y="1381125"/>
+            <a:ext cx="5416550" cy="2646363"/>
+          </a:xfrm>
+        </p:spPr>
+        <p:txBody>
+          <a:bodyPr/>
+          <a:lstStyle/>
+          <a:p>
+            <a:pPr marL="0" indent="0">
+              <a:buNone/>
+            </a:pPr>
+            <a:r>
+              <a:rPr lang="ru-RU" altLang="ru-RU" dirty="0"/>
+              <a:t>Атака</a:t>
+            </a:r>
+          </a:p>
+          <a:p>
+            <a:pPr lvl="1"/>
+            <a:r>
+              <a:rPr lang="ru-RU" altLang="ru-RU" dirty="0"/>
+              <a:t>маскировка, адаптация </a:t>
+            </a:r>
+            <a:r>
+              <a:rPr lang="ru-RU" altLang="ru-RU" dirty="0" err="1"/>
+              <a:t>зловреда</a:t>
+            </a:r>
+            <a:endParaRPr lang="ru-RU" altLang="ru-RU" dirty="0"/>
+          </a:p>
+          <a:p>
+            <a:pPr lvl="1"/>
+            <a:r>
+              <a:rPr lang="ru-RU" altLang="ru-RU" dirty="0"/>
+              <a:t>интеллектуальный подбор данных</a:t>
+            </a:r>
+          </a:p>
+          <a:p>
+            <a:pPr lvl="1"/>
+            <a:r>
+              <a:rPr lang="ru-RU" altLang="ru-RU" dirty="0"/>
+              <a:t>фишинг</a:t>
+            </a:r>
+          </a:p>
+          <a:p>
+            <a:pPr lvl="1"/>
+            <a:r>
+              <a:rPr lang="en-US" altLang="ru-RU" dirty="0" err="1"/>
               <a:t>DeepFake</a:t>
             </a:r>
-            <a:endParaRPr lang="ru-RU" sz="2400" b="1" dirty="0">
-              <a:solidFill>
-                <a:srgbClr val="FF0000"/>
-              </a:solidFill>
-            </a:endParaRPr>
+            <a:endParaRPr lang="ru-RU" altLang="ru-RU" dirty="0"/>
+          </a:p>
+          <a:p>
+            <a:pPr lvl="1"/>
+            <a:r>
+              <a:rPr lang="ru-RU" altLang="ru-RU" dirty="0"/>
+              <a:t>генерация доменных имен (</a:t>
+            </a:r>
+            <a:r>
+              <a:rPr lang="en-US" altLang="ru-RU" dirty="0"/>
+              <a:t>DGA</a:t>
+            </a:r>
+            <a:r>
+              <a:rPr lang="ru-RU" altLang="ru-RU" dirty="0"/>
+              <a:t>)</a:t>
+            </a:r>
+          </a:p>
+          <a:p>
+            <a:pPr lvl="1"/>
+            <a:endParaRPr lang="ru-RU" altLang="ru-RU" dirty="0"/>
+          </a:p>
+        </p:txBody>
+      </p:sp>
+      <p:pic>
+        <p:nvPicPr>
+          <p:cNvPr id="12" name="Рисунок 4">
+            <a:extLst>
+              <a:ext uri="{FF2B5EF4-FFF2-40B4-BE49-F238E27FC236}">
+                <a16:creationId xmlns:a16="http://schemas.microsoft.com/office/drawing/2014/main" id="{AB3C4951-D4B4-439F-8191-01FC3596EB3F}"/>
+              </a:ext>
+            </a:extLst>
+          </p:cNvPr>
+          <p:cNvPicPr>
+            <a:picLocks noChangeAspect="1" noChangeArrowheads="1"/>
+          </p:cNvPicPr>
+          <p:nvPr/>
+        </p:nvPicPr>
+        <p:blipFill>
+          <a:blip r:embed="rId3">
+            <a:extLst>
+              <a:ext uri="{28A0092B-C50C-407E-A947-70E740481C1C}">
+                <a14:useLocalDpi xmlns:a14="http://schemas.microsoft.com/office/drawing/2010/main" val="0"/>
+              </a:ext>
+            </a:extLst>
+          </a:blip>
+          <a:srcRect/>
+          <a:stretch>
+            <a:fillRect/>
+          </a:stretch>
+        </p:blipFill>
+        <p:spPr bwMode="auto">
+          <a:xfrm>
+            <a:off x="7543800" y="4027488"/>
+            <a:ext cx="1847850" cy="2490787"/>
+          </a:xfrm>
+          <a:prstGeom prst="rect">
+            <a:avLst/>
+          </a:prstGeom>
+          <a:noFill/>
+          <a:ln>
+            <a:noFill/>
+          </a:ln>
+          <a:extLst>
+            <a:ext uri="{909E8E84-426E-40DD-AFC4-6F175D3DCCD1}">
+              <a14:hiddenFill xmlns:a14="http://schemas.microsoft.com/office/drawing/2010/main">
+                <a:solidFill>
+                  <a:srgbClr val="FFFFFF"/>
+                </a:solidFill>
+              </a14:hiddenFill>
+            </a:ext>
+            <a:ext uri="{91240B29-F687-4F45-9708-019B960494DF}">
+              <a14:hiddenLine xmlns:a14="http://schemas.microsoft.com/office/drawing/2010/main" w="9525">
+                <a:solidFill>
+                  <a:srgbClr val="000000"/>
+                </a:solidFill>
+                <a:miter lim="800000"/>
+                <a:headEnd/>
+                <a:tailEnd/>
+              </a14:hiddenLine>
+            </a:ext>
+          </a:extLst>
+        </p:spPr>
+      </p:pic>
+      <p:pic>
+        <p:nvPicPr>
+          <p:cNvPr id="13" name="Рисунок 6">
+            <a:extLst>
+              <a:ext uri="{FF2B5EF4-FFF2-40B4-BE49-F238E27FC236}">
+                <a16:creationId xmlns:a16="http://schemas.microsoft.com/office/drawing/2014/main" id="{70FAB6D7-D0BA-4BE8-A478-9131069DC546}"/>
+              </a:ext>
+            </a:extLst>
+          </p:cNvPr>
+          <p:cNvPicPr>
+            <a:picLocks noChangeAspect="1" noChangeArrowheads="1"/>
+          </p:cNvPicPr>
+          <p:nvPr/>
+        </p:nvPicPr>
+        <p:blipFill>
+          <a:blip r:embed="rId4">
+            <a:extLst>
+              <a:ext uri="{28A0092B-C50C-407E-A947-70E740481C1C}">
+                <a14:useLocalDpi xmlns:a14="http://schemas.microsoft.com/office/drawing/2010/main" val="0"/>
+              </a:ext>
+            </a:extLst>
+          </a:blip>
+          <a:srcRect/>
+          <a:stretch>
+            <a:fillRect/>
+          </a:stretch>
+        </p:blipFill>
+        <p:spPr bwMode="auto">
+          <a:xfrm>
+            <a:off x="903288" y="4256088"/>
+            <a:ext cx="3744912" cy="2262187"/>
+          </a:xfrm>
+          <a:prstGeom prst="rect">
+            <a:avLst/>
+          </a:prstGeom>
+          <a:noFill/>
+          <a:ln>
+            <a:noFill/>
+          </a:ln>
+          <a:extLst>
+            <a:ext uri="{909E8E84-426E-40DD-AFC4-6F175D3DCCD1}">
+              <a14:hiddenFill xmlns:a14="http://schemas.microsoft.com/office/drawing/2010/main">
+                <a:solidFill>
+                  <a:srgbClr val="FFFFFF"/>
+                </a:solidFill>
+              </a14:hiddenFill>
+            </a:ext>
+            <a:ext uri="{91240B29-F687-4F45-9708-019B960494DF}">
+              <a14:hiddenLine xmlns:a14="http://schemas.microsoft.com/office/drawing/2010/main" w="9525">
+                <a:solidFill>
+                  <a:srgbClr val="000000"/>
+                </a:solidFill>
+                <a:miter lim="800000"/>
+                <a:headEnd/>
+                <a:tailEnd/>
+              </a14:hiddenLine>
+            </a:ext>
+          </a:extLst>
+        </p:spPr>
+      </p:pic>
+      <p:sp>
+        <p:nvSpPr>
+          <p:cNvPr id="14" name="Прямоугольник 13">
+            <a:extLst>
+              <a:ext uri="{FF2B5EF4-FFF2-40B4-BE49-F238E27FC236}">
+                <a16:creationId xmlns:a16="http://schemas.microsoft.com/office/drawing/2014/main" id="{0FE134EE-9028-4E64-838D-0C70764046D8}"/>
+              </a:ext>
+            </a:extLst>
+          </p:cNvPr>
+          <p:cNvSpPr/>
+          <p:nvPr/>
+        </p:nvSpPr>
+        <p:spPr>
+          <a:xfrm>
+            <a:off x="6096000" y="1381125"/>
+            <a:ext cx="5681663" cy="2369880"/>
+          </a:xfrm>
+          <a:prstGeom prst="rect">
+            <a:avLst/>
+          </a:prstGeom>
+        </p:spPr>
+        <p:txBody>
+          <a:bodyPr>
+            <a:spAutoFit/>
+          </a:bodyPr>
+          <a:lstStyle/>
+          <a:p>
+            <a:pPr>
+              <a:defRPr/>
+            </a:pPr>
+            <a:r>
+              <a:rPr lang="ru-RU" sz="2800" dirty="0">
+                <a:latin typeface="+mn-lt"/>
+                <a:cs typeface="+mn-cs"/>
+              </a:rPr>
+              <a:t>Оборона</a:t>
+            </a:r>
+          </a:p>
+          <a:p>
+            <a:pPr marL="914400" lvl="1" indent="-457200">
+              <a:buFont typeface="Arial" panose="020B0604020202020204" pitchFamily="34" charset="0"/>
+              <a:buChar char="•"/>
+              <a:defRPr/>
+            </a:pPr>
+            <a:r>
+              <a:rPr lang="ru-RU" sz="2400" dirty="0"/>
+              <a:t>с</a:t>
+            </a:r>
+            <a:r>
+              <a:rPr lang="ru-RU" sz="2400" dirty="0">
+                <a:latin typeface="+mn-lt"/>
+                <a:cs typeface="+mn-cs"/>
+              </a:rPr>
+              <a:t>оздание ловушек</a:t>
+            </a:r>
+            <a:r>
+              <a:rPr lang="ru-RU" sz="2400" dirty="0"/>
+              <a:t> </a:t>
+            </a:r>
+            <a:r>
+              <a:rPr lang="en-US" sz="2400" dirty="0"/>
+              <a:t>honey-pots</a:t>
+            </a:r>
+            <a:endParaRPr lang="ru-RU" sz="2400" dirty="0"/>
+          </a:p>
+          <a:p>
+            <a:pPr marL="914400" lvl="1" indent="-457200">
+              <a:buFont typeface="Arial" panose="020B0604020202020204" pitchFamily="34" charset="0"/>
+              <a:buChar char="•"/>
+              <a:defRPr/>
+            </a:pPr>
+            <a:r>
+              <a:rPr lang="ru-RU" sz="2400" dirty="0" err="1"/>
+              <a:t>о</a:t>
+            </a:r>
+            <a:r>
+              <a:rPr lang="ru-RU" sz="2400" dirty="0" err="1">
+                <a:latin typeface="+mn-lt"/>
+                <a:cs typeface="+mn-cs"/>
+              </a:rPr>
+              <a:t>бфускация</a:t>
+            </a:r>
+            <a:r>
+              <a:rPr lang="ru-RU" sz="2400" dirty="0">
+                <a:latin typeface="+mn-lt"/>
+                <a:cs typeface="+mn-cs"/>
+              </a:rPr>
+              <a:t> (сокрытие) важных данных</a:t>
+            </a:r>
+          </a:p>
+          <a:p>
+            <a:pPr marL="914400" lvl="1" indent="-457200">
+              <a:buFont typeface="Arial" panose="020B0604020202020204" pitchFamily="34" charset="0"/>
+              <a:buChar char="•"/>
+              <a:defRPr/>
+            </a:pPr>
+            <a:r>
+              <a:rPr lang="ru-RU" sz="2400" dirty="0"/>
+              <a:t>создание сложных паролей</a:t>
+            </a:r>
+            <a:endParaRPr lang="en-US" sz="2400" dirty="0"/>
+          </a:p>
+          <a:p>
+            <a:pPr marL="914400" lvl="1" indent="-457200">
+              <a:buFont typeface="Arial" panose="020B0604020202020204" pitchFamily="34" charset="0"/>
+              <a:buChar char="•"/>
+              <a:defRPr/>
+            </a:pPr>
+            <a:r>
+              <a:rPr lang="ru-RU" sz="2400" dirty="0"/>
+              <a:t>генерация безопасного кода</a:t>
+            </a:r>
+            <a:endParaRPr lang="en-US" sz="2400" dirty="0"/>
           </a:p>
         </p:txBody>
       </p:sp>
     </p:spTree>
     <p:extLst>
       <p:ext uri="{BB962C8B-B14F-4D97-AF65-F5344CB8AC3E}">
-        <p14:creationId xmlns:p14="http://schemas.microsoft.com/office/powerpoint/2010/main" val="1943923991"/>
+        <p14:creationId xmlns:p14="http://schemas.microsoft.com/office/powerpoint/2010/main" val="3993459415"/>
       </p:ext>
     </p:extLst>
   </p:cSld>
@@ -5219,7 +5642,130 @@
       </p:grpSpPr>
       <p:sp>
         <p:nvSpPr>
-          <p:cNvPr id="3" name="Прямоугольник 2"/>
+          <p:cNvPr id="3" name="Объект 2">
+            <a:extLst>
+              <a:ext uri="{FF2B5EF4-FFF2-40B4-BE49-F238E27FC236}">
+                <a16:creationId xmlns:a16="http://schemas.microsoft.com/office/drawing/2014/main" id="{5C517EF3-F0AB-4CA9-9685-F39A8C9E76B0}"/>
+              </a:ext>
+            </a:extLst>
+          </p:cNvPr>
+          <p:cNvSpPr>
+            <a:spLocks noGrp="1"/>
+          </p:cNvSpPr>
+          <p:nvPr>
+            <p:ph idx="1"/>
+          </p:nvPr>
+        </p:nvSpPr>
+        <p:spPr>
+          <a:xfrm>
+            <a:off x="671465" y="1586497"/>
+            <a:ext cx="8162142" cy="4531389"/>
+          </a:xfrm>
+        </p:spPr>
+        <p:txBody>
+          <a:bodyPr>
+            <a:normAutofit/>
+          </a:bodyPr>
+          <a:lstStyle/>
+          <a:p>
+            <a:r>
+              <a:rPr lang="ru-RU" dirty="0"/>
+              <a:t>Текстовые сообщения, максимально приближенные по стилю к имитируемому автору</a:t>
+            </a:r>
+          </a:p>
+          <a:p>
+            <a:r>
+              <a:rPr lang="ru-RU" dirty="0"/>
+              <a:t>Использование для фишинга</a:t>
+            </a:r>
+          </a:p>
+          <a:p>
+            <a:r>
+              <a:rPr lang="ru-RU" dirty="0"/>
+              <a:t>Цель: спровоцировать объект атаки (собеседника) на нарушение правил информационной безопасности (клик на ссылку, вредоносный файл, неправомерные или ошибочные действия)</a:t>
+            </a:r>
+          </a:p>
+          <a:p>
+            <a:r>
+              <a:rPr lang="ru-RU" dirty="0"/>
+              <a:t>Сочетание с методами социальной инженерии</a:t>
+            </a:r>
+          </a:p>
+        </p:txBody>
+      </p:sp>
+      <p:pic>
+        <p:nvPicPr>
+          <p:cNvPr id="4" name="Объект 1">
+            <a:extLst>
+              <a:ext uri="{FF2B5EF4-FFF2-40B4-BE49-F238E27FC236}">
+                <a16:creationId xmlns:a16="http://schemas.microsoft.com/office/drawing/2014/main" id="{DD1703EE-3E4E-45F0-AEF9-8EB156A5A428}"/>
+              </a:ext>
+            </a:extLst>
+          </p:cNvPr>
+          <p:cNvPicPr>
+            <a:picLocks noChangeAspect="1"/>
+          </p:cNvPicPr>
+          <p:nvPr/>
+        </p:nvPicPr>
+        <p:blipFill rotWithShape="1">
+          <a:blip r:embed="rId2" cstate="print">
+            <a:extLst>
+              <a:ext uri="{28A0092B-C50C-407E-A947-70E740481C1C}">
+                <a14:useLocalDpi xmlns:a14="http://schemas.microsoft.com/office/drawing/2010/main" val="0"/>
+              </a:ext>
+            </a:extLst>
+          </a:blip>
+          <a:srcRect r="40340"/>
+          <a:stretch/>
+        </p:blipFill>
+        <p:spPr>
+          <a:xfrm>
+            <a:off x="0" y="25409"/>
+            <a:ext cx="1342931" cy="434420"/>
+          </a:xfrm>
+          <a:prstGeom prst="rect">
+            <a:avLst/>
+          </a:prstGeom>
+        </p:spPr>
+      </p:pic>
+      <p:sp>
+        <p:nvSpPr>
+          <p:cNvPr id="5" name="Номер слайда 4">
+            <a:extLst>
+              <a:ext uri="{FF2B5EF4-FFF2-40B4-BE49-F238E27FC236}">
+                <a16:creationId xmlns:a16="http://schemas.microsoft.com/office/drawing/2014/main" id="{91FB19A0-3217-472C-9218-0E4AB390B9DF}"/>
+              </a:ext>
+            </a:extLst>
+          </p:cNvPr>
+          <p:cNvSpPr>
+            <a:spLocks noGrp="1"/>
+          </p:cNvSpPr>
+          <p:nvPr>
+            <p:ph type="sldNum" sz="quarter" idx="12"/>
+          </p:nvPr>
+        </p:nvSpPr>
+        <p:spPr/>
+        <p:txBody>
+          <a:bodyPr/>
+          <a:lstStyle/>
+          <a:p>
+            <a:fld id="{4B226E06-9C1F-4149-B02B-AA912A5E2CDA}" type="slidenum">
+              <a:rPr lang="ru-RU" smtClean="0"/>
+              <a:t>15</a:t>
+            </a:fld>
+            <a:endParaRPr lang="ru-RU" dirty="0"/>
+          </a:p>
+        </p:txBody>
+      </p:sp>
+      <p:sp>
+        <p:nvSpPr>
+          <p:cNvPr id="9" name="Прямоугольник 8">
+            <a:extLst>
+              <a:ext uri="{FF2B5EF4-FFF2-40B4-BE49-F238E27FC236}">
+                <a16:creationId xmlns:a16="http://schemas.microsoft.com/office/drawing/2014/main" id="{2863F7D7-DA63-4390-9DE9-35206FDC66B3}"/>
+              </a:ext>
+            </a:extLst>
+          </p:cNvPr>
           <p:cNvSpPr/>
           <p:nvPr/>
         </p:nvSpPr>
@@ -5269,10 +5815,10 @@
       </p:sp>
       <p:sp>
         <p:nvSpPr>
-          <p:cNvPr id="4" name="TextBox 9">
+          <p:cNvPr id="10" name="TextBox 9">
             <a:extLst>
               <a:ext uri="{FF2B5EF4-FFF2-40B4-BE49-F238E27FC236}">
-                <a16:creationId xmlns:a16="http://schemas.microsoft.com/office/drawing/2014/main" id="{6D1610F7-A0C9-4E50-9206-D9E394A55B73}"/>
+                <a16:creationId xmlns:a16="http://schemas.microsoft.com/office/drawing/2014/main" id="{66B82180-ABF4-4200-93DC-6ADB89E3D832}"/>
               </a:ext>
             </a:extLst>
           </p:cNvPr>
@@ -5281,7 +5827,7 @@
         </p:nvSpPr>
         <p:spPr>
           <a:xfrm>
-            <a:off x="1946032" y="257088"/>
+            <a:off x="1946032" y="228996"/>
             <a:ext cx="8441168" cy="461665"/>
           </a:xfrm>
           <a:prstGeom prst="rect">
@@ -5395,17 +5941,63 @@
                   <a:srgbClr val="FF0000"/>
                 </a:solidFill>
               </a:rPr>
-              <a:t>Атаки на модели машинного обучения</a:t>
-            </a:r>
-          </a:p>
-        </p:txBody>
-      </p:sp>
-      <p:sp>
-        <p:nvSpPr>
-          <p:cNvPr id="6" name="Номер слайда 5">
+              <a:t>Генерация</a:t>
+            </a:r>
+            <a:r>
+              <a:rPr lang="en-US" sz="2400" b="1" dirty="0">
+                <a:solidFill>
+                  <a:srgbClr val="FF0000"/>
+                </a:solidFill>
+              </a:rPr>
+              <a:t> </a:t>
+            </a:r>
+            <a:r>
+              <a:rPr lang="ru-RU" sz="2400" b="1" dirty="0">
+                <a:solidFill>
+                  <a:srgbClr val="FF0000"/>
+                </a:solidFill>
+              </a:rPr>
+              <a:t>фейковых сообщений</a:t>
+            </a:r>
+          </a:p>
+        </p:txBody>
+      </p:sp>
+    </p:spTree>
+    <p:extLst>
+      <p:ext uri="{BB962C8B-B14F-4D97-AF65-F5344CB8AC3E}">
+        <p14:creationId xmlns:p14="http://schemas.microsoft.com/office/powerpoint/2010/main" val="3577183864"/>
+      </p:ext>
+    </p:extLst>
+  </p:cSld>
+  <p:clrMapOvr>
+    <a:masterClrMapping/>
+  </p:clrMapOvr>
+</p:sld>
+</file>
+
+<file path=ppt/slides/slide16.xml><?xml version="1.0" encoding="utf-8"?>
+<p:sld xmlns:a="http://schemas.openxmlformats.org/drawingml/2006/main" xmlns:r="http://schemas.openxmlformats.org/officeDocument/2006/relationships" xmlns:p="http://schemas.openxmlformats.org/presentationml/2006/main">
+  <p:cSld>
+    <p:spTree>
+      <p:nvGrpSpPr>
+        <p:cNvPr id="1" name=""/>
+        <p:cNvGrpSpPr/>
+        <p:nvPr/>
+      </p:nvGrpSpPr>
+      <p:grpSpPr>
+        <a:xfrm>
+          <a:off x="0" y="0"/>
+          <a:ext cx="0" cy="0"/>
+          <a:chOff x="0" y="0"/>
+          <a:chExt cx="0" cy="0"/>
+        </a:xfrm>
+      </p:grpSpPr>
+      <p:sp>
+        <p:nvSpPr>
+          <p:cNvPr id="3" name="Объект 2">
             <a:extLst>
               <a:ext uri="{FF2B5EF4-FFF2-40B4-BE49-F238E27FC236}">
-                <a16:creationId xmlns:a16="http://schemas.microsoft.com/office/drawing/2014/main" id="{2A73E36B-93CF-4B6D-9D12-D242EBAEB367}"/>
+                <a16:creationId xmlns:a16="http://schemas.microsoft.com/office/drawing/2014/main" id="{5C517EF3-F0AB-4CA9-9685-F39A8C9E76B0}"/>
               </a:ext>
             </a:extLst>
           </p:cNvPr>
@@ -5413,93 +6005,137 @@
             <a:spLocks noGrp="1"/>
           </p:cNvSpPr>
           <p:nvPr>
-            <p:ph type="sldNum" sz="quarter" idx="12"/>
+            <p:ph idx="1"/>
           </p:nvPr>
-        </p:nvSpPr>
-        <p:spPr/>
-        <p:txBody>
-          <a:bodyPr/>
-          <a:lstStyle/>
-          <a:p>
-            <a:fld id="{FF9AC15E-FCD1-4167-800F-1DB8497ABFCE}" type="slidenum">
-              <a:rPr lang="ru-RU" smtClean="0"/>
-              <a:t>15</a:t>
-            </a:fld>
-            <a:endParaRPr lang="ru-RU"/>
-          </a:p>
-        </p:txBody>
-      </p:sp>
-      <p:sp>
-        <p:nvSpPr>
-          <p:cNvPr id="9" name="Прямоугольник 8">
-            <a:extLst>
-              <a:ext uri="{FF2B5EF4-FFF2-40B4-BE49-F238E27FC236}">
-                <a16:creationId xmlns:a16="http://schemas.microsoft.com/office/drawing/2014/main" id="{DEE9E6AD-E932-4E4C-BBED-A1105C7347FF}"/>
-              </a:ext>
-            </a:extLst>
-          </p:cNvPr>
-          <p:cNvSpPr/>
-          <p:nvPr/>
         </p:nvSpPr>
         <p:spPr>
           <a:xfrm>
-            <a:off x="603100" y="1505520"/>
-            <a:ext cx="5726915" cy="3416320"/>
-          </a:xfrm>
-          <a:prstGeom prst="rect">
-            <a:avLst/>
-          </a:prstGeom>
-        </p:spPr>
-        <p:txBody>
-          <a:bodyPr wrap="square">
-            <a:spAutoFit/>
+            <a:off x="671465" y="1586497"/>
+            <a:ext cx="8162142" cy="4531389"/>
+          </a:xfrm>
+        </p:spPr>
+        <p:txBody>
+          <a:bodyPr>
+            <a:normAutofit/>
           </a:bodyPr>
           <a:lstStyle/>
           <a:p>
-            <a:pPr marL="285750" indent="-285750">
-              <a:buFont typeface="Arial" panose="020B0604020202020204" pitchFamily="34" charset="0"/>
-              <a:buChar char="•"/>
-            </a:pPr>
-            <a:r>
-              <a:rPr lang="ru-RU" altLang="ru-RU" sz="2400" dirty="0"/>
-              <a:t>Извлечение: кража и обратный инжиниринг модели</a:t>
-            </a:r>
-          </a:p>
-          <a:p>
-            <a:pPr marL="285750" indent="-285750">
-              <a:buFont typeface="Arial" panose="020B0604020202020204" pitchFamily="34" charset="0"/>
-              <a:buChar char="•"/>
-            </a:pPr>
-            <a:r>
-              <a:rPr lang="ru-RU" altLang="ru-RU" sz="2400" dirty="0"/>
-              <a:t>Уклонение: незначительное изменение значений признаков для обмана модели</a:t>
-            </a:r>
-          </a:p>
-          <a:p>
-            <a:pPr marL="285750" indent="-285750">
-              <a:buFont typeface="Arial" panose="020B0604020202020204" pitchFamily="34" charset="0"/>
-              <a:buChar char="•"/>
-            </a:pPr>
-            <a:r>
-              <a:rPr lang="ru-RU" altLang="ru-RU" sz="2400" dirty="0"/>
-              <a:t>Отравление данных: манипуляция входными данными для изменения логики работы модели</a:t>
-            </a:r>
-          </a:p>
-          <a:p>
-            <a:pPr marL="285750" indent="-285750">
-              <a:buFont typeface="Arial" panose="020B0604020202020204" pitchFamily="34" charset="0"/>
-              <a:buChar char="•"/>
-            </a:pPr>
-            <a:endParaRPr lang="ru-RU" sz="2400" dirty="0"/>
+            <a:r>
+              <a:rPr lang="ru-RU" dirty="0" err="1"/>
+              <a:t>Deepfake</a:t>
+            </a:r>
+            <a:r>
+              <a:rPr lang="ru-RU" dirty="0"/>
+              <a:t> (</a:t>
+            </a:r>
+            <a:r>
+              <a:rPr lang="ru-RU" dirty="0" err="1"/>
+              <a:t>дипфейк</a:t>
+            </a:r>
+            <a:r>
+              <a:rPr lang="ru-RU" dirty="0"/>
+              <a:t>): «</a:t>
+            </a:r>
+            <a:r>
+              <a:rPr lang="ru-RU" dirty="0" err="1"/>
+              <a:t>deep</a:t>
+            </a:r>
+            <a:r>
+              <a:rPr lang="ru-RU" dirty="0"/>
+              <a:t> </a:t>
+            </a:r>
+            <a:r>
+              <a:rPr lang="ru-RU" dirty="0" err="1"/>
+              <a:t>learning</a:t>
+            </a:r>
+            <a:r>
+              <a:rPr lang="ru-RU" dirty="0"/>
+              <a:t>» + </a:t>
+            </a:r>
+            <a:r>
+              <a:rPr lang="ru-RU" dirty="0" err="1"/>
+              <a:t>fake</a:t>
+            </a:r>
+            <a:r>
+              <a:rPr lang="ru-RU" dirty="0"/>
+              <a:t> </a:t>
+            </a:r>
+          </a:p>
+          <a:p>
+            <a:r>
+              <a:rPr lang="ru-RU" dirty="0"/>
+              <a:t>Синтез изображения, используется ИИ</a:t>
+            </a:r>
+          </a:p>
+          <a:p>
+            <a:r>
+              <a:rPr lang="ru-RU" dirty="0"/>
+              <a:t>Часто используют </a:t>
+            </a:r>
+            <a:r>
+              <a:rPr lang="ru-RU" dirty="0" err="1"/>
+              <a:t>генеративно</a:t>
+            </a:r>
+            <a:r>
+              <a:rPr lang="ru-RU" dirty="0"/>
+              <a:t>-состязательные нейросети (GAN).</a:t>
+            </a:r>
+          </a:p>
+          <a:p>
+            <a:r>
+              <a:rPr lang="ru-RU" dirty="0"/>
+              <a:t>Поддельные видео, новости и вредоносные обманы.</a:t>
+            </a:r>
+          </a:p>
+          <a:p>
+            <a:r>
+              <a:rPr lang="ru-RU" dirty="0"/>
+              <a:t>Ролики на </a:t>
+            </a:r>
+            <a:r>
+              <a:rPr lang="ru-RU" dirty="0" err="1"/>
+              <a:t>YouTube</a:t>
+            </a:r>
+            <a:r>
+              <a:rPr lang="ru-RU" dirty="0"/>
+              <a:t> или Vimeo.</a:t>
+            </a:r>
+          </a:p>
+          <a:p>
+            <a:r>
+              <a:rPr lang="ru-RU" dirty="0"/>
+              <a:t>Есть ПО для распознавания факта вмешательства в видео, например, </a:t>
+            </a:r>
+            <a:r>
+              <a:rPr lang="ru-RU" dirty="0" err="1"/>
+              <a:t>Microsoft</a:t>
+            </a:r>
+            <a:r>
+              <a:rPr lang="ru-RU" dirty="0"/>
+              <a:t> </a:t>
+            </a:r>
+            <a:r>
+              <a:rPr lang="ru-RU" dirty="0" err="1"/>
+              <a:t>Video</a:t>
+            </a:r>
+            <a:r>
+              <a:rPr lang="ru-RU" dirty="0"/>
+              <a:t> </a:t>
+            </a:r>
+            <a:r>
+              <a:rPr lang="ru-RU" dirty="0" err="1"/>
+              <a:t>Authenticator</a:t>
+            </a:r>
+            <a:endParaRPr lang="ru-RU" dirty="0"/>
           </a:p>
         </p:txBody>
       </p:sp>
       <p:pic>
         <p:nvPicPr>
-          <p:cNvPr id="10" name="Объект 1">
+          <p:cNvPr id="4" name="Объект 1">
             <a:extLst>
               <a:ext uri="{FF2B5EF4-FFF2-40B4-BE49-F238E27FC236}">
-                <a16:creationId xmlns:a16="http://schemas.microsoft.com/office/drawing/2014/main" id="{3FC5041F-0F49-8B4E-93D9-7A88740D06BE}"/>
+                <a16:creationId xmlns:a16="http://schemas.microsoft.com/office/drawing/2014/main" id="{DD1703EE-3E4E-45F0-AEF9-8EB156A5A428}"/>
               </a:ext>
             </a:extLst>
           </p:cNvPr>
@@ -5521,6 +6157,571 @@
         </p:blipFill>
         <p:spPr>
           <a:xfrm>
+            <a:off x="0" y="25409"/>
+            <a:ext cx="1342931" cy="434420"/>
+          </a:xfrm>
+          <a:prstGeom prst="rect">
+            <a:avLst/>
+          </a:prstGeom>
+        </p:spPr>
+      </p:pic>
+      <p:sp>
+        <p:nvSpPr>
+          <p:cNvPr id="5" name="Номер слайда 4">
+            <a:extLst>
+              <a:ext uri="{FF2B5EF4-FFF2-40B4-BE49-F238E27FC236}">
+                <a16:creationId xmlns:a16="http://schemas.microsoft.com/office/drawing/2014/main" id="{91FB19A0-3217-472C-9218-0E4AB390B9DF}"/>
+              </a:ext>
+            </a:extLst>
+          </p:cNvPr>
+          <p:cNvSpPr>
+            <a:spLocks noGrp="1"/>
+          </p:cNvSpPr>
+          <p:nvPr>
+            <p:ph type="sldNum" sz="quarter" idx="12"/>
+          </p:nvPr>
+        </p:nvSpPr>
+        <p:spPr/>
+        <p:txBody>
+          <a:bodyPr/>
+          <a:lstStyle/>
+          <a:p>
+            <a:fld id="{4B226E06-9C1F-4149-B02B-AA912A5E2CDA}" type="slidenum">
+              <a:rPr lang="ru-RU" smtClean="0"/>
+              <a:t>16</a:t>
+            </a:fld>
+            <a:endParaRPr lang="ru-RU" dirty="0"/>
+          </a:p>
+        </p:txBody>
+      </p:sp>
+      <p:sp>
+        <p:nvSpPr>
+          <p:cNvPr id="9" name="Прямоугольник 8">
+            <a:extLst>
+              <a:ext uri="{FF2B5EF4-FFF2-40B4-BE49-F238E27FC236}">
+                <a16:creationId xmlns:a16="http://schemas.microsoft.com/office/drawing/2014/main" id="{2863F7D7-DA63-4390-9DE9-35206FDC66B3}"/>
+              </a:ext>
+            </a:extLst>
+          </p:cNvPr>
+          <p:cNvSpPr/>
+          <p:nvPr/>
+        </p:nvSpPr>
+        <p:spPr>
+          <a:xfrm flipV="1">
+            <a:off x="925620" y="920165"/>
+            <a:ext cx="10865327" cy="21600"/>
+          </a:xfrm>
+          <a:prstGeom prst="rect">
+            <a:avLst/>
+          </a:prstGeom>
+          <a:solidFill>
+            <a:srgbClr val="E20443"/>
+          </a:solidFill>
+          <a:ln>
+            <a:noFill/>
+          </a:ln>
+        </p:spPr>
+        <p:style>
+          <a:lnRef idx="2">
+            <a:schemeClr val="accent1">
+              <a:shade val="50000"/>
+            </a:schemeClr>
+          </a:lnRef>
+          <a:fillRef idx="1">
+            <a:schemeClr val="accent1"/>
+          </a:fillRef>
+          <a:effectRef idx="0">
+            <a:schemeClr val="accent1"/>
+          </a:effectRef>
+          <a:fontRef idx="minor">
+            <a:schemeClr val="lt1"/>
+          </a:fontRef>
+        </p:style>
+        <p:txBody>
+          <a:bodyPr rtlCol="0" anchor="ctr"/>
+          <a:lstStyle/>
+          <a:p>
+            <a:pPr algn="ctr"/>
+            <a:endParaRPr lang="ru-RU">
+              <a:solidFill>
+                <a:srgbClr val="E20443"/>
+              </a:solidFill>
+            </a:endParaRPr>
+          </a:p>
+        </p:txBody>
+      </p:sp>
+      <p:sp>
+        <p:nvSpPr>
+          <p:cNvPr id="10" name="TextBox 9">
+            <a:extLst>
+              <a:ext uri="{FF2B5EF4-FFF2-40B4-BE49-F238E27FC236}">
+                <a16:creationId xmlns:a16="http://schemas.microsoft.com/office/drawing/2014/main" id="{66B82180-ABF4-4200-93DC-6ADB89E3D832}"/>
+              </a:ext>
+            </a:extLst>
+          </p:cNvPr>
+          <p:cNvSpPr txBox="1"/>
+          <p:nvPr/>
+        </p:nvSpPr>
+        <p:spPr>
+          <a:xfrm>
+            <a:off x="1946032" y="228996"/>
+            <a:ext cx="8441168" cy="461665"/>
+          </a:xfrm>
+          <a:prstGeom prst="rect">
+            <a:avLst/>
+          </a:prstGeom>
+          <a:noFill/>
+        </p:spPr>
+        <p:txBody>
+          <a:bodyPr wrap="square" rtlCol="0">
+            <a:spAutoFit/>
+          </a:bodyPr>
+          <a:lstStyle>
+            <a:defPPr>
+              <a:defRPr lang="ru-RU"/>
+            </a:defPPr>
+            <a:lvl1pPr marL="0" algn="l" defTabSz="914400" rtl="0" eaLnBrk="1" latinLnBrk="0" hangingPunct="1">
+              <a:defRPr sz="1800" kern="1200">
+                <a:solidFill>
+                  <a:schemeClr val="tx1"/>
+                </a:solidFill>
+                <a:latin typeface="+mn-lt"/>
+                <a:ea typeface="+mn-ea"/>
+                <a:cs typeface="+mn-cs"/>
+              </a:defRPr>
+            </a:lvl1pPr>
+            <a:lvl2pPr marL="457200" algn="l" defTabSz="914400" rtl="0" eaLnBrk="1" latinLnBrk="0" hangingPunct="1">
+              <a:defRPr sz="1800" kern="1200">
+                <a:solidFill>
+                  <a:schemeClr val="tx1"/>
+                </a:solidFill>
+                <a:latin typeface="+mn-lt"/>
+                <a:ea typeface="+mn-ea"/>
+                <a:cs typeface="+mn-cs"/>
+              </a:defRPr>
+            </a:lvl2pPr>
+            <a:lvl3pPr marL="914400" algn="l" defTabSz="914400" rtl="0" eaLnBrk="1" latinLnBrk="0" hangingPunct="1">
+              <a:defRPr sz="1800" kern="1200">
+                <a:solidFill>
+                  <a:schemeClr val="tx1"/>
+                </a:solidFill>
+                <a:latin typeface="+mn-lt"/>
+                <a:ea typeface="+mn-ea"/>
+                <a:cs typeface="+mn-cs"/>
+              </a:defRPr>
+            </a:lvl3pPr>
+            <a:lvl4pPr marL="1371600" algn="l" defTabSz="914400" rtl="0" eaLnBrk="1" latinLnBrk="0" hangingPunct="1">
+              <a:defRPr sz="1800" kern="1200">
+                <a:solidFill>
+                  <a:schemeClr val="tx1"/>
+                </a:solidFill>
+                <a:latin typeface="+mn-lt"/>
+                <a:ea typeface="+mn-ea"/>
+                <a:cs typeface="+mn-cs"/>
+              </a:defRPr>
+            </a:lvl4pPr>
+            <a:lvl5pPr marL="1828800" algn="l" defTabSz="914400" rtl="0" eaLnBrk="1" latinLnBrk="0" hangingPunct="1">
+              <a:defRPr sz="1800" kern="1200">
+                <a:solidFill>
+                  <a:schemeClr val="tx1"/>
+                </a:solidFill>
+                <a:latin typeface="+mn-lt"/>
+                <a:ea typeface="+mn-ea"/>
+                <a:cs typeface="+mn-cs"/>
+              </a:defRPr>
+            </a:lvl5pPr>
+            <a:lvl6pPr marL="2286000" algn="l" defTabSz="914400" rtl="0" eaLnBrk="1" latinLnBrk="0" hangingPunct="1">
+              <a:defRPr sz="1800" kern="1200">
+                <a:solidFill>
+                  <a:schemeClr val="tx1"/>
+                </a:solidFill>
+                <a:latin typeface="+mn-lt"/>
+                <a:ea typeface="+mn-ea"/>
+                <a:cs typeface="+mn-cs"/>
+              </a:defRPr>
+            </a:lvl6pPr>
+            <a:lvl7pPr marL="2743200" algn="l" defTabSz="914400" rtl="0" eaLnBrk="1" latinLnBrk="0" hangingPunct="1">
+              <a:defRPr sz="1800" kern="1200">
+                <a:solidFill>
+                  <a:schemeClr val="tx1"/>
+                </a:solidFill>
+                <a:latin typeface="+mn-lt"/>
+                <a:ea typeface="+mn-ea"/>
+                <a:cs typeface="+mn-cs"/>
+              </a:defRPr>
+            </a:lvl7pPr>
+            <a:lvl8pPr marL="3200400" algn="l" defTabSz="914400" rtl="0" eaLnBrk="1" latinLnBrk="0" hangingPunct="1">
+              <a:defRPr sz="1800" kern="1200">
+                <a:solidFill>
+                  <a:schemeClr val="tx1"/>
+                </a:solidFill>
+                <a:latin typeface="+mn-lt"/>
+                <a:ea typeface="+mn-ea"/>
+                <a:cs typeface="+mn-cs"/>
+              </a:defRPr>
+            </a:lvl8pPr>
+            <a:lvl9pPr marL="3657600" algn="l" defTabSz="914400" rtl="0" eaLnBrk="1" latinLnBrk="0" hangingPunct="1">
+              <a:defRPr sz="1800" kern="1200">
+                <a:solidFill>
+                  <a:schemeClr val="tx1"/>
+                </a:solidFill>
+                <a:latin typeface="+mn-lt"/>
+                <a:ea typeface="+mn-ea"/>
+                <a:cs typeface="+mn-cs"/>
+              </a:defRPr>
+            </a:lvl9pPr>
+          </a:lstStyle>
+          <a:p>
+            <a:r>
+              <a:rPr lang="en-US" sz="2400" b="1" dirty="0" err="1">
+                <a:solidFill>
+                  <a:srgbClr val="FF0000"/>
+                </a:solidFill>
+              </a:rPr>
+              <a:t>DeepFake</a:t>
+            </a:r>
+            <a:endParaRPr lang="ru-RU" sz="2400" b="1" dirty="0">
+              <a:solidFill>
+                <a:srgbClr val="FF0000"/>
+              </a:solidFill>
+            </a:endParaRPr>
+          </a:p>
+        </p:txBody>
+      </p:sp>
+    </p:spTree>
+    <p:extLst>
+      <p:ext uri="{BB962C8B-B14F-4D97-AF65-F5344CB8AC3E}">
+        <p14:creationId xmlns:p14="http://schemas.microsoft.com/office/powerpoint/2010/main" val="1943923991"/>
+      </p:ext>
+    </p:extLst>
+  </p:cSld>
+  <p:clrMapOvr>
+    <a:masterClrMapping/>
+  </p:clrMapOvr>
+</p:sld>
+</file>
+
+<file path=ppt/slides/slide17.xml><?xml version="1.0" encoding="utf-8"?>
+<p:sld xmlns:a="http://schemas.openxmlformats.org/drawingml/2006/main" xmlns:r="http://schemas.openxmlformats.org/officeDocument/2006/relationships" xmlns:p="http://schemas.openxmlformats.org/presentationml/2006/main">
+  <p:cSld>
+    <p:spTree>
+      <p:nvGrpSpPr>
+        <p:cNvPr id="1" name=""/>
+        <p:cNvGrpSpPr/>
+        <p:nvPr/>
+      </p:nvGrpSpPr>
+      <p:grpSpPr>
+        <a:xfrm>
+          <a:off x="0" y="0"/>
+          <a:ext cx="0" cy="0"/>
+          <a:chOff x="0" y="0"/>
+          <a:chExt cx="0" cy="0"/>
+        </a:xfrm>
+      </p:grpSpPr>
+      <p:sp>
+        <p:nvSpPr>
+          <p:cNvPr id="3" name="Прямоугольник 2"/>
+          <p:cNvSpPr/>
+          <p:nvPr/>
+        </p:nvSpPr>
+        <p:spPr>
+          <a:xfrm flipV="1">
+            <a:off x="925620" y="920165"/>
+            <a:ext cx="10865327" cy="21600"/>
+          </a:xfrm>
+          <a:prstGeom prst="rect">
+            <a:avLst/>
+          </a:prstGeom>
+          <a:solidFill>
+            <a:srgbClr val="E20443"/>
+          </a:solidFill>
+          <a:ln>
+            <a:noFill/>
+          </a:ln>
+        </p:spPr>
+        <p:style>
+          <a:lnRef idx="2">
+            <a:schemeClr val="accent1">
+              <a:shade val="50000"/>
+            </a:schemeClr>
+          </a:lnRef>
+          <a:fillRef idx="1">
+            <a:schemeClr val="accent1"/>
+          </a:fillRef>
+          <a:effectRef idx="0">
+            <a:schemeClr val="accent1"/>
+          </a:effectRef>
+          <a:fontRef idx="minor">
+            <a:schemeClr val="lt1"/>
+          </a:fontRef>
+        </p:style>
+        <p:txBody>
+          <a:bodyPr rtlCol="0" anchor="ctr"/>
+          <a:lstStyle/>
+          <a:p>
+            <a:pPr algn="ctr"/>
+            <a:endParaRPr lang="ru-RU">
+              <a:solidFill>
+                <a:srgbClr val="E20443"/>
+              </a:solidFill>
+            </a:endParaRPr>
+          </a:p>
+        </p:txBody>
+      </p:sp>
+      <p:sp>
+        <p:nvSpPr>
+          <p:cNvPr id="4" name="TextBox 9">
+            <a:extLst>
+              <a:ext uri="{FF2B5EF4-FFF2-40B4-BE49-F238E27FC236}">
+                <a16:creationId xmlns:a16="http://schemas.microsoft.com/office/drawing/2014/main" id="{6D1610F7-A0C9-4E50-9206-D9E394A55B73}"/>
+              </a:ext>
+            </a:extLst>
+          </p:cNvPr>
+          <p:cNvSpPr txBox="1"/>
+          <p:nvPr/>
+        </p:nvSpPr>
+        <p:spPr>
+          <a:xfrm>
+            <a:off x="1946032" y="257088"/>
+            <a:ext cx="8441168" cy="461665"/>
+          </a:xfrm>
+          <a:prstGeom prst="rect">
+            <a:avLst/>
+          </a:prstGeom>
+          <a:noFill/>
+        </p:spPr>
+        <p:txBody>
+          <a:bodyPr wrap="square" rtlCol="0">
+            <a:spAutoFit/>
+          </a:bodyPr>
+          <a:lstStyle>
+            <a:defPPr>
+              <a:defRPr lang="ru-RU"/>
+            </a:defPPr>
+            <a:lvl1pPr marL="0" algn="l" defTabSz="914400" rtl="0" eaLnBrk="1" latinLnBrk="0" hangingPunct="1">
+              <a:defRPr sz="1800" kern="1200">
+                <a:solidFill>
+                  <a:schemeClr val="tx1"/>
+                </a:solidFill>
+                <a:latin typeface="+mn-lt"/>
+                <a:ea typeface="+mn-ea"/>
+                <a:cs typeface="+mn-cs"/>
+              </a:defRPr>
+            </a:lvl1pPr>
+            <a:lvl2pPr marL="457200" algn="l" defTabSz="914400" rtl="0" eaLnBrk="1" latinLnBrk="0" hangingPunct="1">
+              <a:defRPr sz="1800" kern="1200">
+                <a:solidFill>
+                  <a:schemeClr val="tx1"/>
+                </a:solidFill>
+                <a:latin typeface="+mn-lt"/>
+                <a:ea typeface="+mn-ea"/>
+                <a:cs typeface="+mn-cs"/>
+              </a:defRPr>
+            </a:lvl2pPr>
+            <a:lvl3pPr marL="914400" algn="l" defTabSz="914400" rtl="0" eaLnBrk="1" latinLnBrk="0" hangingPunct="1">
+              <a:defRPr sz="1800" kern="1200">
+                <a:solidFill>
+                  <a:schemeClr val="tx1"/>
+                </a:solidFill>
+                <a:latin typeface="+mn-lt"/>
+                <a:ea typeface="+mn-ea"/>
+                <a:cs typeface="+mn-cs"/>
+              </a:defRPr>
+            </a:lvl3pPr>
+            <a:lvl4pPr marL="1371600" algn="l" defTabSz="914400" rtl="0" eaLnBrk="1" latinLnBrk="0" hangingPunct="1">
+              <a:defRPr sz="1800" kern="1200">
+                <a:solidFill>
+                  <a:schemeClr val="tx1"/>
+                </a:solidFill>
+                <a:latin typeface="+mn-lt"/>
+                <a:ea typeface="+mn-ea"/>
+                <a:cs typeface="+mn-cs"/>
+              </a:defRPr>
+            </a:lvl4pPr>
+            <a:lvl5pPr marL="1828800" algn="l" defTabSz="914400" rtl="0" eaLnBrk="1" latinLnBrk="0" hangingPunct="1">
+              <a:defRPr sz="1800" kern="1200">
+                <a:solidFill>
+                  <a:schemeClr val="tx1"/>
+                </a:solidFill>
+                <a:latin typeface="+mn-lt"/>
+                <a:ea typeface="+mn-ea"/>
+                <a:cs typeface="+mn-cs"/>
+              </a:defRPr>
+            </a:lvl5pPr>
+            <a:lvl6pPr marL="2286000" algn="l" defTabSz="914400" rtl="0" eaLnBrk="1" latinLnBrk="0" hangingPunct="1">
+              <a:defRPr sz="1800" kern="1200">
+                <a:solidFill>
+                  <a:schemeClr val="tx1"/>
+                </a:solidFill>
+                <a:latin typeface="+mn-lt"/>
+                <a:ea typeface="+mn-ea"/>
+                <a:cs typeface="+mn-cs"/>
+              </a:defRPr>
+            </a:lvl6pPr>
+            <a:lvl7pPr marL="2743200" algn="l" defTabSz="914400" rtl="0" eaLnBrk="1" latinLnBrk="0" hangingPunct="1">
+              <a:defRPr sz="1800" kern="1200">
+                <a:solidFill>
+                  <a:schemeClr val="tx1"/>
+                </a:solidFill>
+                <a:latin typeface="+mn-lt"/>
+                <a:ea typeface="+mn-ea"/>
+                <a:cs typeface="+mn-cs"/>
+              </a:defRPr>
+            </a:lvl7pPr>
+            <a:lvl8pPr marL="3200400" algn="l" defTabSz="914400" rtl="0" eaLnBrk="1" latinLnBrk="0" hangingPunct="1">
+              <a:defRPr sz="1800" kern="1200">
+                <a:solidFill>
+                  <a:schemeClr val="tx1"/>
+                </a:solidFill>
+                <a:latin typeface="+mn-lt"/>
+                <a:ea typeface="+mn-ea"/>
+                <a:cs typeface="+mn-cs"/>
+              </a:defRPr>
+            </a:lvl8pPr>
+            <a:lvl9pPr marL="3657600" algn="l" defTabSz="914400" rtl="0" eaLnBrk="1" latinLnBrk="0" hangingPunct="1">
+              <a:defRPr sz="1800" kern="1200">
+                <a:solidFill>
+                  <a:schemeClr val="tx1"/>
+                </a:solidFill>
+                <a:latin typeface="+mn-lt"/>
+                <a:ea typeface="+mn-ea"/>
+                <a:cs typeface="+mn-cs"/>
+              </a:defRPr>
+            </a:lvl9pPr>
+          </a:lstStyle>
+          <a:p>
+            <a:r>
+              <a:rPr lang="ru-RU" sz="2400" b="1" dirty="0">
+                <a:solidFill>
+                  <a:srgbClr val="FF0000"/>
+                </a:solidFill>
+              </a:rPr>
+              <a:t>Атаки на модели машинного обучения</a:t>
+            </a:r>
+          </a:p>
+        </p:txBody>
+      </p:sp>
+      <p:sp>
+        <p:nvSpPr>
+          <p:cNvPr id="6" name="Номер слайда 5">
+            <a:extLst>
+              <a:ext uri="{FF2B5EF4-FFF2-40B4-BE49-F238E27FC236}">
+                <a16:creationId xmlns:a16="http://schemas.microsoft.com/office/drawing/2014/main" id="{2A73E36B-93CF-4B6D-9D12-D242EBAEB367}"/>
+              </a:ext>
+            </a:extLst>
+          </p:cNvPr>
+          <p:cNvSpPr>
+            <a:spLocks noGrp="1"/>
+          </p:cNvSpPr>
+          <p:nvPr>
+            <p:ph type="sldNum" sz="quarter" idx="12"/>
+          </p:nvPr>
+        </p:nvSpPr>
+        <p:spPr/>
+        <p:txBody>
+          <a:bodyPr/>
+          <a:lstStyle/>
+          <a:p>
+            <a:fld id="{FF9AC15E-FCD1-4167-800F-1DB8497ABFCE}" type="slidenum">
+              <a:rPr lang="ru-RU" smtClean="0"/>
+              <a:t>17</a:t>
+            </a:fld>
+            <a:endParaRPr lang="ru-RU"/>
+          </a:p>
+        </p:txBody>
+      </p:sp>
+      <p:sp>
+        <p:nvSpPr>
+          <p:cNvPr id="9" name="Прямоугольник 8">
+            <a:extLst>
+              <a:ext uri="{FF2B5EF4-FFF2-40B4-BE49-F238E27FC236}">
+                <a16:creationId xmlns:a16="http://schemas.microsoft.com/office/drawing/2014/main" id="{DEE9E6AD-E932-4E4C-BBED-A1105C7347FF}"/>
+              </a:ext>
+            </a:extLst>
+          </p:cNvPr>
+          <p:cNvSpPr/>
+          <p:nvPr/>
+        </p:nvSpPr>
+        <p:spPr>
+          <a:xfrm>
+            <a:off x="603100" y="1505520"/>
+            <a:ext cx="5726915" cy="3416320"/>
+          </a:xfrm>
+          <a:prstGeom prst="rect">
+            <a:avLst/>
+          </a:prstGeom>
+        </p:spPr>
+        <p:txBody>
+          <a:bodyPr wrap="square">
+            <a:spAutoFit/>
+          </a:bodyPr>
+          <a:lstStyle/>
+          <a:p>
+            <a:pPr marL="285750" indent="-285750">
+              <a:buFont typeface="Arial" panose="020B0604020202020204" pitchFamily="34" charset="0"/>
+              <a:buChar char="•"/>
+            </a:pPr>
+            <a:r>
+              <a:rPr lang="ru-RU" altLang="ru-RU" sz="2400" dirty="0"/>
+              <a:t>Извлечение: кража и обратный инжиниринг модели</a:t>
+            </a:r>
+          </a:p>
+          <a:p>
+            <a:pPr marL="285750" indent="-285750">
+              <a:buFont typeface="Arial" panose="020B0604020202020204" pitchFamily="34" charset="0"/>
+              <a:buChar char="•"/>
+            </a:pPr>
+            <a:r>
+              <a:rPr lang="ru-RU" altLang="ru-RU" sz="2400" dirty="0"/>
+              <a:t>Уклонение: незначительное изменение значений признаков для обмана модели</a:t>
+            </a:r>
+          </a:p>
+          <a:p>
+            <a:pPr marL="285750" indent="-285750">
+              <a:buFont typeface="Arial" panose="020B0604020202020204" pitchFamily="34" charset="0"/>
+              <a:buChar char="•"/>
+            </a:pPr>
+            <a:r>
+              <a:rPr lang="ru-RU" altLang="ru-RU" sz="2400" dirty="0"/>
+              <a:t>Отравление данных: манипуляция входными данными для изменения логики работы модели</a:t>
+            </a:r>
+          </a:p>
+          <a:p>
+            <a:pPr marL="285750" indent="-285750">
+              <a:buFont typeface="Arial" panose="020B0604020202020204" pitchFamily="34" charset="0"/>
+              <a:buChar char="•"/>
+            </a:pPr>
+            <a:endParaRPr lang="ru-RU" sz="2400" dirty="0"/>
+          </a:p>
+        </p:txBody>
+      </p:sp>
+      <p:pic>
+        <p:nvPicPr>
+          <p:cNvPr id="10" name="Объект 1">
+            <a:extLst>
+              <a:ext uri="{FF2B5EF4-FFF2-40B4-BE49-F238E27FC236}">
+                <a16:creationId xmlns:a16="http://schemas.microsoft.com/office/drawing/2014/main" id="{3FC5041F-0F49-8B4E-93D9-7A88740D06BE}"/>
+              </a:ext>
+            </a:extLst>
+          </p:cNvPr>
+          <p:cNvPicPr>
+            <a:picLocks noChangeAspect="1"/>
+          </p:cNvPicPr>
+          <p:nvPr/>
+        </p:nvPicPr>
+        <p:blipFill rotWithShape="1">
+          <a:blip r:embed="rId2" cstate="print">
+            <a:extLst>
+              <a:ext uri="{28A0092B-C50C-407E-A947-70E740481C1C}">
+                <a14:useLocalDpi xmlns:a14="http://schemas.microsoft.com/office/drawing/2010/main" val="0"/>
+              </a:ext>
+            </a:extLst>
+          </a:blip>
+          <a:srcRect r="40340"/>
+          <a:stretch/>
+        </p:blipFill>
+        <p:spPr>
+          <a:xfrm>
             <a:off x="603100" y="319559"/>
             <a:ext cx="1342931" cy="434420"/>
           </a:xfrm>
@@ -5558,7 +6759,7 @@
         </p:blipFill>
         <p:spPr bwMode="auto">
           <a:xfrm>
-            <a:off x="6894056" y="2753402"/>
+            <a:off x="6852111" y="1293717"/>
             <a:ext cx="4607281" cy="1791311"/>
           </a:xfrm>
           <a:prstGeom prst="rect">
@@ -5602,7 +6803,337 @@
 </p:sld>
 </file>
 
-<file path=ppt/slides/slide16.xml><?xml version="1.0" encoding="utf-8"?>
+<file path=ppt/slides/slide18.xml><?xml version="1.0" encoding="utf-8"?>
+<p:sld xmlns:a="http://schemas.openxmlformats.org/drawingml/2006/main" xmlns:r="http://schemas.openxmlformats.org/officeDocument/2006/relationships" xmlns:p="http://schemas.openxmlformats.org/presentationml/2006/main">
+  <p:cSld>
+    <p:spTree>
+      <p:nvGrpSpPr>
+        <p:cNvPr id="1" name=""/>
+        <p:cNvGrpSpPr/>
+        <p:nvPr/>
+      </p:nvGrpSpPr>
+      <p:grpSpPr>
+        <a:xfrm>
+          <a:off x="0" y="0"/>
+          <a:ext cx="0" cy="0"/>
+          <a:chOff x="0" y="0"/>
+          <a:chExt cx="0" cy="0"/>
+        </a:xfrm>
+      </p:grpSpPr>
+      <p:sp>
+        <p:nvSpPr>
+          <p:cNvPr id="3" name="Объект 2">
+            <a:extLst>
+              <a:ext uri="{FF2B5EF4-FFF2-40B4-BE49-F238E27FC236}">
+                <a16:creationId xmlns:a16="http://schemas.microsoft.com/office/drawing/2014/main" id="{5C517EF3-F0AB-4CA9-9685-F39A8C9E76B0}"/>
+              </a:ext>
+            </a:extLst>
+          </p:cNvPr>
+          <p:cNvSpPr>
+            <a:spLocks noGrp="1"/>
+          </p:cNvSpPr>
+          <p:nvPr>
+            <p:ph idx="1"/>
+          </p:nvPr>
+        </p:nvSpPr>
+        <p:spPr>
+          <a:xfrm>
+            <a:off x="671465" y="1586497"/>
+            <a:ext cx="8162142" cy="4531389"/>
+          </a:xfrm>
+        </p:spPr>
+        <p:txBody>
+          <a:bodyPr>
+            <a:normAutofit/>
+          </a:bodyPr>
+          <a:lstStyle/>
+          <a:p>
+            <a:r>
+              <a:rPr lang="ru-RU" dirty="0"/>
+              <a:t>Используется персонифицированная информация об объекте атаки, позволяющая сделать фишинговое письмо эффективным</a:t>
+            </a:r>
+          </a:p>
+          <a:p>
+            <a:r>
+              <a:rPr lang="ru-RU" dirty="0"/>
+              <a:t>Контент и характеристики фишингового письма модифицируются для сокрытия природы фишинга</a:t>
+            </a:r>
+          </a:p>
+          <a:p>
+            <a:r>
+              <a:rPr lang="ru-RU" dirty="0"/>
+              <a:t>Внешний вид фейкового сайта максимально похож на оригинал внешне (для человеческого глаза), но имеет иную структуру, чем оригинал (невозможно обнаружить похожесть оригинала и фейка автоматизированными методами)</a:t>
+            </a:r>
+          </a:p>
+        </p:txBody>
+      </p:sp>
+      <p:pic>
+        <p:nvPicPr>
+          <p:cNvPr id="4" name="Объект 1">
+            <a:extLst>
+              <a:ext uri="{FF2B5EF4-FFF2-40B4-BE49-F238E27FC236}">
+                <a16:creationId xmlns:a16="http://schemas.microsoft.com/office/drawing/2014/main" id="{DD1703EE-3E4E-45F0-AEF9-8EB156A5A428}"/>
+              </a:ext>
+            </a:extLst>
+          </p:cNvPr>
+          <p:cNvPicPr>
+            <a:picLocks noChangeAspect="1"/>
+          </p:cNvPicPr>
+          <p:nvPr/>
+        </p:nvPicPr>
+        <p:blipFill rotWithShape="1">
+          <a:blip r:embed="rId2" cstate="print">
+            <a:extLst>
+              <a:ext uri="{28A0092B-C50C-407E-A947-70E740481C1C}">
+                <a14:useLocalDpi xmlns:a14="http://schemas.microsoft.com/office/drawing/2010/main" val="0"/>
+              </a:ext>
+            </a:extLst>
+          </a:blip>
+          <a:srcRect r="40340"/>
+          <a:stretch/>
+        </p:blipFill>
+        <p:spPr>
+          <a:xfrm>
+            <a:off x="0" y="25409"/>
+            <a:ext cx="1342931" cy="434420"/>
+          </a:xfrm>
+          <a:prstGeom prst="rect">
+            <a:avLst/>
+          </a:prstGeom>
+        </p:spPr>
+      </p:pic>
+      <p:sp>
+        <p:nvSpPr>
+          <p:cNvPr id="5" name="Номер слайда 4">
+            <a:extLst>
+              <a:ext uri="{FF2B5EF4-FFF2-40B4-BE49-F238E27FC236}">
+                <a16:creationId xmlns:a16="http://schemas.microsoft.com/office/drawing/2014/main" id="{91FB19A0-3217-472C-9218-0E4AB390B9DF}"/>
+              </a:ext>
+            </a:extLst>
+          </p:cNvPr>
+          <p:cNvSpPr>
+            <a:spLocks noGrp="1"/>
+          </p:cNvSpPr>
+          <p:nvPr>
+            <p:ph type="sldNum" sz="quarter" idx="12"/>
+          </p:nvPr>
+        </p:nvSpPr>
+        <p:spPr/>
+        <p:txBody>
+          <a:bodyPr/>
+          <a:lstStyle/>
+          <a:p>
+            <a:fld id="{4B226E06-9C1F-4149-B02B-AA912A5E2CDA}" type="slidenum">
+              <a:rPr lang="ru-RU" smtClean="0"/>
+              <a:t>18</a:t>
+            </a:fld>
+            <a:endParaRPr lang="ru-RU" dirty="0"/>
+          </a:p>
+        </p:txBody>
+      </p:sp>
+      <p:sp>
+        <p:nvSpPr>
+          <p:cNvPr id="9" name="Прямоугольник 8">
+            <a:extLst>
+              <a:ext uri="{FF2B5EF4-FFF2-40B4-BE49-F238E27FC236}">
+                <a16:creationId xmlns:a16="http://schemas.microsoft.com/office/drawing/2014/main" id="{2863F7D7-DA63-4390-9DE9-35206FDC66B3}"/>
+              </a:ext>
+            </a:extLst>
+          </p:cNvPr>
+          <p:cNvSpPr/>
+          <p:nvPr/>
+        </p:nvSpPr>
+        <p:spPr>
+          <a:xfrm flipV="1">
+            <a:off x="925620" y="920165"/>
+            <a:ext cx="10865327" cy="21600"/>
+          </a:xfrm>
+          <a:prstGeom prst="rect">
+            <a:avLst/>
+          </a:prstGeom>
+          <a:solidFill>
+            <a:srgbClr val="E20443"/>
+          </a:solidFill>
+          <a:ln>
+            <a:noFill/>
+          </a:ln>
+        </p:spPr>
+        <p:style>
+          <a:lnRef idx="2">
+            <a:schemeClr val="accent1">
+              <a:shade val="50000"/>
+            </a:schemeClr>
+          </a:lnRef>
+          <a:fillRef idx="1">
+            <a:schemeClr val="accent1"/>
+          </a:fillRef>
+          <a:effectRef idx="0">
+            <a:schemeClr val="accent1"/>
+          </a:effectRef>
+          <a:fontRef idx="minor">
+            <a:schemeClr val="lt1"/>
+          </a:fontRef>
+        </p:style>
+        <p:txBody>
+          <a:bodyPr rtlCol="0" anchor="ctr"/>
+          <a:lstStyle/>
+          <a:p>
+            <a:pPr algn="ctr"/>
+            <a:endParaRPr lang="ru-RU">
+              <a:solidFill>
+                <a:srgbClr val="E20443"/>
+              </a:solidFill>
+            </a:endParaRPr>
+          </a:p>
+        </p:txBody>
+      </p:sp>
+      <p:sp>
+        <p:nvSpPr>
+          <p:cNvPr id="10" name="TextBox 9">
+            <a:extLst>
+              <a:ext uri="{FF2B5EF4-FFF2-40B4-BE49-F238E27FC236}">
+                <a16:creationId xmlns:a16="http://schemas.microsoft.com/office/drawing/2014/main" id="{66B82180-ABF4-4200-93DC-6ADB89E3D832}"/>
+              </a:ext>
+            </a:extLst>
+          </p:cNvPr>
+          <p:cNvSpPr txBox="1"/>
+          <p:nvPr/>
+        </p:nvSpPr>
+        <p:spPr>
+          <a:xfrm>
+            <a:off x="1946032" y="228996"/>
+            <a:ext cx="8441168" cy="461665"/>
+          </a:xfrm>
+          <a:prstGeom prst="rect">
+            <a:avLst/>
+          </a:prstGeom>
+          <a:noFill/>
+        </p:spPr>
+        <p:txBody>
+          <a:bodyPr wrap="square" rtlCol="0">
+            <a:spAutoFit/>
+          </a:bodyPr>
+          <a:lstStyle>
+            <a:defPPr>
+              <a:defRPr lang="ru-RU"/>
+            </a:defPPr>
+            <a:lvl1pPr marL="0" algn="l" defTabSz="914400" rtl="0" eaLnBrk="1" latinLnBrk="0" hangingPunct="1">
+              <a:defRPr sz="1800" kern="1200">
+                <a:solidFill>
+                  <a:schemeClr val="tx1"/>
+                </a:solidFill>
+                <a:latin typeface="+mn-lt"/>
+                <a:ea typeface="+mn-ea"/>
+                <a:cs typeface="+mn-cs"/>
+              </a:defRPr>
+            </a:lvl1pPr>
+            <a:lvl2pPr marL="457200" algn="l" defTabSz="914400" rtl="0" eaLnBrk="1" latinLnBrk="0" hangingPunct="1">
+              <a:defRPr sz="1800" kern="1200">
+                <a:solidFill>
+                  <a:schemeClr val="tx1"/>
+                </a:solidFill>
+                <a:latin typeface="+mn-lt"/>
+                <a:ea typeface="+mn-ea"/>
+                <a:cs typeface="+mn-cs"/>
+              </a:defRPr>
+            </a:lvl2pPr>
+            <a:lvl3pPr marL="914400" algn="l" defTabSz="914400" rtl="0" eaLnBrk="1" latinLnBrk="0" hangingPunct="1">
+              <a:defRPr sz="1800" kern="1200">
+                <a:solidFill>
+                  <a:schemeClr val="tx1"/>
+                </a:solidFill>
+                <a:latin typeface="+mn-lt"/>
+                <a:ea typeface="+mn-ea"/>
+                <a:cs typeface="+mn-cs"/>
+              </a:defRPr>
+            </a:lvl3pPr>
+            <a:lvl4pPr marL="1371600" algn="l" defTabSz="914400" rtl="0" eaLnBrk="1" latinLnBrk="0" hangingPunct="1">
+              <a:defRPr sz="1800" kern="1200">
+                <a:solidFill>
+                  <a:schemeClr val="tx1"/>
+                </a:solidFill>
+                <a:latin typeface="+mn-lt"/>
+                <a:ea typeface="+mn-ea"/>
+                <a:cs typeface="+mn-cs"/>
+              </a:defRPr>
+            </a:lvl4pPr>
+            <a:lvl5pPr marL="1828800" algn="l" defTabSz="914400" rtl="0" eaLnBrk="1" latinLnBrk="0" hangingPunct="1">
+              <a:defRPr sz="1800" kern="1200">
+                <a:solidFill>
+                  <a:schemeClr val="tx1"/>
+                </a:solidFill>
+                <a:latin typeface="+mn-lt"/>
+                <a:ea typeface="+mn-ea"/>
+                <a:cs typeface="+mn-cs"/>
+              </a:defRPr>
+            </a:lvl5pPr>
+            <a:lvl6pPr marL="2286000" algn="l" defTabSz="914400" rtl="0" eaLnBrk="1" latinLnBrk="0" hangingPunct="1">
+              <a:defRPr sz="1800" kern="1200">
+                <a:solidFill>
+                  <a:schemeClr val="tx1"/>
+                </a:solidFill>
+                <a:latin typeface="+mn-lt"/>
+                <a:ea typeface="+mn-ea"/>
+                <a:cs typeface="+mn-cs"/>
+              </a:defRPr>
+            </a:lvl6pPr>
+            <a:lvl7pPr marL="2743200" algn="l" defTabSz="914400" rtl="0" eaLnBrk="1" latinLnBrk="0" hangingPunct="1">
+              <a:defRPr sz="1800" kern="1200">
+                <a:solidFill>
+                  <a:schemeClr val="tx1"/>
+                </a:solidFill>
+                <a:latin typeface="+mn-lt"/>
+                <a:ea typeface="+mn-ea"/>
+                <a:cs typeface="+mn-cs"/>
+              </a:defRPr>
+            </a:lvl7pPr>
+            <a:lvl8pPr marL="3200400" algn="l" defTabSz="914400" rtl="0" eaLnBrk="1" latinLnBrk="0" hangingPunct="1">
+              <a:defRPr sz="1800" kern="1200">
+                <a:solidFill>
+                  <a:schemeClr val="tx1"/>
+                </a:solidFill>
+                <a:latin typeface="+mn-lt"/>
+                <a:ea typeface="+mn-ea"/>
+                <a:cs typeface="+mn-cs"/>
+              </a:defRPr>
+            </a:lvl8pPr>
+            <a:lvl9pPr marL="3657600" algn="l" defTabSz="914400" rtl="0" eaLnBrk="1" latinLnBrk="0" hangingPunct="1">
+              <a:defRPr sz="1800" kern="1200">
+                <a:solidFill>
+                  <a:schemeClr val="tx1"/>
+                </a:solidFill>
+                <a:latin typeface="+mn-lt"/>
+                <a:ea typeface="+mn-ea"/>
+                <a:cs typeface="+mn-cs"/>
+              </a:defRPr>
+            </a:lvl9pPr>
+          </a:lstStyle>
+          <a:p>
+            <a:r>
+              <a:rPr lang="ru-RU" sz="2400" b="1" dirty="0">
+                <a:solidFill>
+                  <a:srgbClr val="FF0000"/>
+                </a:solidFill>
+              </a:rPr>
+              <a:t>Генерация фишинга</a:t>
+            </a:r>
+          </a:p>
+        </p:txBody>
+      </p:sp>
+    </p:spTree>
+    <p:extLst>
+      <p:ext uri="{BB962C8B-B14F-4D97-AF65-F5344CB8AC3E}">
+        <p14:creationId xmlns:p14="http://schemas.microsoft.com/office/powerpoint/2010/main" val="765618759"/>
+      </p:ext>
+    </p:extLst>
+  </p:cSld>
+  <p:clrMapOvr>
+    <a:masterClrMapping/>
+  </p:clrMapOvr>
+</p:sld>
+</file>
+
+<file path=ppt/slides/slide19.xml><?xml version="1.0" encoding="utf-8"?>
 <p:sld xmlns:a="http://schemas.openxmlformats.org/drawingml/2006/main" xmlns:r="http://schemas.openxmlformats.org/officeDocument/2006/relationships" xmlns:p="http://schemas.openxmlformats.org/presentationml/2006/main">
   <p:cSld>
     <p:spTree>
@@ -7374,8 +8905,8 @@
         </p:nvSpPr>
         <p:spPr>
           <a:xfrm>
-            <a:off x="464161" y="1071100"/>
-            <a:ext cx="6112808" cy="4770537"/>
+            <a:off x="464160" y="1071100"/>
+            <a:ext cx="6865021" cy="5324535"/>
           </a:xfrm>
           <a:prstGeom prst="rect">
             <a:avLst/>
@@ -7397,7 +8928,37 @@
             </a:r>
             <a:r>
               <a:rPr lang="ru-RU" sz="2000" dirty="0"/>
-              <a:t> это нейронная сеть, имеющая специальную архитектуру, состоит из двух частей: кодировщик и </a:t>
+              <a:t> это нейронная сеть, имеющая специальную архитектуру: </a:t>
+            </a:r>
+          </a:p>
+          <a:p>
+            <a:pPr marL="800100" lvl="1" indent="-342900" algn="just">
+              <a:buFont typeface="Arial" panose="020B0604020202020204" pitchFamily="34" charset="0"/>
+              <a:buChar char="•"/>
+            </a:pPr>
+            <a:r>
+              <a:rPr lang="ru-RU" sz="2000" dirty="0"/>
+              <a:t>имеет одинаковый входной и выходной слои</a:t>
+            </a:r>
+          </a:p>
+          <a:p>
+            <a:pPr marL="800100" lvl="1" indent="-342900" algn="just">
+              <a:buFont typeface="Arial" panose="020B0604020202020204" pitchFamily="34" charset="0"/>
+              <a:buChar char="•"/>
+            </a:pPr>
+            <a:r>
+              <a:rPr lang="ru-RU" sz="2000" dirty="0"/>
+              <a:t>содержит скрытый слой для хранения кода (меньшего размера, чем входной слой)</a:t>
+            </a:r>
+          </a:p>
+          <a:p>
+            <a:pPr marL="800100" lvl="1" indent="-342900" algn="just">
+              <a:buFont typeface="Arial" panose="020B0604020202020204" pitchFamily="34" charset="0"/>
+              <a:buChar char="•"/>
+            </a:pPr>
+            <a:r>
+              <a:rPr lang="ru-RU" sz="2000" dirty="0"/>
+              <a:t>состоит из двух частей (кодировщик и </a:t>
             </a:r>
             <a:r>
               <a:rPr lang="ru-RU" sz="2000" dirty="0" err="1"/>
@@ -7405,7 +8966,7 @@
             </a:r>
             <a:r>
               <a:rPr lang="ru-RU" sz="2000" dirty="0"/>
-              <a:t>.</a:t>
+              <a:t>).</a:t>
             </a:r>
           </a:p>
           <a:p>
@@ -7422,7 +8983,7 @@
             </a:pPr>
             <a:r>
               <a:rPr lang="ru-RU" sz="2000" dirty="0"/>
-              <a:t>Сначала модель обучают кодировать и декодировать сигналы из имеющейся выборки, при этом закодированный сигнал имеет гораздо меньшую размерность, чем исходный, поэтому модели приходится учиться «сжимать» информацию. </a:t>
+              <a:t>Сначала модель обучают кодировать и декодировать сигналы из имеющейся выборки, при этом закодированный сигнал имеет гораздо меньшую размерность, чем исходный, поэтому модель учится «сжимать» информацию. </a:t>
             </a:r>
           </a:p>
           <a:p>
@@ -7453,13 +9014,6 @@
               <a:rPr lang="ru-RU" sz="2000" dirty="0"/>
               <a:t>)</a:t>
             </a:r>
-            <a:endParaRPr lang="ru-RU" sz="2400" dirty="0">
-              <a:ea typeface="Tahoma" panose="020B0604030504040204" pitchFamily="34" charset="0"/>
-              <a:cs typeface="Tahoma" panose="020B0604030504040204" pitchFamily="34" charset="0"/>
-            </a:endParaRPr>
-          </a:p>
-          <a:p>
-            <a:pPr algn="just"/>
             <a:endParaRPr lang="ru-RU" sz="2400" dirty="0">
               <a:ea typeface="Tahoma" panose="020B0604030504040204" pitchFamily="34" charset="0"/>
               <a:cs typeface="Tahoma" panose="020B0604030504040204" pitchFamily="34" charset="0"/>
@@ -7613,8 +9167,8 @@
         </p:nvSpPr>
         <p:spPr>
           <a:xfrm>
-            <a:off x="7633982" y="6064220"/>
-            <a:ext cx="4024618" cy="584775"/>
+            <a:off x="8434431" y="5402689"/>
+            <a:ext cx="2875327" cy="830997"/>
           </a:xfrm>
           <a:prstGeom prst="rect">
             <a:avLst/>
@@ -7629,7 +9183,14 @@
             <a:pPr algn="ctr"/>
             <a:r>
               <a:rPr lang="ru-RU" sz="1600" dirty="0"/>
-              <a:t>Вот пример такого сжатия для картинок 32 на 32 пикселя в матрицу из 32 чисел.</a:t>
+              <a:t>Пример сжатия для картинок 32 на 32 пикселя </a:t>
+            </a:r>
+          </a:p>
+          <a:p>
+            <a:pPr algn="ctr"/>
+            <a:r>
+              <a:rPr lang="ru-RU" sz="1600" dirty="0"/>
+              <a:t>в матрицу из 32 чисел.</a:t>
             </a:r>
           </a:p>
         </p:txBody>
@@ -8036,7 +9597,7 @@
         </p:blipFill>
         <p:spPr>
           <a:xfrm>
-            <a:off x="4681057" y="3523882"/>
+            <a:off x="2567251" y="3523882"/>
             <a:ext cx="6912309" cy="2413953"/>
           </a:xfrm>
           <a:prstGeom prst="rect">
@@ -8955,6 +10516,66 @@
           </a:p>
         </p:txBody>
       </p:sp>
+      <p:pic>
+        <p:nvPicPr>
+          <p:cNvPr id="7" name="Рисунок 3">
+            <a:extLst>
+              <a:ext uri="{FF2B5EF4-FFF2-40B4-BE49-F238E27FC236}">
+                <a16:creationId xmlns:a16="http://schemas.microsoft.com/office/drawing/2014/main" id="{9D49BB91-13FD-496A-8D07-87C84180E741}"/>
+              </a:ext>
+            </a:extLst>
+          </p:cNvPr>
+          <p:cNvPicPr>
+            <a:picLocks noChangeAspect="1" noChangeArrowheads="1"/>
+          </p:cNvPicPr>
+          <p:nvPr/>
+        </p:nvPicPr>
+        <p:blipFill>
+          <a:blip r:embed="rId3">
+            <a:extLst>
+              <a:ext uri="{28A0092B-C50C-407E-A947-70E740481C1C}">
+                <a14:useLocalDpi xmlns:a14="http://schemas.microsoft.com/office/drawing/2010/main" val="0"/>
+              </a:ext>
+            </a:extLst>
+          </a:blip>
+          <a:srcRect/>
+          <a:stretch>
+            <a:fillRect/>
+          </a:stretch>
+        </p:blipFill>
+        <p:spPr bwMode="auto">
+          <a:xfrm>
+            <a:off x="6652470" y="2214741"/>
+            <a:ext cx="4806538" cy="2216465"/>
+          </a:xfrm>
+          <a:prstGeom prst="rect">
+            <a:avLst/>
+          </a:prstGeom>
+          <a:noFill/>
+          <a:ln>
+            <a:noFill/>
+          </a:ln>
+          <a:extLst>
+            <a:ext uri="{909E8E84-426E-40DD-AFC4-6F175D3DCCD1}">
+              <a14:hiddenFill xmlns:a14="http://schemas.microsoft.com/office/drawing/2010/main">
+                <a:solidFill>
+                  <a:srgbClr val="FFFFFF"/>
+                </a:solidFill>
+              </a14:hiddenFill>
+            </a:ext>
+            <a:ext uri="{91240B29-F687-4F45-9708-019B960494DF}">
+              <a14:hiddenLine xmlns:a14="http://schemas.microsoft.com/office/drawing/2010/main" w="9525">
+                <a:solidFill>
+                  <a:srgbClr val="000000"/>
+                </a:solidFill>
+                <a:miter lim="800000"/>
+                <a:headEnd/>
+                <a:tailEnd/>
+              </a14:hiddenLine>
+            </a:ext>
+          </a:extLst>
+        </p:spPr>
+      </p:pic>
     </p:spTree>
     <p:extLst>
       <p:ext uri="{BB962C8B-B14F-4D97-AF65-F5344CB8AC3E}">
